--- a/Sprint2/Mod_Status_Report-PI2023.pptx
+++ b/Sprint2/Mod_Status_Report-PI2023.pptx
@@ -7,14 +7,16 @@
     <p:sldMasterId id="2147483665" r:id="rId6"/>
   </p:sldMasterIdLst>
   <p:notesMasterIdLst>
-    <p:notesMasterId r:id="rId9"/>
+    <p:notesMasterId r:id="rId11"/>
   </p:notesMasterIdLst>
   <p:handoutMasterIdLst>
-    <p:handoutMasterId r:id="rId10"/>
+    <p:handoutMasterId r:id="rId12"/>
   </p:handoutMasterIdLst>
   <p:sldIdLst>
     <p:sldId id="471" r:id="rId7"/>
     <p:sldId id="472" r:id="rId8"/>
+    <p:sldId id="474" r:id="rId9"/>
+    <p:sldId id="473" r:id="rId10"/>
   </p:sldIdLst>
   <p:sldSz cx="13442950" cy="7561263"/>
   <p:notesSz cx="7104063" cy="10234613"/>
@@ -123,6 +125,8 @@
           <p14:sldIdLst>
             <p14:sldId id="471"/>
             <p14:sldId id="472"/>
+            <p14:sldId id="474"/>
+            <p14:sldId id="473"/>
           </p14:sldIdLst>
         </p14:section>
       </p14:sectionLst>
@@ -148,7 +152,7 @@
 <file path=ppt/revisionInfo.xml><?xml version="1.0" encoding="utf-8"?>
 <p1510:revInfo xmlns:a="http://schemas.openxmlformats.org/drawingml/2006/main" xmlns:r="http://schemas.openxmlformats.org/officeDocument/2006/relationships" xmlns:p1510="http://schemas.microsoft.com/office/powerpoint/2015/10/main">
   <p1510:revLst>
-    <p1510:client id="{39156449-86B8-4CB2-AAF1-5FE5E17F628E}" v="1" dt="2023-04-06T22:56:32.277"/>
+    <p1510:client id="{387F3D7B-D82F-42EE-A07D-CC935319D4FE}" v="8" dt="2023-04-20T22:24:31.449"/>
   </p1510:revLst>
 </p1510:revInfo>
 </file>
@@ -649,6 +653,203 @@
           <pc:docMk/>
           <pc:sldMk cId="3935020308" sldId="473"/>
         </pc:sldMkLst>
+      </pc:sldChg>
+    </pc:docChg>
+  </pc:docChgLst>
+  <pc:docChgLst>
+    <pc:chgData name="Raul Meira de Souza" userId="0b810766-76aa-4ac6-b01e-c80b8c896654" providerId="ADAL" clId="{387F3D7B-D82F-42EE-A07D-CC935319D4FE}"/>
+    <pc:docChg chg="undo custSel addSld delSld modSld sldOrd modSection">
+      <pc:chgData name="Raul Meira de Souza" userId="0b810766-76aa-4ac6-b01e-c80b8c896654" providerId="ADAL" clId="{387F3D7B-D82F-42EE-A07D-CC935319D4FE}" dt="2023-04-20T22:52:41.260" v="479" actId="47"/>
+      <pc:docMkLst>
+        <pc:docMk/>
+      </pc:docMkLst>
+      <pc:sldChg chg="mod modShow">
+        <pc:chgData name="Raul Meira de Souza" userId="0b810766-76aa-4ac6-b01e-c80b8c896654" providerId="ADAL" clId="{387F3D7B-D82F-42EE-A07D-CC935319D4FE}" dt="2023-04-20T22:27:49.575" v="477" actId="729"/>
+        <pc:sldMkLst>
+          <pc:docMk/>
+          <pc:sldMk cId="3623059110" sldId="472"/>
+        </pc:sldMkLst>
+      </pc:sldChg>
+      <pc:sldChg chg="addSp delSp modSp add mod">
+        <pc:chgData name="Raul Meira de Souza" userId="0b810766-76aa-4ac6-b01e-c80b8c896654" providerId="ADAL" clId="{387F3D7B-D82F-42EE-A07D-CC935319D4FE}" dt="2023-04-20T22:26:37.842" v="476" actId="20577"/>
+        <pc:sldMkLst>
+          <pc:docMk/>
+          <pc:sldMk cId="4193133841" sldId="473"/>
+        </pc:sldMkLst>
+        <pc:spChg chg="mod">
+          <ac:chgData name="Raul Meira de Souza" userId="0b810766-76aa-4ac6-b01e-c80b8c896654" providerId="ADAL" clId="{387F3D7B-D82F-42EE-A07D-CC935319D4FE}" dt="2023-04-20T22:26:37.842" v="476" actId="20577"/>
+          <ac:spMkLst>
+            <pc:docMk/>
+            <pc:sldMk cId="4193133841" sldId="473"/>
+            <ac:spMk id="2" creationId="{B15BA19F-C787-4E6A-ADAB-C0DFF09C66A8}"/>
+          </ac:spMkLst>
+        </pc:spChg>
+        <pc:spChg chg="mod">
+          <ac:chgData name="Raul Meira de Souza" userId="0b810766-76aa-4ac6-b01e-c80b8c896654" providerId="ADAL" clId="{387F3D7B-D82F-42EE-A07D-CC935319D4FE}" dt="2023-04-20T22:19:38.263" v="11" actId="20577"/>
+          <ac:spMkLst>
+            <pc:docMk/>
+            <pc:sldMk cId="4193133841" sldId="473"/>
+            <ac:spMk id="3" creationId="{00000000-0000-0000-0000-000000000000}"/>
+          </ac:spMkLst>
+        </pc:spChg>
+        <pc:spChg chg="mod">
+          <ac:chgData name="Raul Meira de Souza" userId="0b810766-76aa-4ac6-b01e-c80b8c896654" providerId="ADAL" clId="{387F3D7B-D82F-42EE-A07D-CC935319D4FE}" dt="2023-04-20T22:26:10.324" v="441" actId="20577"/>
+          <ac:spMkLst>
+            <pc:docMk/>
+            <pc:sldMk cId="4193133841" sldId="473"/>
+            <ac:spMk id="4" creationId="{00000000-0000-0000-0000-000000000000}"/>
+          </ac:spMkLst>
+        </pc:spChg>
+        <pc:spChg chg="del">
+          <ac:chgData name="Raul Meira de Souza" userId="0b810766-76aa-4ac6-b01e-c80b8c896654" providerId="ADAL" clId="{387F3D7B-D82F-42EE-A07D-CC935319D4FE}" dt="2023-04-20T22:21:15.228" v="94" actId="478"/>
+          <ac:spMkLst>
+            <pc:docMk/>
+            <pc:sldMk cId="4193133841" sldId="473"/>
+            <ac:spMk id="6" creationId="{70825C6F-9257-4CF5-8C62-1CA1EB2F8815}"/>
+          </ac:spMkLst>
+        </pc:spChg>
+        <pc:spChg chg="add mod">
+          <ac:chgData name="Raul Meira de Souza" userId="0b810766-76aa-4ac6-b01e-c80b8c896654" providerId="ADAL" clId="{387F3D7B-D82F-42EE-A07D-CC935319D4FE}" dt="2023-04-20T22:21:20.381" v="96" actId="1076"/>
+          <ac:spMkLst>
+            <pc:docMk/>
+            <pc:sldMk cId="4193133841" sldId="473"/>
+            <ac:spMk id="7" creationId="{6762F8F5-CA23-FD8C-D00E-45B6DC9BFECE}"/>
+          </ac:spMkLst>
+        </pc:spChg>
+        <pc:spChg chg="del">
+          <ac:chgData name="Raul Meira de Souza" userId="0b810766-76aa-4ac6-b01e-c80b8c896654" providerId="ADAL" clId="{387F3D7B-D82F-42EE-A07D-CC935319D4FE}" dt="2023-04-20T22:21:24.421" v="98" actId="478"/>
+          <ac:spMkLst>
+            <pc:docMk/>
+            <pc:sldMk cId="4193133841" sldId="473"/>
+            <ac:spMk id="9" creationId="{B60B13C9-0C70-4C0F-82B2-D0CD4FDFC1F0}"/>
+          </ac:spMkLst>
+        </pc:spChg>
+        <pc:spChg chg="del">
+          <ac:chgData name="Raul Meira de Souza" userId="0b810766-76aa-4ac6-b01e-c80b8c896654" providerId="ADAL" clId="{387F3D7B-D82F-42EE-A07D-CC935319D4FE}" dt="2023-04-20T22:26:07.547" v="440" actId="478"/>
+          <ac:spMkLst>
+            <pc:docMk/>
+            <pc:sldMk cId="4193133841" sldId="473"/>
+            <ac:spMk id="11" creationId="{B7560C33-4B60-C89A-3731-2294CE8CE15B}"/>
+          </ac:spMkLst>
+        </pc:spChg>
+        <pc:spChg chg="add mod">
+          <ac:chgData name="Raul Meira de Souza" userId="0b810766-76aa-4ac6-b01e-c80b8c896654" providerId="ADAL" clId="{387F3D7B-D82F-42EE-A07D-CC935319D4FE}" dt="2023-04-20T22:21:34.216" v="102" actId="1076"/>
+          <ac:spMkLst>
+            <pc:docMk/>
+            <pc:sldMk cId="4193133841" sldId="473"/>
+            <ac:spMk id="12" creationId="{F3616215-C679-8ACC-2C3E-1E6F576E597A}"/>
+          </ac:spMkLst>
+        </pc:spChg>
+        <pc:spChg chg="mod">
+          <ac:chgData name="Raul Meira de Souza" userId="0b810766-76aa-4ac6-b01e-c80b8c896654" providerId="ADAL" clId="{387F3D7B-D82F-42EE-A07D-CC935319D4FE}" dt="2023-04-20T22:25:52.209" v="439" actId="1076"/>
+          <ac:spMkLst>
+            <pc:docMk/>
+            <pc:sldMk cId="4193133841" sldId="473"/>
+            <ac:spMk id="13" creationId="{43AC09ED-3C9B-0C85-00A6-3239F78E498E}"/>
+          </ac:spMkLst>
+        </pc:spChg>
+        <pc:spChg chg="del">
+          <ac:chgData name="Raul Meira de Souza" userId="0b810766-76aa-4ac6-b01e-c80b8c896654" providerId="ADAL" clId="{387F3D7B-D82F-42EE-A07D-CC935319D4FE}" dt="2023-04-20T22:24:26.102" v="309" actId="478"/>
+          <ac:spMkLst>
+            <pc:docMk/>
+            <pc:sldMk cId="4193133841" sldId="473"/>
+            <ac:spMk id="14" creationId="{84EC0B93-2677-4368-A88C-4D732E9CB3CF}"/>
+          </ac:spMkLst>
+        </pc:spChg>
+        <pc:spChg chg="del">
+          <ac:chgData name="Raul Meira de Souza" userId="0b810766-76aa-4ac6-b01e-c80b8c896654" providerId="ADAL" clId="{387F3D7B-D82F-42EE-A07D-CC935319D4FE}" dt="2023-04-20T22:24:28.613" v="310" actId="478"/>
+          <ac:spMkLst>
+            <pc:docMk/>
+            <pc:sldMk cId="4193133841" sldId="473"/>
+            <ac:spMk id="15" creationId="{FC7E31FD-1643-0588-5577-A663FA285D0F}"/>
+          </ac:spMkLst>
+        </pc:spChg>
+        <pc:spChg chg="mod">
+          <ac:chgData name="Raul Meira de Souza" userId="0b810766-76aa-4ac6-b01e-c80b8c896654" providerId="ADAL" clId="{387F3D7B-D82F-42EE-A07D-CC935319D4FE}" dt="2023-04-20T22:23:31.083" v="252" actId="1076"/>
+          <ac:spMkLst>
+            <pc:docMk/>
+            <pc:sldMk cId="4193133841" sldId="473"/>
+            <ac:spMk id="16" creationId="{55FFC848-9C3F-F592-072D-DE328635EC51}"/>
+          </ac:spMkLst>
+        </pc:spChg>
+        <pc:spChg chg="add mod">
+          <ac:chgData name="Raul Meira de Souza" userId="0b810766-76aa-4ac6-b01e-c80b8c896654" providerId="ADAL" clId="{387F3D7B-D82F-42EE-A07D-CC935319D4FE}" dt="2023-04-20T22:21:38.573" v="104" actId="1076"/>
+          <ac:spMkLst>
+            <pc:docMk/>
+            <pc:sldMk cId="4193133841" sldId="473"/>
+            <ac:spMk id="17" creationId="{699F6ABE-4CA3-59FD-9F54-9CDBCFA30E35}"/>
+          </ac:spMkLst>
+        </pc:spChg>
+        <pc:spChg chg="add mod">
+          <ac:chgData name="Raul Meira de Souza" userId="0b810766-76aa-4ac6-b01e-c80b8c896654" providerId="ADAL" clId="{387F3D7B-D82F-42EE-A07D-CC935319D4FE}" dt="2023-04-20T22:21:44.599" v="107" actId="1076"/>
+          <ac:spMkLst>
+            <pc:docMk/>
+            <pc:sldMk cId="4193133841" sldId="473"/>
+            <ac:spMk id="18" creationId="{B263849C-03DC-C50A-E89F-4966AC27C956}"/>
+          </ac:spMkLst>
+        </pc:spChg>
+        <pc:spChg chg="add mod">
+          <ac:chgData name="Raul Meira de Souza" userId="0b810766-76aa-4ac6-b01e-c80b8c896654" providerId="ADAL" clId="{387F3D7B-D82F-42EE-A07D-CC935319D4FE}" dt="2023-04-20T22:23:59.023" v="302" actId="1076"/>
+          <ac:spMkLst>
+            <pc:docMk/>
+            <pc:sldMk cId="4193133841" sldId="473"/>
+            <ac:spMk id="19" creationId="{B0FFF6FE-CE8F-A1EB-B9F2-5469956FB30B}"/>
+          </ac:spMkLst>
+        </pc:spChg>
+        <pc:spChg chg="add mod">
+          <ac:chgData name="Raul Meira de Souza" userId="0b810766-76aa-4ac6-b01e-c80b8c896654" providerId="ADAL" clId="{387F3D7B-D82F-42EE-A07D-CC935319D4FE}" dt="2023-04-20T22:24:35.893" v="312" actId="1076"/>
+          <ac:spMkLst>
+            <pc:docMk/>
+            <pc:sldMk cId="4193133841" sldId="473"/>
+            <ac:spMk id="20" creationId="{77759218-FA94-2057-8466-7F65D85C86A2}"/>
+          </ac:spMkLst>
+        </pc:spChg>
+        <pc:spChg chg="del">
+          <ac:chgData name="Raul Meira de Souza" userId="0b810766-76aa-4ac6-b01e-c80b8c896654" providerId="ADAL" clId="{387F3D7B-D82F-42EE-A07D-CC935319D4FE}" dt="2023-04-20T22:21:40.754" v="105" actId="478"/>
+          <ac:spMkLst>
+            <pc:docMk/>
+            <pc:sldMk cId="4193133841" sldId="473"/>
+            <ac:spMk id="44" creationId="{2688D066-DD5D-4246-B846-8AD1218C78EC}"/>
+          </ac:spMkLst>
+        </pc:spChg>
+        <pc:spChg chg="mod">
+          <ac:chgData name="Raul Meira de Souza" userId="0b810766-76aa-4ac6-b01e-c80b8c896654" providerId="ADAL" clId="{387F3D7B-D82F-42EE-A07D-CC935319D4FE}" dt="2023-04-20T22:23:09.972" v="251" actId="20577"/>
+          <ac:spMkLst>
+            <pc:docMk/>
+            <pc:sldMk cId="4193133841" sldId="473"/>
+            <ac:spMk id="63" creationId="{00000000-0000-0000-0000-000000000000}"/>
+          </ac:spMkLst>
+        </pc:spChg>
+        <pc:spChg chg="del">
+          <ac:chgData name="Raul Meira de Souza" userId="0b810766-76aa-4ac6-b01e-c80b8c896654" providerId="ADAL" clId="{387F3D7B-D82F-42EE-A07D-CC935319D4FE}" dt="2023-04-20T22:21:22.742" v="97" actId="478"/>
+          <ac:spMkLst>
+            <pc:docMk/>
+            <pc:sldMk cId="4193133841" sldId="473"/>
+            <ac:spMk id="109" creationId="{00000000-0000-0000-0000-000000000000}"/>
+          </ac:spMkLst>
+        </pc:spChg>
+      </pc:sldChg>
+      <pc:sldChg chg="add mod ord modShow">
+        <pc:chgData name="Raul Meira de Souza" userId="0b810766-76aa-4ac6-b01e-c80b8c896654" providerId="ADAL" clId="{387F3D7B-D82F-42EE-A07D-CC935319D4FE}" dt="2023-04-20T22:27:51.186" v="478" actId="729"/>
+        <pc:sldMkLst>
+          <pc:docMk/>
+          <pc:sldMk cId="3230952983" sldId="474"/>
+        </pc:sldMkLst>
+      </pc:sldChg>
+      <pc:sldChg chg="addSp delSp new del mod">
+        <pc:chgData name="Raul Meira de Souza" userId="0b810766-76aa-4ac6-b01e-c80b8c896654" providerId="ADAL" clId="{387F3D7B-D82F-42EE-A07D-CC935319D4FE}" dt="2023-04-20T22:52:41.260" v="479" actId="47"/>
+        <pc:sldMkLst>
+          <pc:docMk/>
+          <pc:sldMk cId="3241662864" sldId="475"/>
+        </pc:sldMkLst>
+        <pc:spChg chg="add del">
+          <ac:chgData name="Raul Meira de Souza" userId="0b810766-76aa-4ac6-b01e-c80b8c896654" providerId="ADAL" clId="{387F3D7B-D82F-42EE-A07D-CC935319D4FE}" dt="2023-04-20T22:25:24.332" v="388" actId="22"/>
+          <ac:spMkLst>
+            <pc:docMk/>
+            <pc:sldMk cId="3241662864" sldId="475"/>
+            <ac:spMk id="5" creationId="{C00EA8DF-5818-FEC0-F52C-0500293F6CF6}"/>
+          </ac:spMkLst>
+        </pc:spChg>
       </pc:sldChg>
     </pc:docChg>
   </pc:docChgLst>
@@ -1709,7 +1910,7 @@
             <a:fld id="{C3CD65D1-5C11-455D-9F9A-0E035F00A0DA}" type="datetimeFigureOut">
               <a:rPr lang="pt-BR" smtClean="0"/>
               <a:pPr/>
-              <a:t>06/04/2023</a:t>
+              <a:t>20/04/2023</a:t>
             </a:fld>
             <a:endParaRPr lang="pt-BR"/>
           </a:p>
@@ -1877,7 +2078,7 @@
             <a:fld id="{A05DA3EF-18EA-43DE-B1BB-402A3C558822}" type="datetimeFigureOut">
               <a:rPr lang="pt-BR" smtClean="0"/>
               <a:pPr/>
-              <a:t>06/04/2023</a:t>
+              <a:t>20/04/2023</a:t>
             </a:fld>
             <a:endParaRPr lang="pt-BR"/>
           </a:p>
@@ -2320,6 +2521,192 @@
     <p:extLst>
       <p:ext uri="{BB962C8B-B14F-4D97-AF65-F5344CB8AC3E}">
         <p14:creationId xmlns:p14="http://schemas.microsoft.com/office/powerpoint/2010/main" val="1705250214"/>
+      </p:ext>
+    </p:extLst>
+  </p:cSld>
+  <p:clrMapOvr>
+    <a:masterClrMapping/>
+  </p:clrMapOvr>
+</p:notes>
+</file>
+
+<file path=ppt/notesSlides/notesSlide3.xml><?xml version="1.0" encoding="utf-8"?>
+<p:notes xmlns:a="http://schemas.openxmlformats.org/drawingml/2006/main" xmlns:r="http://schemas.openxmlformats.org/officeDocument/2006/relationships" xmlns:p="http://schemas.openxmlformats.org/presentationml/2006/main">
+  <p:cSld>
+    <p:spTree>
+      <p:nvGrpSpPr>
+        <p:cNvPr id="1" name=""/>
+        <p:cNvGrpSpPr/>
+        <p:nvPr/>
+      </p:nvGrpSpPr>
+      <p:grpSpPr>
+        <a:xfrm>
+          <a:off x="0" y="0"/>
+          <a:ext cx="0" cy="0"/>
+          <a:chOff x="0" y="0"/>
+          <a:chExt cx="0" cy="0"/>
+        </a:xfrm>
+      </p:grpSpPr>
+      <p:sp>
+        <p:nvSpPr>
+          <p:cNvPr id="2" name="Slide Image Placeholder 1"/>
+          <p:cNvSpPr>
+            <a:spLocks noGrp="1" noRot="1" noChangeAspect="1"/>
+          </p:cNvSpPr>
+          <p:nvPr>
+            <p:ph type="sldImg"/>
+          </p:nvPr>
+        </p:nvSpPr>
+        <p:spPr/>
+      </p:sp>
+      <p:sp>
+        <p:nvSpPr>
+          <p:cNvPr id="3" name="Notes Placeholder 2"/>
+          <p:cNvSpPr>
+            <a:spLocks noGrp="1"/>
+          </p:cNvSpPr>
+          <p:nvPr>
+            <p:ph type="body" idx="1"/>
+          </p:nvPr>
+        </p:nvSpPr>
+        <p:spPr/>
+        <p:txBody>
+          <a:bodyPr/>
+          <a:lstStyle/>
+          <a:p>
+            <a:endParaRPr lang="en-US"/>
+          </a:p>
+        </p:txBody>
+      </p:sp>
+      <p:sp>
+        <p:nvSpPr>
+          <p:cNvPr id="4" name="Slide Number Placeholder 3"/>
+          <p:cNvSpPr>
+            <a:spLocks noGrp="1"/>
+          </p:cNvSpPr>
+          <p:nvPr>
+            <p:ph type="sldNum" sz="quarter" idx="10"/>
+          </p:nvPr>
+        </p:nvSpPr>
+        <p:spPr/>
+        <p:txBody>
+          <a:bodyPr/>
+          <a:lstStyle/>
+          <a:p>
+            <a:fld id="{B39AF3DB-B6A1-2444-9DD8-53D016F8E638}" type="slidenum">
+              <a:rPr lang="pt-BR" smtClean="0">
+                <a:solidFill>
+                  <a:prstClr val="black"/>
+                </a:solidFill>
+              </a:rPr>
+              <a:pPr/>
+              <a:t>3</a:t>
+            </a:fld>
+            <a:endParaRPr lang="pt-BR">
+              <a:solidFill>
+                <a:prstClr val="black"/>
+              </a:solidFill>
+            </a:endParaRPr>
+          </a:p>
+        </p:txBody>
+      </p:sp>
+    </p:spTree>
+    <p:extLst>
+      <p:ext uri="{BB962C8B-B14F-4D97-AF65-F5344CB8AC3E}">
+        <p14:creationId xmlns:p14="http://schemas.microsoft.com/office/powerpoint/2010/main" val="1621821001"/>
+      </p:ext>
+    </p:extLst>
+  </p:cSld>
+  <p:clrMapOvr>
+    <a:masterClrMapping/>
+  </p:clrMapOvr>
+</p:notes>
+</file>
+
+<file path=ppt/notesSlides/notesSlide4.xml><?xml version="1.0" encoding="utf-8"?>
+<p:notes xmlns:a="http://schemas.openxmlformats.org/drawingml/2006/main" xmlns:r="http://schemas.openxmlformats.org/officeDocument/2006/relationships" xmlns:p="http://schemas.openxmlformats.org/presentationml/2006/main">
+  <p:cSld>
+    <p:spTree>
+      <p:nvGrpSpPr>
+        <p:cNvPr id="1" name=""/>
+        <p:cNvGrpSpPr/>
+        <p:nvPr/>
+      </p:nvGrpSpPr>
+      <p:grpSpPr>
+        <a:xfrm>
+          <a:off x="0" y="0"/>
+          <a:ext cx="0" cy="0"/>
+          <a:chOff x="0" y="0"/>
+          <a:chExt cx="0" cy="0"/>
+        </a:xfrm>
+      </p:grpSpPr>
+      <p:sp>
+        <p:nvSpPr>
+          <p:cNvPr id="2" name="Slide Image Placeholder 1"/>
+          <p:cNvSpPr>
+            <a:spLocks noGrp="1" noRot="1" noChangeAspect="1"/>
+          </p:cNvSpPr>
+          <p:nvPr>
+            <p:ph type="sldImg"/>
+          </p:nvPr>
+        </p:nvSpPr>
+        <p:spPr/>
+      </p:sp>
+      <p:sp>
+        <p:nvSpPr>
+          <p:cNvPr id="3" name="Notes Placeholder 2"/>
+          <p:cNvSpPr>
+            <a:spLocks noGrp="1"/>
+          </p:cNvSpPr>
+          <p:nvPr>
+            <p:ph type="body" idx="1"/>
+          </p:nvPr>
+        </p:nvSpPr>
+        <p:spPr/>
+        <p:txBody>
+          <a:bodyPr/>
+          <a:lstStyle/>
+          <a:p>
+            <a:endParaRPr lang="en-US"/>
+          </a:p>
+        </p:txBody>
+      </p:sp>
+      <p:sp>
+        <p:nvSpPr>
+          <p:cNvPr id="4" name="Slide Number Placeholder 3"/>
+          <p:cNvSpPr>
+            <a:spLocks noGrp="1"/>
+          </p:cNvSpPr>
+          <p:nvPr>
+            <p:ph type="sldNum" sz="quarter" idx="10"/>
+          </p:nvPr>
+        </p:nvSpPr>
+        <p:spPr/>
+        <p:txBody>
+          <a:bodyPr/>
+          <a:lstStyle/>
+          <a:p>
+            <a:fld id="{B39AF3DB-B6A1-2444-9DD8-53D016F8E638}" type="slidenum">
+              <a:rPr lang="pt-BR" smtClean="0">
+                <a:solidFill>
+                  <a:prstClr val="black"/>
+                </a:solidFill>
+              </a:rPr>
+              <a:pPr/>
+              <a:t>4</a:t>
+            </a:fld>
+            <a:endParaRPr lang="pt-BR">
+              <a:solidFill>
+                <a:prstClr val="black"/>
+              </a:solidFill>
+            </a:endParaRPr>
+          </a:p>
+        </p:txBody>
+      </p:sp>
+    </p:spTree>
+    <p:extLst>
+      <p:ext uri="{BB962C8B-B14F-4D97-AF65-F5344CB8AC3E}">
+        <p14:creationId xmlns:p14="http://schemas.microsoft.com/office/powerpoint/2010/main" val="2760043282"/>
       </p:ext>
     </p:extLst>
   </p:cSld>
@@ -24525,7 +24912,7 @@
 </file>
 
 <file path=ppt/slides/slide2.xml><?xml version="1.0" encoding="utf-8"?>
-<p:sld xmlns:a="http://schemas.openxmlformats.org/drawingml/2006/main" xmlns:r="http://schemas.openxmlformats.org/officeDocument/2006/relationships" xmlns:p="http://schemas.openxmlformats.org/presentationml/2006/main">
+<p:sld xmlns:a="http://schemas.openxmlformats.org/drawingml/2006/main" xmlns:r="http://schemas.openxmlformats.org/officeDocument/2006/relationships" xmlns:p="http://schemas.openxmlformats.org/presentationml/2006/main" show="0">
   <p:cSld>
     <p:spTree>
       <p:nvGrpSpPr>
@@ -27142,6 +27529,4928 @@
     <p:extLst>
       <p:ext uri="{BB962C8B-B14F-4D97-AF65-F5344CB8AC3E}">
         <p14:creationId xmlns:p14="http://schemas.microsoft.com/office/powerpoint/2010/main" val="3623059110"/>
+      </p:ext>
+    </p:extLst>
+  </p:cSld>
+  <p:clrMapOvr>
+    <a:masterClrMapping/>
+  </p:clrMapOvr>
+</p:sld>
+</file>
+
+<file path=ppt/slides/slide3.xml><?xml version="1.0" encoding="utf-8"?>
+<p:sld xmlns:a="http://schemas.openxmlformats.org/drawingml/2006/main" xmlns:r="http://schemas.openxmlformats.org/officeDocument/2006/relationships" xmlns:p="http://schemas.openxmlformats.org/presentationml/2006/main" show="0">
+  <p:cSld>
+    <p:spTree>
+      <p:nvGrpSpPr>
+        <p:cNvPr id="1" name=""/>
+        <p:cNvGrpSpPr/>
+        <p:nvPr/>
+      </p:nvGrpSpPr>
+      <p:grpSpPr>
+        <a:xfrm>
+          <a:off x="0" y="0"/>
+          <a:ext cx="0" cy="0"/>
+          <a:chOff x="0" y="0"/>
+          <a:chExt cx="0" cy="0"/>
+        </a:xfrm>
+      </p:grpSpPr>
+      <p:sp>
+        <p:nvSpPr>
+          <p:cNvPr id="43" name="Rectangle 42"/>
+          <p:cNvSpPr/>
+          <p:nvPr/>
+        </p:nvSpPr>
+        <p:spPr>
+          <a:xfrm>
+            <a:off x="6804883" y="1106495"/>
+            <a:ext cx="6209639" cy="2235805"/>
+          </a:xfrm>
+          <a:prstGeom prst="rect">
+            <a:avLst/>
+          </a:prstGeom>
+          <a:noFill/>
+          <a:ln w="12700">
+            <a:solidFill>
+              <a:schemeClr val="bg1">
+                <a:lumMod val="50000"/>
+              </a:schemeClr>
+            </a:solidFill>
+          </a:ln>
+        </p:spPr>
+        <p:style>
+          <a:lnRef idx="2">
+            <a:schemeClr val="accent4"/>
+          </a:lnRef>
+          <a:fillRef idx="1">
+            <a:schemeClr val="lt1"/>
+          </a:fillRef>
+          <a:effectRef idx="0">
+            <a:schemeClr val="accent4"/>
+          </a:effectRef>
+          <a:fontRef idx="minor">
+            <a:schemeClr val="dk1"/>
+          </a:fontRef>
+        </p:style>
+        <p:txBody>
+          <a:bodyPr tIns="105844" rtlCol="0" anchor="t"/>
+          <a:lstStyle/>
+          <a:p>
+            <a:pPr defTabSz="672130">
+              <a:spcAft>
+                <a:spcPts val="882"/>
+              </a:spcAft>
+            </a:pPr>
+            <a:endParaRPr lang="pt-BR" sz="1470" dirty="0">
+              <a:solidFill>
+                <a:schemeClr val="tx1"/>
+              </a:solidFill>
+              <a:latin typeface="Exo 2 Medium" panose="00000600000000000000" pitchFamily="50" charset="0"/>
+              <a:cs typeface="Simplon BP Regular"/>
+            </a:endParaRPr>
+          </a:p>
+        </p:txBody>
+      </p:sp>
+      <p:sp>
+        <p:nvSpPr>
+          <p:cNvPr id="3" name="Title 2"/>
+          <p:cNvSpPr>
+            <a:spLocks noGrp="1"/>
+          </p:cNvSpPr>
+          <p:nvPr>
+            <p:ph type="title"/>
+          </p:nvPr>
+        </p:nvSpPr>
+        <p:spPr>
+          <a:xfrm>
+            <a:off x="469692" y="185232"/>
+            <a:ext cx="4794878" cy="800352"/>
+          </a:xfrm>
+        </p:spPr>
+        <p:txBody>
+          <a:bodyPr vert="horz" wrap="square" lIns="105844" tIns="0" rIns="105844" bIns="0" numCol="1" anchor="t" anchorCtr="0" compatLnSpc="1">
+            <a:prstTxWarp prst="textNoShape">
+              <a:avLst/>
+            </a:prstTxWarp>
+            <a:noAutofit/>
+          </a:bodyPr>
+          <a:lstStyle/>
+          <a:p>
+            <a:pPr algn="l">
+              <a:spcAft>
+                <a:spcPts val="882"/>
+              </a:spcAft>
+            </a:pPr>
+            <a:r>
+              <a:rPr lang="en-US" sz="2646" dirty="0">
+                <a:solidFill>
+                  <a:prstClr val="black"/>
+                </a:solidFill>
+                <a:latin typeface="Exo 2 Medium" panose="00000600000000000000" pitchFamily="50" charset="0"/>
+                <a:cs typeface="Simplon Oi Headline"/>
+              </a:rPr>
+              <a:t>SEMANA 2 - 30/03/2023</a:t>
+            </a:r>
+          </a:p>
+        </p:txBody>
+      </p:sp>
+      <p:sp>
+        <p:nvSpPr>
+          <p:cNvPr id="78" name="TextBox 118"/>
+          <p:cNvSpPr txBox="1"/>
+          <p:nvPr/>
+        </p:nvSpPr>
+        <p:spPr>
+          <a:xfrm>
+            <a:off x="11930363" y="576471"/>
+            <a:ext cx="899678" cy="179824"/>
+          </a:xfrm>
+          <a:prstGeom prst="rect">
+            <a:avLst/>
+          </a:prstGeom>
+          <a:noFill/>
+          <a:ln w="12700">
+            <a:noFill/>
+          </a:ln>
+        </p:spPr>
+        <p:style>
+          <a:lnRef idx="2">
+            <a:schemeClr val="accent4"/>
+          </a:lnRef>
+          <a:fillRef idx="1">
+            <a:schemeClr val="lt1"/>
+          </a:fillRef>
+          <a:effectRef idx="0">
+            <a:schemeClr val="accent4"/>
+          </a:effectRef>
+          <a:fontRef idx="minor">
+            <a:schemeClr val="dk1"/>
+          </a:fontRef>
+        </p:style>
+        <p:txBody>
+          <a:bodyPr wrap="none" lIns="52922" tIns="52922" rIns="52922" bIns="0" rtlCol="0" anchor="b"/>
+          <a:lstStyle>
+            <a:defPPr>
+              <a:defRPr lang="en-US"/>
+            </a:defPPr>
+            <a:lvl1pPr algn="ctr">
+              <a:defRPr sz="1000" b="1">
+                <a:latin typeface="Simplon BP Regular"/>
+                <a:cs typeface="Simplon BP Regular"/>
+              </a:defRPr>
+            </a:lvl1pPr>
+            <a:lvl2pPr>
+              <a:defRPr>
+                <a:solidFill>
+                  <a:schemeClr val="dk1"/>
+                </a:solidFill>
+              </a:defRPr>
+            </a:lvl2pPr>
+            <a:lvl3pPr>
+              <a:defRPr>
+                <a:solidFill>
+                  <a:schemeClr val="dk1"/>
+                </a:solidFill>
+              </a:defRPr>
+            </a:lvl3pPr>
+            <a:lvl4pPr>
+              <a:defRPr>
+                <a:solidFill>
+                  <a:schemeClr val="dk1"/>
+                </a:solidFill>
+              </a:defRPr>
+            </a:lvl4pPr>
+            <a:lvl5pPr>
+              <a:defRPr>
+                <a:solidFill>
+                  <a:schemeClr val="dk1"/>
+                </a:solidFill>
+              </a:defRPr>
+            </a:lvl5pPr>
+            <a:lvl6pPr>
+              <a:defRPr>
+                <a:solidFill>
+                  <a:schemeClr val="dk1"/>
+                </a:solidFill>
+              </a:defRPr>
+            </a:lvl6pPr>
+            <a:lvl7pPr>
+              <a:defRPr>
+                <a:solidFill>
+                  <a:schemeClr val="dk1"/>
+                </a:solidFill>
+              </a:defRPr>
+            </a:lvl7pPr>
+            <a:lvl8pPr>
+              <a:defRPr>
+                <a:solidFill>
+                  <a:schemeClr val="dk1"/>
+                </a:solidFill>
+              </a:defRPr>
+            </a:lvl8pPr>
+            <a:lvl9pPr>
+              <a:defRPr>
+                <a:solidFill>
+                  <a:schemeClr val="dk1"/>
+                </a:solidFill>
+              </a:defRPr>
+            </a:lvl9pPr>
+          </a:lstStyle>
+          <a:p>
+            <a:pPr defTabSz="672130"/>
+            <a:r>
+              <a:rPr lang="pt-BR" sz="1176" b="0" dirty="0">
+                <a:solidFill>
+                  <a:prstClr val="black"/>
+                </a:solidFill>
+                <a:latin typeface="Exo 2 Medium" panose="00000600000000000000" pitchFamily="50" charset="0"/>
+              </a:rPr>
+              <a:t>Negócios</a:t>
+            </a:r>
+          </a:p>
+        </p:txBody>
+      </p:sp>
+      <p:sp>
+        <p:nvSpPr>
+          <p:cNvPr id="109" name="Oval 120"/>
+          <p:cNvSpPr>
+            <a:spLocks noChangeAspect="1"/>
+          </p:cNvSpPr>
+          <p:nvPr/>
+        </p:nvSpPr>
+        <p:spPr>
+          <a:xfrm>
+            <a:off x="11301488" y="343554"/>
+            <a:ext cx="211404" cy="211689"/>
+          </a:xfrm>
+          <a:prstGeom prst="ellipse">
+            <a:avLst/>
+          </a:prstGeom>
+          <a:solidFill>
+            <a:srgbClr val="FFC000"/>
+          </a:solidFill>
+          <a:ln w="12700">
+            <a:solidFill>
+              <a:schemeClr val="accent3"/>
+            </a:solidFill>
+          </a:ln>
+        </p:spPr>
+        <p:style>
+          <a:lnRef idx="2">
+            <a:schemeClr val="accent1">
+              <a:shade val="50000"/>
+            </a:schemeClr>
+          </a:lnRef>
+          <a:fillRef idx="1">
+            <a:schemeClr val="accent1"/>
+          </a:fillRef>
+          <a:effectRef idx="0">
+            <a:schemeClr val="accent1"/>
+          </a:effectRef>
+          <a:fontRef idx="minor">
+            <a:schemeClr val="lt1"/>
+          </a:fontRef>
+        </p:style>
+        <p:txBody>
+          <a:bodyPr wrap="none" lIns="52922" tIns="52922" rIns="52922" rtlCol="0" anchor="ctr"/>
+          <a:lstStyle/>
+          <a:p>
+            <a:pPr algn="ctr" defTabSz="672130"/>
+            <a:endParaRPr lang="en-US" sz="1176" dirty="0">
+              <a:solidFill>
+                <a:prstClr val="black"/>
+              </a:solidFill>
+              <a:latin typeface="Exo 2 Medium" panose="00000600000000000000" pitchFamily="50" charset="0"/>
+              <a:cs typeface="Simplon BP Regular"/>
+            </a:endParaRPr>
+          </a:p>
+        </p:txBody>
+      </p:sp>
+      <p:sp>
+        <p:nvSpPr>
+          <p:cNvPr id="80" name="TextBox 123"/>
+          <p:cNvSpPr txBox="1"/>
+          <p:nvPr/>
+        </p:nvSpPr>
+        <p:spPr>
+          <a:xfrm>
+            <a:off x="10960087" y="576471"/>
+            <a:ext cx="899678" cy="179824"/>
+          </a:xfrm>
+          <a:prstGeom prst="rect">
+            <a:avLst/>
+          </a:prstGeom>
+          <a:noFill/>
+          <a:ln w="12700">
+            <a:noFill/>
+          </a:ln>
+        </p:spPr>
+        <p:style>
+          <a:lnRef idx="2">
+            <a:schemeClr val="accent4"/>
+          </a:lnRef>
+          <a:fillRef idx="1">
+            <a:schemeClr val="lt1"/>
+          </a:fillRef>
+          <a:effectRef idx="0">
+            <a:schemeClr val="accent4"/>
+          </a:effectRef>
+          <a:fontRef idx="minor">
+            <a:schemeClr val="dk1"/>
+          </a:fontRef>
+        </p:style>
+        <p:txBody>
+          <a:bodyPr wrap="none" lIns="52922" tIns="52922" rIns="52922" bIns="0" rtlCol="0" anchor="b"/>
+          <a:lstStyle>
+            <a:defPPr>
+              <a:defRPr lang="en-US"/>
+            </a:defPPr>
+            <a:lvl1pPr algn="ctr">
+              <a:defRPr sz="1000" b="1">
+                <a:latin typeface="Simplon BP Regular"/>
+                <a:cs typeface="Simplon BP Regular"/>
+              </a:defRPr>
+            </a:lvl1pPr>
+            <a:lvl2pPr>
+              <a:defRPr>
+                <a:solidFill>
+                  <a:schemeClr val="dk1"/>
+                </a:solidFill>
+              </a:defRPr>
+            </a:lvl2pPr>
+            <a:lvl3pPr>
+              <a:defRPr>
+                <a:solidFill>
+                  <a:schemeClr val="dk1"/>
+                </a:solidFill>
+              </a:defRPr>
+            </a:lvl3pPr>
+            <a:lvl4pPr>
+              <a:defRPr>
+                <a:solidFill>
+                  <a:schemeClr val="dk1"/>
+                </a:solidFill>
+              </a:defRPr>
+            </a:lvl4pPr>
+            <a:lvl5pPr>
+              <a:defRPr>
+                <a:solidFill>
+                  <a:schemeClr val="dk1"/>
+                </a:solidFill>
+              </a:defRPr>
+            </a:lvl5pPr>
+            <a:lvl6pPr>
+              <a:defRPr>
+                <a:solidFill>
+                  <a:schemeClr val="dk1"/>
+                </a:solidFill>
+              </a:defRPr>
+            </a:lvl6pPr>
+            <a:lvl7pPr>
+              <a:defRPr>
+                <a:solidFill>
+                  <a:schemeClr val="dk1"/>
+                </a:solidFill>
+              </a:defRPr>
+            </a:lvl7pPr>
+            <a:lvl8pPr>
+              <a:defRPr>
+                <a:solidFill>
+                  <a:schemeClr val="dk1"/>
+                </a:solidFill>
+              </a:defRPr>
+            </a:lvl8pPr>
+            <a:lvl9pPr>
+              <a:defRPr>
+                <a:solidFill>
+                  <a:schemeClr val="dk1"/>
+                </a:solidFill>
+              </a:defRPr>
+            </a:lvl9pPr>
+          </a:lstStyle>
+          <a:p>
+            <a:pPr defTabSz="672130"/>
+            <a:r>
+              <a:rPr lang="pt-BR" sz="1176" b="0" dirty="0">
+                <a:solidFill>
+                  <a:prstClr val="black"/>
+                </a:solidFill>
+                <a:latin typeface="Exo 2 Medium" panose="00000600000000000000" pitchFamily="50" charset="0"/>
+              </a:rPr>
+              <a:t>Cloud</a:t>
+            </a:r>
+          </a:p>
+        </p:txBody>
+      </p:sp>
+      <p:sp>
+        <p:nvSpPr>
+          <p:cNvPr id="82" name="TextBox 128"/>
+          <p:cNvSpPr txBox="1"/>
+          <p:nvPr/>
+        </p:nvSpPr>
+        <p:spPr>
+          <a:xfrm>
+            <a:off x="9961835" y="576471"/>
+            <a:ext cx="899678" cy="179824"/>
+          </a:xfrm>
+          <a:prstGeom prst="rect">
+            <a:avLst/>
+          </a:prstGeom>
+          <a:noFill/>
+          <a:ln w="12700">
+            <a:noFill/>
+          </a:ln>
+        </p:spPr>
+        <p:style>
+          <a:lnRef idx="2">
+            <a:schemeClr val="accent4"/>
+          </a:lnRef>
+          <a:fillRef idx="1">
+            <a:schemeClr val="lt1"/>
+          </a:fillRef>
+          <a:effectRef idx="0">
+            <a:schemeClr val="accent4"/>
+          </a:effectRef>
+          <a:fontRef idx="minor">
+            <a:schemeClr val="dk1"/>
+          </a:fontRef>
+        </p:style>
+        <p:txBody>
+          <a:bodyPr wrap="none" lIns="52922" tIns="52922" rIns="52922" bIns="0" rtlCol="0" anchor="b"/>
+          <a:lstStyle>
+            <a:defPPr>
+              <a:defRPr lang="en-US"/>
+            </a:defPPr>
+            <a:lvl1pPr algn="ctr">
+              <a:defRPr sz="1000" b="1">
+                <a:latin typeface="Simplon BP Regular"/>
+                <a:cs typeface="Simplon BP Regular"/>
+              </a:defRPr>
+            </a:lvl1pPr>
+            <a:lvl2pPr>
+              <a:defRPr>
+                <a:solidFill>
+                  <a:schemeClr val="dk1"/>
+                </a:solidFill>
+              </a:defRPr>
+            </a:lvl2pPr>
+            <a:lvl3pPr>
+              <a:defRPr>
+                <a:solidFill>
+                  <a:schemeClr val="dk1"/>
+                </a:solidFill>
+              </a:defRPr>
+            </a:lvl3pPr>
+            <a:lvl4pPr>
+              <a:defRPr>
+                <a:solidFill>
+                  <a:schemeClr val="dk1"/>
+                </a:solidFill>
+              </a:defRPr>
+            </a:lvl4pPr>
+            <a:lvl5pPr>
+              <a:defRPr>
+                <a:solidFill>
+                  <a:schemeClr val="dk1"/>
+                </a:solidFill>
+              </a:defRPr>
+            </a:lvl5pPr>
+            <a:lvl6pPr>
+              <a:defRPr>
+                <a:solidFill>
+                  <a:schemeClr val="dk1"/>
+                </a:solidFill>
+              </a:defRPr>
+            </a:lvl6pPr>
+            <a:lvl7pPr>
+              <a:defRPr>
+                <a:solidFill>
+                  <a:schemeClr val="dk1"/>
+                </a:solidFill>
+              </a:defRPr>
+            </a:lvl7pPr>
+            <a:lvl8pPr>
+              <a:defRPr>
+                <a:solidFill>
+                  <a:schemeClr val="dk1"/>
+                </a:solidFill>
+              </a:defRPr>
+            </a:lvl8pPr>
+            <a:lvl9pPr>
+              <a:defRPr>
+                <a:solidFill>
+                  <a:schemeClr val="dk1"/>
+                </a:solidFill>
+              </a:defRPr>
+            </a:lvl9pPr>
+          </a:lstStyle>
+          <a:p>
+            <a:pPr defTabSz="672130"/>
+            <a:r>
+              <a:rPr lang="pt-BR" sz="1176" b="0" dirty="0">
+                <a:solidFill>
+                  <a:prstClr val="black"/>
+                </a:solidFill>
+                <a:latin typeface="Exo 2 Medium" panose="00000600000000000000" pitchFamily="50" charset="0"/>
+              </a:rPr>
+              <a:t>Back</a:t>
+            </a:r>
+          </a:p>
+        </p:txBody>
+      </p:sp>
+      <p:sp>
+        <p:nvSpPr>
+          <p:cNvPr id="84" name="TextBox 133"/>
+          <p:cNvSpPr txBox="1"/>
+          <p:nvPr/>
+        </p:nvSpPr>
+        <p:spPr>
+          <a:xfrm>
+            <a:off x="9041836" y="576471"/>
+            <a:ext cx="899678" cy="179824"/>
+          </a:xfrm>
+          <a:prstGeom prst="rect">
+            <a:avLst/>
+          </a:prstGeom>
+          <a:noFill/>
+          <a:ln w="12700">
+            <a:noFill/>
+          </a:ln>
+        </p:spPr>
+        <p:style>
+          <a:lnRef idx="2">
+            <a:schemeClr val="accent4"/>
+          </a:lnRef>
+          <a:fillRef idx="1">
+            <a:schemeClr val="lt1"/>
+          </a:fillRef>
+          <a:effectRef idx="0">
+            <a:schemeClr val="accent4"/>
+          </a:effectRef>
+          <a:fontRef idx="minor">
+            <a:schemeClr val="dk1"/>
+          </a:fontRef>
+        </p:style>
+        <p:txBody>
+          <a:bodyPr wrap="none" lIns="52922" tIns="52922" rIns="52922" bIns="0" rtlCol="0" anchor="b"/>
+          <a:lstStyle>
+            <a:defPPr>
+              <a:defRPr lang="en-US"/>
+            </a:defPPr>
+            <a:lvl1pPr algn="ctr">
+              <a:defRPr sz="1000" b="1">
+                <a:latin typeface="Simplon BP Regular"/>
+                <a:cs typeface="Simplon BP Regular"/>
+              </a:defRPr>
+            </a:lvl1pPr>
+            <a:lvl2pPr>
+              <a:defRPr>
+                <a:solidFill>
+                  <a:schemeClr val="dk1"/>
+                </a:solidFill>
+              </a:defRPr>
+            </a:lvl2pPr>
+            <a:lvl3pPr>
+              <a:defRPr>
+                <a:solidFill>
+                  <a:schemeClr val="dk1"/>
+                </a:solidFill>
+              </a:defRPr>
+            </a:lvl3pPr>
+            <a:lvl4pPr>
+              <a:defRPr>
+                <a:solidFill>
+                  <a:schemeClr val="dk1"/>
+                </a:solidFill>
+              </a:defRPr>
+            </a:lvl4pPr>
+            <a:lvl5pPr>
+              <a:defRPr>
+                <a:solidFill>
+                  <a:schemeClr val="dk1"/>
+                </a:solidFill>
+              </a:defRPr>
+            </a:lvl5pPr>
+            <a:lvl6pPr>
+              <a:defRPr>
+                <a:solidFill>
+                  <a:schemeClr val="dk1"/>
+                </a:solidFill>
+              </a:defRPr>
+            </a:lvl6pPr>
+            <a:lvl7pPr>
+              <a:defRPr>
+                <a:solidFill>
+                  <a:schemeClr val="dk1"/>
+                </a:solidFill>
+              </a:defRPr>
+            </a:lvl7pPr>
+            <a:lvl8pPr>
+              <a:defRPr>
+                <a:solidFill>
+                  <a:schemeClr val="dk1"/>
+                </a:solidFill>
+              </a:defRPr>
+            </a:lvl8pPr>
+            <a:lvl9pPr>
+              <a:defRPr>
+                <a:solidFill>
+                  <a:schemeClr val="dk1"/>
+                </a:solidFill>
+              </a:defRPr>
+            </a:lvl9pPr>
+          </a:lstStyle>
+          <a:p>
+            <a:pPr defTabSz="672130"/>
+            <a:r>
+              <a:rPr lang="pt-BR" sz="1176" b="0" dirty="0">
+                <a:solidFill>
+                  <a:prstClr val="black"/>
+                </a:solidFill>
+                <a:latin typeface="Exo 2 Medium" panose="00000600000000000000" pitchFamily="50" charset="0"/>
+              </a:rPr>
+              <a:t>Front</a:t>
+            </a:r>
+          </a:p>
+        </p:txBody>
+      </p:sp>
+      <p:sp>
+        <p:nvSpPr>
+          <p:cNvPr id="88" name="Oval 134"/>
+          <p:cNvSpPr>
+            <a:spLocks noChangeAspect="1"/>
+          </p:cNvSpPr>
+          <p:nvPr/>
+        </p:nvSpPr>
+        <p:spPr>
+          <a:xfrm>
+            <a:off x="8551145" y="328153"/>
+            <a:ext cx="211404" cy="211689"/>
+          </a:xfrm>
+          <a:prstGeom prst="ellipse">
+            <a:avLst/>
+          </a:prstGeom>
+          <a:solidFill>
+            <a:srgbClr val="1BCF13"/>
+          </a:solidFill>
+          <a:ln w="12700">
+            <a:solidFill>
+              <a:schemeClr val="accent3"/>
+            </a:solidFill>
+          </a:ln>
+        </p:spPr>
+        <p:style>
+          <a:lnRef idx="2">
+            <a:schemeClr val="accent1">
+              <a:shade val="50000"/>
+            </a:schemeClr>
+          </a:lnRef>
+          <a:fillRef idx="1">
+            <a:schemeClr val="accent1"/>
+          </a:fillRef>
+          <a:effectRef idx="0">
+            <a:schemeClr val="accent1"/>
+          </a:effectRef>
+          <a:fontRef idx="minor">
+            <a:schemeClr val="lt1"/>
+          </a:fontRef>
+        </p:style>
+        <p:txBody>
+          <a:bodyPr wrap="none" lIns="52922" tIns="52922" rIns="52922" rtlCol="0" anchor="ctr"/>
+          <a:lstStyle/>
+          <a:p>
+            <a:pPr algn="ctr" defTabSz="672130"/>
+            <a:endParaRPr lang="en-US" sz="1176" dirty="0">
+              <a:solidFill>
+                <a:prstClr val="black"/>
+              </a:solidFill>
+              <a:latin typeface="Exo 2 Medium" panose="00000600000000000000" pitchFamily="50" charset="0"/>
+              <a:cs typeface="Simplon BP Regular"/>
+            </a:endParaRPr>
+          </a:p>
+        </p:txBody>
+      </p:sp>
+      <p:sp>
+        <p:nvSpPr>
+          <p:cNvPr id="86" name="TextBox 138"/>
+          <p:cNvSpPr txBox="1"/>
+          <p:nvPr/>
+        </p:nvSpPr>
+        <p:spPr>
+          <a:xfrm>
+            <a:off x="8233643" y="576471"/>
+            <a:ext cx="899678" cy="179824"/>
+          </a:xfrm>
+          <a:prstGeom prst="rect">
+            <a:avLst/>
+          </a:prstGeom>
+          <a:noFill/>
+          <a:ln w="12700">
+            <a:noFill/>
+          </a:ln>
+        </p:spPr>
+        <p:style>
+          <a:lnRef idx="2">
+            <a:schemeClr val="accent4"/>
+          </a:lnRef>
+          <a:fillRef idx="1">
+            <a:schemeClr val="lt1"/>
+          </a:fillRef>
+          <a:effectRef idx="0">
+            <a:schemeClr val="accent4"/>
+          </a:effectRef>
+          <a:fontRef idx="minor">
+            <a:schemeClr val="dk1"/>
+          </a:fontRef>
+        </p:style>
+        <p:txBody>
+          <a:bodyPr wrap="none" lIns="52922" tIns="52922" rIns="52922" bIns="0" rtlCol="0" anchor="b"/>
+          <a:lstStyle>
+            <a:defPPr>
+              <a:defRPr lang="en-US"/>
+            </a:defPPr>
+            <a:lvl1pPr algn="ctr">
+              <a:defRPr sz="1000" b="1">
+                <a:latin typeface="Simplon BP Regular"/>
+                <a:cs typeface="Simplon BP Regular"/>
+              </a:defRPr>
+            </a:lvl1pPr>
+            <a:lvl2pPr>
+              <a:defRPr>
+                <a:solidFill>
+                  <a:schemeClr val="dk1"/>
+                </a:solidFill>
+              </a:defRPr>
+            </a:lvl2pPr>
+            <a:lvl3pPr>
+              <a:defRPr>
+                <a:solidFill>
+                  <a:schemeClr val="dk1"/>
+                </a:solidFill>
+              </a:defRPr>
+            </a:lvl3pPr>
+            <a:lvl4pPr>
+              <a:defRPr>
+                <a:solidFill>
+                  <a:schemeClr val="dk1"/>
+                </a:solidFill>
+              </a:defRPr>
+            </a:lvl4pPr>
+            <a:lvl5pPr>
+              <a:defRPr>
+                <a:solidFill>
+                  <a:schemeClr val="dk1"/>
+                </a:solidFill>
+              </a:defRPr>
+            </a:lvl5pPr>
+            <a:lvl6pPr>
+              <a:defRPr>
+                <a:solidFill>
+                  <a:schemeClr val="dk1"/>
+                </a:solidFill>
+              </a:defRPr>
+            </a:lvl6pPr>
+            <a:lvl7pPr>
+              <a:defRPr>
+                <a:solidFill>
+                  <a:schemeClr val="dk1"/>
+                </a:solidFill>
+              </a:defRPr>
+            </a:lvl7pPr>
+            <a:lvl8pPr>
+              <a:defRPr>
+                <a:solidFill>
+                  <a:schemeClr val="dk1"/>
+                </a:solidFill>
+              </a:defRPr>
+            </a:lvl8pPr>
+            <a:lvl9pPr>
+              <a:defRPr>
+                <a:solidFill>
+                  <a:schemeClr val="dk1"/>
+                </a:solidFill>
+              </a:defRPr>
+            </a:lvl9pPr>
+          </a:lstStyle>
+          <a:p>
+            <a:pPr defTabSz="672130"/>
+            <a:r>
+              <a:rPr lang="en-US" sz="1176" b="0" dirty="0" err="1">
+                <a:solidFill>
+                  <a:prstClr val="black"/>
+                </a:solidFill>
+                <a:latin typeface="Exo 2 Medium" panose="00000600000000000000" pitchFamily="50" charset="0"/>
+              </a:rPr>
+              <a:t>Equipe</a:t>
+            </a:r>
+            <a:endParaRPr lang="en-US" sz="1176" b="0" dirty="0">
+              <a:solidFill>
+                <a:prstClr val="black"/>
+              </a:solidFill>
+              <a:latin typeface="Exo 2 Medium" panose="00000600000000000000" pitchFamily="50" charset="0"/>
+            </a:endParaRPr>
+          </a:p>
+        </p:txBody>
+      </p:sp>
+      <p:sp>
+        <p:nvSpPr>
+          <p:cNvPr id="64" name="Retângulo 63"/>
+          <p:cNvSpPr/>
+          <p:nvPr/>
+        </p:nvSpPr>
+        <p:spPr>
+          <a:xfrm>
+            <a:off x="512766" y="868345"/>
+            <a:ext cx="6186608" cy="238150"/>
+          </a:xfrm>
+          <a:prstGeom prst="rect">
+            <a:avLst/>
+          </a:prstGeom>
+          <a:solidFill>
+            <a:schemeClr val="bg1">
+              <a:lumMod val="85000"/>
+            </a:schemeClr>
+          </a:solidFill>
+        </p:spPr>
+        <p:txBody>
+          <a:bodyPr vert="horz" lIns="134422" tIns="67211" rIns="134422" bIns="67211" rtlCol="0" anchor="ctr"/>
+          <a:lstStyle/>
+          <a:p>
+            <a:pPr defTabSz="672130"/>
+            <a:r>
+              <a:rPr lang="en-US" sz="1544" dirty="0" err="1">
+                <a:latin typeface="Exo 2 Medium" panose="00000600000000000000" pitchFamily="50" charset="0"/>
+                <a:ea typeface="Simplon Oi Headline" charset="0"/>
+                <a:cs typeface="Simplon Oi Headline" charset="0"/>
+              </a:rPr>
+              <a:t>Progressos</a:t>
+            </a:r>
+            <a:r>
+              <a:rPr lang="en-US" sz="1544" dirty="0">
+                <a:latin typeface="Exo 2 Medium" panose="00000600000000000000" pitchFamily="50" charset="0"/>
+                <a:ea typeface="Simplon Oi Headline" charset="0"/>
+                <a:cs typeface="Simplon Oi Headline" charset="0"/>
+              </a:rPr>
+              <a:t> (</a:t>
+            </a:r>
+            <a:r>
+              <a:rPr lang="en-US" sz="1544" dirty="0" err="1">
+                <a:latin typeface="Exo 2 Medium" panose="00000600000000000000" pitchFamily="50" charset="0"/>
+                <a:ea typeface="Simplon Oi Headline" charset="0"/>
+                <a:cs typeface="Simplon Oi Headline" charset="0"/>
+              </a:rPr>
+              <a:t>Atividades</a:t>
+            </a:r>
+            <a:r>
+              <a:rPr lang="en-US" sz="1544" dirty="0">
+                <a:latin typeface="Exo 2 Medium" panose="00000600000000000000" pitchFamily="50" charset="0"/>
+                <a:ea typeface="Simplon Oi Headline" charset="0"/>
+                <a:cs typeface="Simplon Oi Headline" charset="0"/>
+              </a:rPr>
+              <a:t> </a:t>
+            </a:r>
+            <a:r>
+              <a:rPr lang="en-US" sz="1544" dirty="0" err="1">
+                <a:latin typeface="Exo 2 Medium" panose="00000600000000000000" pitchFamily="50" charset="0"/>
+                <a:ea typeface="Simplon Oi Headline" charset="0"/>
+                <a:cs typeface="Simplon Oi Headline" charset="0"/>
+              </a:rPr>
+              <a:t>Finalizadas</a:t>
+            </a:r>
+            <a:r>
+              <a:rPr lang="en-US" sz="1544" dirty="0">
+                <a:latin typeface="Exo 2 Medium" panose="00000600000000000000" pitchFamily="50" charset="0"/>
+                <a:ea typeface="Simplon Oi Headline" charset="0"/>
+                <a:cs typeface="Simplon Oi Headline" charset="0"/>
+              </a:rPr>
+              <a:t>) </a:t>
+            </a:r>
+            <a:r>
+              <a:rPr lang="pt-BR" sz="1544" dirty="0">
+                <a:latin typeface="Exo 2 Medium" panose="00000600000000000000" pitchFamily="50" charset="0"/>
+                <a:ea typeface="Simplon Oi Headline" charset="0"/>
+                <a:cs typeface="Simplon Oi Headline" charset="0"/>
+              </a:rPr>
+              <a:t>c/  seu responsável</a:t>
+            </a:r>
+            <a:endParaRPr lang="en-US" sz="1544" dirty="0">
+              <a:latin typeface="Exo 2 Medium" panose="00000600000000000000" pitchFamily="50" charset="0"/>
+              <a:ea typeface="Simplon Oi Headline" charset="0"/>
+              <a:cs typeface="Simplon Oi Headline" charset="0"/>
+            </a:endParaRPr>
+          </a:p>
+        </p:txBody>
+      </p:sp>
+      <p:sp>
+        <p:nvSpPr>
+          <p:cNvPr id="65" name="Retângulo 64"/>
+          <p:cNvSpPr/>
+          <p:nvPr/>
+        </p:nvSpPr>
+        <p:spPr>
+          <a:xfrm>
+            <a:off x="6814576" y="868345"/>
+            <a:ext cx="6194715" cy="238150"/>
+          </a:xfrm>
+          <a:prstGeom prst="rect">
+            <a:avLst/>
+          </a:prstGeom>
+          <a:solidFill>
+            <a:schemeClr val="bg1">
+              <a:lumMod val="85000"/>
+            </a:schemeClr>
+          </a:solidFill>
+        </p:spPr>
+        <p:txBody>
+          <a:bodyPr vert="horz" lIns="134422" tIns="67211" rIns="134422" bIns="67211" rtlCol="0" anchor="ctr"/>
+          <a:lstStyle/>
+          <a:p>
+            <a:pPr defTabSz="672130"/>
+            <a:r>
+              <a:rPr lang="pt-BR" sz="1544" dirty="0">
+                <a:latin typeface="Exo 2 Medium" panose="00000600000000000000" pitchFamily="50" charset="0"/>
+                <a:ea typeface="Simplon Oi Headline" charset="0"/>
+                <a:cs typeface="Simplon Oi Headline" charset="0"/>
+              </a:rPr>
+              <a:t>Principais Riscos</a:t>
+            </a:r>
+          </a:p>
+        </p:txBody>
+      </p:sp>
+      <p:sp>
+        <p:nvSpPr>
+          <p:cNvPr id="66" name="Retângulo 65"/>
+          <p:cNvSpPr/>
+          <p:nvPr/>
+        </p:nvSpPr>
+        <p:spPr>
+          <a:xfrm>
+            <a:off x="507536" y="3418875"/>
+            <a:ext cx="12505521" cy="238150"/>
+          </a:xfrm>
+          <a:prstGeom prst="rect">
+            <a:avLst/>
+          </a:prstGeom>
+          <a:solidFill>
+            <a:schemeClr val="bg1">
+              <a:lumMod val="85000"/>
+            </a:schemeClr>
+          </a:solidFill>
+        </p:spPr>
+        <p:txBody>
+          <a:bodyPr vert="horz" lIns="134422" tIns="67211" rIns="134422" bIns="67211" rtlCol="0" anchor="ctr"/>
+          <a:lstStyle/>
+          <a:p>
+            <a:pPr defTabSz="672130"/>
+            <a:r>
+              <a:rPr lang="pt-BR" sz="1544" dirty="0">
+                <a:latin typeface="Exo 2 Medium" panose="00000600000000000000" pitchFamily="50" charset="0"/>
+                <a:ea typeface="Simplon Oi Headline" charset="0"/>
+                <a:cs typeface="Simplon Oi Headline" charset="0"/>
+              </a:rPr>
+              <a:t>Próximos Passos (Atividades em andamento ou por iniciar) c/  seu responsável</a:t>
+            </a:r>
+          </a:p>
+        </p:txBody>
+      </p:sp>
+      <p:sp>
+        <p:nvSpPr>
+          <p:cNvPr id="63" name="Rectangle 37"/>
+          <p:cNvSpPr/>
+          <p:nvPr/>
+        </p:nvSpPr>
+        <p:spPr>
+          <a:xfrm>
+            <a:off x="507535" y="1100798"/>
+            <a:ext cx="6207777" cy="2235805"/>
+          </a:xfrm>
+          <a:prstGeom prst="rect">
+            <a:avLst/>
+          </a:prstGeom>
+          <a:noFill/>
+          <a:ln w="12700">
+            <a:solidFill>
+              <a:schemeClr val="bg1">
+                <a:lumMod val="50000"/>
+              </a:schemeClr>
+            </a:solidFill>
+          </a:ln>
+        </p:spPr>
+        <p:style>
+          <a:lnRef idx="2">
+            <a:schemeClr val="accent4"/>
+          </a:lnRef>
+          <a:fillRef idx="1">
+            <a:schemeClr val="lt1"/>
+          </a:fillRef>
+          <a:effectRef idx="0">
+            <a:schemeClr val="accent4"/>
+          </a:effectRef>
+          <a:fontRef idx="minor">
+            <a:schemeClr val="dk1"/>
+          </a:fontRef>
+        </p:style>
+        <p:txBody>
+          <a:bodyPr tIns="105844" rtlCol="0" anchor="t"/>
+          <a:lstStyle/>
+          <a:p>
+            <a:pPr marL="252049" indent="-252049" fontAlgn="base">
+              <a:spcBef>
+                <a:spcPct val="0"/>
+              </a:spcBef>
+              <a:buFont typeface="Wingdings" panose="05000000000000000000" pitchFamily="2" charset="2"/>
+              <a:buChar char="ü"/>
+              <a:defRPr/>
+            </a:pPr>
+            <a:r>
+              <a:rPr lang="pt-BR" sz="1323" b="1" dirty="0" err="1">
+                <a:solidFill>
+                  <a:schemeClr val="tx1"/>
+                </a:solidFill>
+                <a:latin typeface="Exo 2 Medium" panose="00000600000000000000" pitchFamily="50" charset="0"/>
+                <a:cs typeface="Simplon BP Regular"/>
+              </a:rPr>
+              <a:t>Protót</a:t>
+            </a:r>
+            <a:endParaRPr lang="pt-BR" sz="1323" b="1" dirty="0">
+              <a:solidFill>
+                <a:schemeClr val="tx1"/>
+              </a:solidFill>
+              <a:latin typeface="Exo 2 Medium" panose="00000600000000000000" pitchFamily="50" charset="0"/>
+              <a:cs typeface="Simplon BP Regular"/>
+            </a:endParaRPr>
+          </a:p>
+          <a:p>
+            <a:pPr marL="252049" indent="-252049" fontAlgn="base">
+              <a:spcBef>
+                <a:spcPct val="0"/>
+              </a:spcBef>
+              <a:buFont typeface="Wingdings" panose="05000000000000000000" pitchFamily="2" charset="2"/>
+              <a:buChar char="ü"/>
+              <a:defRPr/>
+            </a:pPr>
+            <a:endParaRPr lang="pt-BR" sz="1323" b="1" dirty="0">
+              <a:solidFill>
+                <a:schemeClr val="tx1"/>
+              </a:solidFill>
+              <a:latin typeface="Exo 2 Medium" panose="00000600000000000000" pitchFamily="50" charset="0"/>
+              <a:cs typeface="Simplon BP Regular"/>
+            </a:endParaRPr>
+          </a:p>
+          <a:p>
+            <a:pPr marL="252049" indent="-252049" fontAlgn="base">
+              <a:spcBef>
+                <a:spcPct val="0"/>
+              </a:spcBef>
+              <a:buFont typeface="Wingdings" panose="05000000000000000000" pitchFamily="2" charset="2"/>
+              <a:buChar char="ü"/>
+              <a:defRPr/>
+            </a:pPr>
+            <a:endParaRPr lang="pt-BR" sz="1323" b="1" dirty="0">
+              <a:solidFill>
+                <a:schemeClr val="tx1"/>
+              </a:solidFill>
+              <a:latin typeface="Exo 2 Medium" panose="00000600000000000000" pitchFamily="50" charset="0"/>
+              <a:cs typeface="Simplon BP Regular"/>
+            </a:endParaRPr>
+          </a:p>
+          <a:p>
+            <a:pPr marL="252049" indent="-252049" fontAlgn="base">
+              <a:spcBef>
+                <a:spcPct val="0"/>
+              </a:spcBef>
+              <a:buFont typeface="Wingdings" panose="05000000000000000000" pitchFamily="2" charset="2"/>
+              <a:buChar char="ü"/>
+              <a:defRPr/>
+            </a:pPr>
+            <a:endParaRPr lang="pt-BR" sz="1323" b="1" dirty="0">
+              <a:solidFill>
+                <a:schemeClr val="tx1"/>
+              </a:solidFill>
+              <a:latin typeface="Exo 2 Medium" panose="00000600000000000000" pitchFamily="50" charset="0"/>
+              <a:cs typeface="Simplon BP Regular"/>
+            </a:endParaRPr>
+          </a:p>
+          <a:p>
+            <a:pPr marL="252049" indent="-252049" fontAlgn="base">
+              <a:spcBef>
+                <a:spcPct val="0"/>
+              </a:spcBef>
+              <a:buFont typeface="Wingdings" panose="05000000000000000000" pitchFamily="2" charset="2"/>
+              <a:buChar char="ü"/>
+              <a:defRPr/>
+            </a:pPr>
+            <a:endParaRPr lang="pt-BR" sz="1323" b="1" dirty="0">
+              <a:solidFill>
+                <a:schemeClr val="tx1"/>
+              </a:solidFill>
+              <a:latin typeface="Exo 2 Medium" panose="00000600000000000000" pitchFamily="50" charset="0"/>
+              <a:cs typeface="Simplon BP Regular"/>
+            </a:endParaRPr>
+          </a:p>
+          <a:p>
+            <a:pPr marL="252049" indent="-252049" fontAlgn="base">
+              <a:spcBef>
+                <a:spcPct val="0"/>
+              </a:spcBef>
+              <a:buFont typeface="Wingdings" panose="05000000000000000000" pitchFamily="2" charset="2"/>
+              <a:buChar char="ü"/>
+              <a:defRPr/>
+            </a:pPr>
+            <a:endParaRPr lang="pt-BR" sz="1323" b="1" dirty="0">
+              <a:solidFill>
+                <a:schemeClr val="tx1"/>
+              </a:solidFill>
+              <a:latin typeface="Exo 2 Medium" panose="00000600000000000000" pitchFamily="50" charset="0"/>
+              <a:cs typeface="Simplon BP Regular"/>
+            </a:endParaRPr>
+          </a:p>
+          <a:p>
+            <a:pPr marL="252049" indent="-252049" fontAlgn="base">
+              <a:spcBef>
+                <a:spcPct val="0"/>
+              </a:spcBef>
+              <a:buFont typeface="Wingdings" panose="05000000000000000000" pitchFamily="2" charset="2"/>
+              <a:buChar char="ü"/>
+              <a:defRPr/>
+            </a:pPr>
+            <a:endParaRPr lang="pt-BR" sz="1323" b="1" dirty="0">
+              <a:solidFill>
+                <a:schemeClr val="tx1"/>
+              </a:solidFill>
+              <a:latin typeface="Exo 2 Medium" panose="00000600000000000000" pitchFamily="50" charset="0"/>
+              <a:cs typeface="Simplon BP Regular"/>
+            </a:endParaRPr>
+          </a:p>
+          <a:p>
+            <a:pPr marL="252049" indent="-252049" fontAlgn="base">
+              <a:spcBef>
+                <a:spcPct val="0"/>
+              </a:spcBef>
+              <a:buFont typeface="Wingdings" panose="05000000000000000000" pitchFamily="2" charset="2"/>
+              <a:buChar char="ü"/>
+              <a:defRPr/>
+            </a:pPr>
+            <a:endParaRPr lang="pt-BR" sz="1323" b="1" dirty="0">
+              <a:solidFill>
+                <a:schemeClr val="tx1"/>
+              </a:solidFill>
+              <a:latin typeface="Exo 2 Medium" panose="00000600000000000000" pitchFamily="50" charset="0"/>
+              <a:cs typeface="Simplon BP Regular"/>
+            </a:endParaRPr>
+          </a:p>
+          <a:p>
+            <a:pPr marL="252049" indent="-252049" fontAlgn="base">
+              <a:spcBef>
+                <a:spcPct val="0"/>
+              </a:spcBef>
+              <a:buFont typeface="Wingdings" panose="05000000000000000000" pitchFamily="2" charset="2"/>
+              <a:buChar char="ü"/>
+              <a:defRPr/>
+            </a:pPr>
+            <a:endParaRPr lang="pt-BR" sz="1323" b="1" dirty="0">
+              <a:solidFill>
+                <a:schemeClr val="tx1"/>
+              </a:solidFill>
+              <a:latin typeface="Exo 2 Medium" panose="00000600000000000000" pitchFamily="50" charset="0"/>
+              <a:cs typeface="Simplon BP Regular"/>
+            </a:endParaRPr>
+          </a:p>
+          <a:p>
+            <a:pPr marL="252049" indent="-252049" fontAlgn="base">
+              <a:spcBef>
+                <a:spcPct val="0"/>
+              </a:spcBef>
+              <a:buFont typeface="Wingdings" panose="05000000000000000000" pitchFamily="2" charset="2"/>
+              <a:buChar char="ü"/>
+              <a:defRPr/>
+            </a:pPr>
+            <a:endParaRPr lang="pt-BR" sz="1323" b="1" dirty="0">
+              <a:solidFill>
+                <a:schemeClr val="tx1"/>
+              </a:solidFill>
+              <a:latin typeface="Exo 2 Medium" panose="00000600000000000000" pitchFamily="50" charset="0"/>
+              <a:cs typeface="Simplon BP Regular"/>
+            </a:endParaRPr>
+          </a:p>
+          <a:p>
+            <a:pPr marL="252049" indent="-252049" fontAlgn="base">
+              <a:spcBef>
+                <a:spcPct val="0"/>
+              </a:spcBef>
+              <a:buFont typeface="Wingdings" panose="05000000000000000000" pitchFamily="2" charset="2"/>
+              <a:buChar char="ü"/>
+              <a:defRPr/>
+            </a:pPr>
+            <a:endParaRPr lang="pt-BR" sz="1323" b="1" dirty="0">
+              <a:solidFill>
+                <a:schemeClr val="tx1"/>
+              </a:solidFill>
+              <a:latin typeface="Exo 2 Medium" panose="00000600000000000000" pitchFamily="50" charset="0"/>
+              <a:cs typeface="Simplon BP Regular"/>
+            </a:endParaRPr>
+          </a:p>
+        </p:txBody>
+      </p:sp>
+      <p:sp>
+        <p:nvSpPr>
+          <p:cNvPr id="4" name="Retângulo 3"/>
+          <p:cNvSpPr/>
+          <p:nvPr/>
+        </p:nvSpPr>
+        <p:spPr>
+          <a:xfrm>
+            <a:off x="6844996" y="1121895"/>
+            <a:ext cx="6164295" cy="703078"/>
+          </a:xfrm>
+          <a:prstGeom prst="rect">
+            <a:avLst/>
+          </a:prstGeom>
+        </p:spPr>
+        <p:txBody>
+          <a:bodyPr wrap="square">
+            <a:spAutoFit/>
+          </a:bodyPr>
+          <a:lstStyle/>
+          <a:p>
+            <a:pPr marL="252049" indent="-252049" fontAlgn="base">
+              <a:spcBef>
+                <a:spcPct val="0"/>
+              </a:spcBef>
+              <a:buFont typeface="Wingdings" panose="05000000000000000000" pitchFamily="2" charset="2"/>
+              <a:buChar char="§"/>
+              <a:defRPr/>
+            </a:pPr>
+            <a:r>
+              <a:rPr lang="pt-BR" sz="1323" b="1" dirty="0">
+                <a:latin typeface="Exo 2 Medium" panose="00000600000000000000" pitchFamily="50" charset="0"/>
+                <a:cs typeface="Simplon BP Regular"/>
+              </a:rPr>
+              <a:t>Pouco conhecimento em React.JS</a:t>
+            </a:r>
+          </a:p>
+          <a:p>
+            <a:pPr marL="252049" indent="-252049" fontAlgn="base">
+              <a:spcBef>
+                <a:spcPct val="0"/>
+              </a:spcBef>
+              <a:buFont typeface="Wingdings" panose="05000000000000000000" pitchFamily="2" charset="2"/>
+              <a:buChar char="§"/>
+              <a:defRPr/>
+            </a:pPr>
+            <a:r>
+              <a:rPr lang="pt-BR" sz="1323" b="1" dirty="0">
+                <a:latin typeface="Exo 2 Medium" panose="00000600000000000000" pitchFamily="50" charset="0"/>
+                <a:cs typeface="Simplon BP Regular"/>
+              </a:rPr>
+              <a:t>Quantidade de Telas para desenvolvimento (Front </a:t>
+            </a:r>
+            <a:r>
+              <a:rPr lang="pt-BR" sz="1323" b="1" dirty="0" err="1">
+                <a:latin typeface="Exo 2 Medium" panose="00000600000000000000" pitchFamily="50" charset="0"/>
+                <a:cs typeface="Simplon BP Regular"/>
+              </a:rPr>
+              <a:t>End</a:t>
+            </a:r>
+            <a:r>
+              <a:rPr lang="pt-BR" sz="1323" b="1" dirty="0">
+                <a:latin typeface="Exo 2 Medium" panose="00000600000000000000" pitchFamily="50" charset="0"/>
+                <a:cs typeface="Simplon BP Regular"/>
+              </a:rPr>
+              <a:t> e Back </a:t>
+            </a:r>
+            <a:r>
+              <a:rPr lang="pt-BR" sz="1323" b="1" dirty="0" err="1">
+                <a:latin typeface="Exo 2 Medium" panose="00000600000000000000" pitchFamily="50" charset="0"/>
+                <a:cs typeface="Simplon BP Regular"/>
+              </a:rPr>
+              <a:t>End</a:t>
+            </a:r>
+            <a:r>
+              <a:rPr lang="pt-BR" sz="1323" b="1" dirty="0">
+                <a:latin typeface="Exo 2 Medium" panose="00000600000000000000" pitchFamily="50" charset="0"/>
+                <a:cs typeface="Simplon BP Regular"/>
+              </a:rPr>
+              <a:t>)</a:t>
+            </a:r>
+          </a:p>
+          <a:p>
+            <a:pPr fontAlgn="base">
+              <a:spcBef>
+                <a:spcPct val="0"/>
+              </a:spcBef>
+              <a:defRPr/>
+            </a:pPr>
+            <a:r>
+              <a:rPr lang="pt-BR" sz="1323" b="1" dirty="0">
+                <a:latin typeface="Exo 2 Medium" panose="00000600000000000000" pitchFamily="50" charset="0"/>
+                <a:cs typeface="Simplon BP Regular"/>
+              </a:rPr>
+              <a:t> </a:t>
+            </a:r>
+          </a:p>
+        </p:txBody>
+      </p:sp>
+      <p:sp>
+        <p:nvSpPr>
+          <p:cNvPr id="2" name="Rectangle 43">
+            <a:extLst>
+              <a:ext uri="{FF2B5EF4-FFF2-40B4-BE49-F238E27FC236}">
+                <a16:creationId xmlns:a16="http://schemas.microsoft.com/office/drawing/2014/main" id="{B15BA19F-C787-4E6A-ADAB-C0DFF09C66A8}"/>
+              </a:ext>
+            </a:extLst>
+          </p:cNvPr>
+          <p:cNvSpPr>
+            <a:spLocks/>
+          </p:cNvSpPr>
+          <p:nvPr/>
+        </p:nvSpPr>
+        <p:spPr>
+          <a:xfrm>
+            <a:off x="512766" y="3728204"/>
+            <a:ext cx="12496524" cy="3581485"/>
+          </a:xfrm>
+          <a:prstGeom prst="rect">
+            <a:avLst/>
+          </a:prstGeom>
+          <a:noFill/>
+          <a:ln w="12700">
+            <a:solidFill>
+              <a:schemeClr val="bg1">
+                <a:lumMod val="50000"/>
+              </a:schemeClr>
+            </a:solidFill>
+          </a:ln>
+        </p:spPr>
+        <p:style>
+          <a:lnRef idx="2">
+            <a:schemeClr val="accent4"/>
+          </a:lnRef>
+          <a:fillRef idx="1">
+            <a:schemeClr val="lt1"/>
+          </a:fillRef>
+          <a:effectRef idx="0">
+            <a:schemeClr val="accent4"/>
+          </a:effectRef>
+          <a:fontRef idx="minor">
+            <a:schemeClr val="dk1"/>
+          </a:fontRef>
+        </p:style>
+        <p:txBody>
+          <a:bodyPr wrap="square" tIns="105844" numCol="3" rtlCol="0" anchor="ctr"/>
+          <a:lstStyle/>
+          <a:p>
+            <a:pPr marL="0" lvl="1" defTabSz="672130"/>
+            <a:r>
+              <a:rPr lang="pt-BR" sz="1323" b="1" dirty="0">
+                <a:solidFill>
+                  <a:schemeClr val="tx1"/>
+                </a:solidFill>
+                <a:latin typeface="Exo 2 Medium" panose="00000600000000000000" pitchFamily="50" charset="0"/>
+                <a:cs typeface="Simplon BP Regular"/>
+              </a:rPr>
+              <a:t>Frente </a:t>
+            </a:r>
+            <a:r>
+              <a:rPr lang="pt-BR" sz="1323" b="1" dirty="0" err="1">
+                <a:solidFill>
+                  <a:schemeClr val="tx1"/>
+                </a:solidFill>
+                <a:latin typeface="Exo 2 Medium" panose="00000600000000000000" pitchFamily="50" charset="0"/>
+                <a:cs typeface="Simplon BP Regular"/>
+              </a:rPr>
+              <a:t>Backend</a:t>
+            </a:r>
+            <a:endParaRPr lang="pt-BR" sz="1323" b="1" dirty="0">
+              <a:solidFill>
+                <a:schemeClr val="tx1"/>
+              </a:solidFill>
+              <a:latin typeface="Exo 2 Medium" panose="00000600000000000000" pitchFamily="50" charset="0"/>
+              <a:cs typeface="Simplon BP Regular"/>
+            </a:endParaRPr>
+          </a:p>
+          <a:p>
+            <a:pPr marL="252049" lvl="1" indent="-252049">
+              <a:buFont typeface="Wingdings" panose="05000000000000000000" pitchFamily="2" charset="2"/>
+              <a:buChar char="§"/>
+            </a:pPr>
+            <a:r>
+              <a:rPr lang="pt-BR" sz="1323" dirty="0" err="1">
+                <a:solidFill>
+                  <a:schemeClr val="tx1"/>
+                </a:solidFill>
+                <a:latin typeface="Exo 2 Medium" panose="00000600000000000000" pitchFamily="50" charset="0"/>
+                <a:cs typeface="Simplon BP Regular"/>
+              </a:rPr>
+              <a:t>Endpoints</a:t>
+            </a:r>
+            <a:r>
+              <a:rPr lang="pt-BR" sz="1323" dirty="0">
+                <a:solidFill>
+                  <a:schemeClr val="tx1"/>
+                </a:solidFill>
+                <a:latin typeface="Exo 2 Medium" panose="00000600000000000000" pitchFamily="50" charset="0"/>
+                <a:cs typeface="Simplon BP Regular"/>
+              </a:rPr>
+              <a:t> de Login #Alexandre</a:t>
+            </a:r>
+          </a:p>
+          <a:p>
+            <a:pPr marL="252049" lvl="1" indent="-252049">
+              <a:buFont typeface="Wingdings" panose="05000000000000000000" pitchFamily="2" charset="2"/>
+              <a:buChar char="§"/>
+            </a:pPr>
+            <a:r>
+              <a:rPr lang="pt-BR" sz="1323" dirty="0">
+                <a:solidFill>
+                  <a:schemeClr val="tx1"/>
+                </a:solidFill>
+                <a:latin typeface="Exo 2 Medium" panose="00000600000000000000" pitchFamily="50" charset="0"/>
+                <a:cs typeface="Simplon BP Regular"/>
+              </a:rPr>
+              <a:t>Funcionalidade de exportar arquivos CSV #Raul</a:t>
+            </a:r>
+          </a:p>
+          <a:p>
+            <a:pPr marL="252049" lvl="1" indent="-252049">
+              <a:buFont typeface="Wingdings" panose="05000000000000000000" pitchFamily="2" charset="2"/>
+              <a:buChar char="§"/>
+            </a:pPr>
+            <a:r>
+              <a:rPr lang="pt-BR" sz="1323" dirty="0">
+                <a:solidFill>
+                  <a:schemeClr val="tx1"/>
+                </a:solidFill>
+                <a:latin typeface="Exo 2 Medium" panose="00000600000000000000" pitchFamily="50" charset="0"/>
+                <a:cs typeface="Simplon BP Regular"/>
+              </a:rPr>
+              <a:t>Testes gerais #Alexandre e Raul</a:t>
+            </a:r>
+          </a:p>
+          <a:p>
+            <a:pPr marL="252049" lvl="1" indent="-252049">
+              <a:buFont typeface="Wingdings" panose="05000000000000000000" pitchFamily="2" charset="2"/>
+              <a:buChar char="§"/>
+            </a:pPr>
+            <a:r>
+              <a:rPr lang="pt-BR" sz="1323" dirty="0">
+                <a:solidFill>
+                  <a:schemeClr val="tx1"/>
+                </a:solidFill>
+                <a:latin typeface="Exo 2 Medium" panose="00000600000000000000" pitchFamily="50" charset="0"/>
+                <a:cs typeface="Simplon BP Regular"/>
+              </a:rPr>
+              <a:t>Planilha de Arquitetura #Raul</a:t>
+            </a:r>
+          </a:p>
+          <a:p>
+            <a:pPr marL="0" lvl="1"/>
+            <a:endParaRPr lang="pt-BR" sz="1323" b="1" dirty="0">
+              <a:solidFill>
+                <a:schemeClr val="tx1"/>
+              </a:solidFill>
+              <a:latin typeface="Exo 2 Medium" panose="00000600000000000000" pitchFamily="50" charset="0"/>
+              <a:cs typeface="Simplon BP Regular"/>
+            </a:endParaRPr>
+          </a:p>
+          <a:p>
+            <a:pPr marL="0" lvl="1" defTabSz="672130"/>
+            <a:r>
+              <a:rPr lang="pt-BR" sz="1323" b="1" dirty="0">
+                <a:solidFill>
+                  <a:schemeClr val="tx1"/>
+                </a:solidFill>
+                <a:latin typeface="Exo 2 Medium" panose="00000600000000000000" pitchFamily="50" charset="0"/>
+                <a:cs typeface="Simplon BP Regular"/>
+              </a:rPr>
+              <a:t>Frente Front </a:t>
+            </a:r>
+            <a:r>
+              <a:rPr lang="pt-BR" sz="1323" b="1" dirty="0" err="1">
+                <a:solidFill>
+                  <a:schemeClr val="tx1"/>
+                </a:solidFill>
+                <a:latin typeface="Exo 2 Medium" panose="00000600000000000000" pitchFamily="50" charset="0"/>
+                <a:cs typeface="Simplon BP Regular"/>
+              </a:rPr>
+              <a:t>end</a:t>
+            </a:r>
+            <a:endParaRPr lang="pt-BR" sz="1323" b="1" dirty="0">
+              <a:solidFill>
+                <a:schemeClr val="tx1"/>
+              </a:solidFill>
+              <a:latin typeface="Exo 2 Medium" panose="00000600000000000000" pitchFamily="50" charset="0"/>
+              <a:cs typeface="Simplon BP Regular"/>
+            </a:endParaRPr>
+          </a:p>
+          <a:p>
+            <a:pPr marL="252049" lvl="1" indent="-252049">
+              <a:buFont typeface="Wingdings" panose="05000000000000000000" pitchFamily="2" charset="2"/>
+              <a:buChar char="§"/>
+            </a:pPr>
+            <a:r>
+              <a:rPr lang="pt-BR" sz="1323" dirty="0">
+                <a:solidFill>
+                  <a:schemeClr val="tx1"/>
+                </a:solidFill>
+                <a:latin typeface="Exo 2 Medium" panose="00000600000000000000" pitchFamily="50" charset="0"/>
+                <a:cs typeface="Simplon BP Regular"/>
+              </a:rPr>
+              <a:t>Criação da Dashboard no site #Gustavo e Diogo</a:t>
+            </a:r>
+          </a:p>
+          <a:p>
+            <a:pPr marL="252049" lvl="1" indent="-252049">
+              <a:buFont typeface="Wingdings" panose="05000000000000000000" pitchFamily="2" charset="2"/>
+              <a:buChar char="§"/>
+            </a:pPr>
+            <a:r>
+              <a:rPr lang="pt-BR" sz="1323" dirty="0">
+                <a:solidFill>
+                  <a:schemeClr val="tx1"/>
+                </a:solidFill>
+                <a:latin typeface="Exo 2 Medium" panose="00000600000000000000" pitchFamily="50" charset="0"/>
+                <a:cs typeface="Simplon BP Regular"/>
+              </a:rPr>
+              <a:t>Adaptação ao React.JS #Gustavo e Diogo</a:t>
+            </a:r>
+          </a:p>
+          <a:p>
+            <a:pPr marL="252049" lvl="1" indent="-252049">
+              <a:buFont typeface="Wingdings" panose="05000000000000000000" pitchFamily="2" charset="2"/>
+              <a:buChar char="§"/>
+            </a:pPr>
+            <a:r>
+              <a:rPr lang="pt-BR" sz="1323" dirty="0">
+                <a:solidFill>
+                  <a:schemeClr val="tx1"/>
+                </a:solidFill>
+                <a:latin typeface="Exo 2 Medium" panose="00000600000000000000" pitchFamily="50" charset="0"/>
+                <a:cs typeface="Simplon BP Regular"/>
+              </a:rPr>
+              <a:t>Criação do protótipo do site institucional versão mobile #Rafael</a:t>
+            </a:r>
+          </a:p>
+          <a:p>
+            <a:pPr marL="252049" lvl="1" indent="-252049">
+              <a:buFont typeface="Wingdings" panose="05000000000000000000" pitchFamily="2" charset="2"/>
+              <a:buChar char="§"/>
+            </a:pPr>
+            <a:r>
+              <a:rPr lang="pt-BR" sz="1323" dirty="0">
+                <a:solidFill>
+                  <a:schemeClr val="tx1"/>
+                </a:solidFill>
+                <a:latin typeface="Exo 2 Medium" panose="00000600000000000000" pitchFamily="50" charset="0"/>
+                <a:cs typeface="Simplon BP Regular"/>
+              </a:rPr>
+              <a:t>Testes com </a:t>
+            </a:r>
+            <a:r>
+              <a:rPr lang="pt-BR" sz="1323" dirty="0" err="1">
+                <a:solidFill>
+                  <a:schemeClr val="tx1"/>
+                </a:solidFill>
+                <a:latin typeface="Exo 2 Medium" panose="00000600000000000000" pitchFamily="50" charset="0"/>
+                <a:cs typeface="Simplon BP Regular"/>
+              </a:rPr>
+              <a:t>endpoints</a:t>
+            </a:r>
+            <a:r>
+              <a:rPr lang="pt-BR" sz="1323" dirty="0">
+                <a:solidFill>
+                  <a:schemeClr val="tx1"/>
+                </a:solidFill>
+                <a:latin typeface="Exo 2 Medium" panose="00000600000000000000" pitchFamily="50" charset="0"/>
+                <a:cs typeface="Simplon BP Regular"/>
+              </a:rPr>
+              <a:t> do Back </a:t>
+            </a:r>
+            <a:r>
+              <a:rPr lang="pt-BR" sz="1323" dirty="0" err="1">
+                <a:solidFill>
+                  <a:schemeClr val="tx1"/>
+                </a:solidFill>
+                <a:latin typeface="Exo 2 Medium" panose="00000600000000000000" pitchFamily="50" charset="0"/>
+                <a:cs typeface="Simplon BP Regular"/>
+              </a:rPr>
+              <a:t>End</a:t>
+            </a:r>
+            <a:r>
+              <a:rPr lang="pt-BR" sz="1323" dirty="0">
+                <a:solidFill>
+                  <a:schemeClr val="tx1"/>
+                </a:solidFill>
+                <a:latin typeface="Exo 2 Medium" panose="00000600000000000000" pitchFamily="50" charset="0"/>
+                <a:cs typeface="Simplon BP Regular"/>
+              </a:rPr>
+              <a:t> #Gustavo e Rafael</a:t>
+            </a:r>
+          </a:p>
+          <a:p>
+            <a:pPr marL="0" lvl="1"/>
+            <a:endParaRPr lang="pt-BR" sz="1600" dirty="0">
+              <a:solidFill>
+                <a:schemeClr val="tx1"/>
+              </a:solidFill>
+              <a:latin typeface="Exo 2 Medium" panose="00000600000000000000" pitchFamily="50" charset="0"/>
+              <a:cs typeface="Simplon BP Regular"/>
+            </a:endParaRPr>
+          </a:p>
+          <a:p>
+            <a:pPr marL="0" lvl="1" defTabSz="672130"/>
+            <a:r>
+              <a:rPr lang="pt-BR" sz="1400" b="1" dirty="0">
+                <a:solidFill>
+                  <a:schemeClr val="tx1"/>
+                </a:solidFill>
+                <a:latin typeface="Exo 2 Medium" panose="00000600000000000000" pitchFamily="50" charset="0"/>
+                <a:cs typeface="Simplon BP Regular"/>
+              </a:rPr>
+              <a:t>Frente Negócios</a:t>
+            </a:r>
+          </a:p>
+          <a:p>
+            <a:pPr marL="252049" lvl="1" indent="-252049">
+              <a:buFont typeface="Wingdings" panose="05000000000000000000" pitchFamily="2" charset="2"/>
+              <a:buChar char="§"/>
+            </a:pPr>
+            <a:r>
+              <a:rPr lang="pt-BR" sz="1323" dirty="0">
+                <a:solidFill>
+                  <a:schemeClr val="tx1"/>
+                </a:solidFill>
+                <a:latin typeface="Exo 2 Medium" panose="00000600000000000000" pitchFamily="50" charset="0"/>
+              </a:rPr>
+              <a:t>Atualizar sprint backlog e </a:t>
+            </a:r>
+            <a:r>
+              <a:rPr lang="pt-BR" sz="1323" dirty="0" err="1">
+                <a:solidFill>
+                  <a:schemeClr val="tx1"/>
+                </a:solidFill>
+                <a:latin typeface="Exo 2 Medium" panose="00000600000000000000" pitchFamily="50" charset="0"/>
+              </a:rPr>
+              <a:t>product</a:t>
+            </a:r>
+            <a:r>
+              <a:rPr lang="pt-BR" sz="1323" dirty="0">
+                <a:solidFill>
+                  <a:schemeClr val="tx1"/>
+                </a:solidFill>
+                <a:latin typeface="Exo 2 Medium" panose="00000600000000000000" pitchFamily="50" charset="0"/>
+              </a:rPr>
+              <a:t> backlog #Rafael</a:t>
+            </a:r>
+          </a:p>
+          <a:p>
+            <a:pPr marL="252049" lvl="1" indent="-252049">
+              <a:buFont typeface="Wingdings" panose="05000000000000000000" pitchFamily="2" charset="2"/>
+              <a:buChar char="§"/>
+            </a:pPr>
+            <a:r>
+              <a:rPr lang="pt-BR" sz="1323" dirty="0">
+                <a:solidFill>
+                  <a:schemeClr val="tx1"/>
+                </a:solidFill>
+                <a:latin typeface="Exo 2 Medium" panose="00000600000000000000" pitchFamily="50" charset="0"/>
+              </a:rPr>
+              <a:t>Atualizar a documentação do projeto #Rafael</a:t>
+            </a:r>
+          </a:p>
+          <a:p>
+            <a:pPr marL="252049" lvl="1" indent="-252049">
+              <a:buFont typeface="Wingdings" panose="05000000000000000000" pitchFamily="2" charset="2"/>
+              <a:buChar char="§"/>
+            </a:pPr>
+            <a:r>
+              <a:rPr lang="pt-BR" sz="1323" dirty="0">
+                <a:solidFill>
+                  <a:schemeClr val="tx1"/>
+                </a:solidFill>
+                <a:latin typeface="Exo 2 Medium" panose="00000600000000000000" pitchFamily="50" charset="0"/>
+              </a:rPr>
+              <a:t>Diagrama de solução de Software #Raul</a:t>
+            </a:r>
+          </a:p>
+          <a:p>
+            <a:pPr marL="252049" lvl="1" indent="-252049">
+              <a:buFont typeface="Wingdings" panose="05000000000000000000" pitchFamily="2" charset="2"/>
+              <a:buChar char="§"/>
+            </a:pPr>
+            <a:endParaRPr lang="pt-BR" sz="1323" dirty="0">
+              <a:solidFill>
+                <a:schemeClr val="tx1"/>
+              </a:solidFill>
+              <a:latin typeface="Exo 2 Medium" panose="00000600000000000000" pitchFamily="50" charset="0"/>
+            </a:endParaRPr>
+          </a:p>
+          <a:p>
+            <a:pPr marL="252049" lvl="1" indent="-252049">
+              <a:buFont typeface="Wingdings" panose="05000000000000000000" pitchFamily="2" charset="2"/>
+              <a:buChar char="§"/>
+            </a:pPr>
+            <a:endParaRPr lang="pt-BR" sz="1600" dirty="0">
+              <a:solidFill>
+                <a:schemeClr val="tx1"/>
+              </a:solidFill>
+              <a:latin typeface="Exo 2 Medium" panose="00000600000000000000" pitchFamily="50" charset="0"/>
+              <a:cs typeface="Simplon BP Regular"/>
+            </a:endParaRPr>
+          </a:p>
+        </p:txBody>
+      </p:sp>
+      <p:sp>
+        <p:nvSpPr>
+          <p:cNvPr id="6" name="Oval 134">
+            <a:extLst>
+              <a:ext uri="{FF2B5EF4-FFF2-40B4-BE49-F238E27FC236}">
+                <a16:creationId xmlns:a16="http://schemas.microsoft.com/office/drawing/2014/main" id="{70825C6F-9257-4CF5-8C62-1CA1EB2F8815}"/>
+              </a:ext>
+            </a:extLst>
+          </p:cNvPr>
+          <p:cNvSpPr>
+            <a:spLocks noChangeAspect="1"/>
+          </p:cNvSpPr>
+          <p:nvPr/>
+        </p:nvSpPr>
+        <p:spPr>
+          <a:xfrm>
+            <a:off x="9333545" y="328153"/>
+            <a:ext cx="211404" cy="211689"/>
+          </a:xfrm>
+          <a:prstGeom prst="ellipse">
+            <a:avLst/>
+          </a:prstGeom>
+          <a:solidFill>
+            <a:srgbClr val="FF0000"/>
+          </a:solidFill>
+          <a:ln w="12700">
+            <a:solidFill>
+              <a:schemeClr val="accent3"/>
+            </a:solidFill>
+          </a:ln>
+        </p:spPr>
+        <p:style>
+          <a:lnRef idx="2">
+            <a:schemeClr val="accent1">
+              <a:shade val="50000"/>
+            </a:schemeClr>
+          </a:lnRef>
+          <a:fillRef idx="1">
+            <a:schemeClr val="accent1"/>
+          </a:fillRef>
+          <a:effectRef idx="0">
+            <a:schemeClr val="accent1"/>
+          </a:effectRef>
+          <a:fontRef idx="minor">
+            <a:schemeClr val="lt1"/>
+          </a:fontRef>
+        </p:style>
+        <p:txBody>
+          <a:bodyPr wrap="none" lIns="52922" tIns="52922" rIns="52922" rtlCol="0" anchor="ctr"/>
+          <a:lstStyle/>
+          <a:p>
+            <a:pPr algn="ctr" defTabSz="672130"/>
+            <a:endParaRPr lang="en-US" sz="1176" dirty="0">
+              <a:solidFill>
+                <a:prstClr val="black"/>
+              </a:solidFill>
+              <a:latin typeface="Exo 2 Medium" panose="00000600000000000000" pitchFamily="50" charset="0"/>
+              <a:cs typeface="Simplon BP Regular"/>
+            </a:endParaRPr>
+          </a:p>
+        </p:txBody>
+      </p:sp>
+      <p:sp>
+        <p:nvSpPr>
+          <p:cNvPr id="9" name="Oval 134">
+            <a:extLst>
+              <a:ext uri="{FF2B5EF4-FFF2-40B4-BE49-F238E27FC236}">
+                <a16:creationId xmlns:a16="http://schemas.microsoft.com/office/drawing/2014/main" id="{B60B13C9-0C70-4C0F-82B2-D0CD4FDFC1F0}"/>
+              </a:ext>
+            </a:extLst>
+          </p:cNvPr>
+          <p:cNvSpPr>
+            <a:spLocks noChangeAspect="1"/>
+          </p:cNvSpPr>
+          <p:nvPr/>
+        </p:nvSpPr>
+        <p:spPr>
+          <a:xfrm>
+            <a:off x="12263589" y="324247"/>
+            <a:ext cx="211404" cy="211689"/>
+          </a:xfrm>
+          <a:prstGeom prst="ellipse">
+            <a:avLst/>
+          </a:prstGeom>
+          <a:solidFill>
+            <a:srgbClr val="FF0000"/>
+          </a:solidFill>
+          <a:ln w="12700">
+            <a:solidFill>
+              <a:schemeClr val="accent3"/>
+            </a:solidFill>
+          </a:ln>
+        </p:spPr>
+        <p:style>
+          <a:lnRef idx="2">
+            <a:schemeClr val="accent1">
+              <a:shade val="50000"/>
+            </a:schemeClr>
+          </a:lnRef>
+          <a:fillRef idx="1">
+            <a:schemeClr val="accent1"/>
+          </a:fillRef>
+          <a:effectRef idx="0">
+            <a:schemeClr val="accent1"/>
+          </a:effectRef>
+          <a:fontRef idx="minor">
+            <a:schemeClr val="lt1"/>
+          </a:fontRef>
+        </p:style>
+        <p:txBody>
+          <a:bodyPr wrap="none" lIns="52922" tIns="52922" rIns="52922" rtlCol="0" anchor="ctr"/>
+          <a:lstStyle/>
+          <a:p>
+            <a:pPr algn="ctr" defTabSz="672130"/>
+            <a:endParaRPr lang="en-US" sz="1176" dirty="0">
+              <a:solidFill>
+                <a:prstClr val="black"/>
+              </a:solidFill>
+              <a:latin typeface="Exo 2 Medium" panose="00000600000000000000" pitchFamily="50" charset="0"/>
+              <a:cs typeface="Simplon BP Regular"/>
+            </a:endParaRPr>
+          </a:p>
+        </p:txBody>
+      </p:sp>
+      <p:sp>
+        <p:nvSpPr>
+          <p:cNvPr id="44" name="Oval 120">
+            <a:extLst>
+              <a:ext uri="{FF2B5EF4-FFF2-40B4-BE49-F238E27FC236}">
+                <a16:creationId xmlns:a16="http://schemas.microsoft.com/office/drawing/2014/main" id="{2688D066-DD5D-4246-B846-8AD1218C78EC}"/>
+              </a:ext>
+            </a:extLst>
+          </p:cNvPr>
+          <p:cNvSpPr>
+            <a:spLocks noChangeAspect="1"/>
+          </p:cNvSpPr>
+          <p:nvPr/>
+        </p:nvSpPr>
+        <p:spPr>
+          <a:xfrm>
+            <a:off x="10295646" y="333831"/>
+            <a:ext cx="211404" cy="211689"/>
+          </a:xfrm>
+          <a:prstGeom prst="ellipse">
+            <a:avLst/>
+          </a:prstGeom>
+          <a:solidFill>
+            <a:srgbClr val="FFC000"/>
+          </a:solidFill>
+          <a:ln w="12700">
+            <a:solidFill>
+              <a:schemeClr val="accent3"/>
+            </a:solidFill>
+          </a:ln>
+        </p:spPr>
+        <p:style>
+          <a:lnRef idx="2">
+            <a:schemeClr val="accent1">
+              <a:shade val="50000"/>
+            </a:schemeClr>
+          </a:lnRef>
+          <a:fillRef idx="1">
+            <a:schemeClr val="accent1"/>
+          </a:fillRef>
+          <a:effectRef idx="0">
+            <a:schemeClr val="accent1"/>
+          </a:effectRef>
+          <a:fontRef idx="minor">
+            <a:schemeClr val="lt1"/>
+          </a:fontRef>
+        </p:style>
+        <p:txBody>
+          <a:bodyPr wrap="none" lIns="52922" tIns="52922" rIns="52922" rtlCol="0" anchor="ctr"/>
+          <a:lstStyle/>
+          <a:p>
+            <a:pPr algn="ctr" defTabSz="672130"/>
+            <a:endParaRPr lang="en-US" sz="1176" dirty="0">
+              <a:solidFill>
+                <a:prstClr val="black"/>
+              </a:solidFill>
+              <a:latin typeface="Exo 2 Medium" panose="00000600000000000000" pitchFamily="50" charset="0"/>
+              <a:cs typeface="Simplon BP Regular"/>
+            </a:endParaRPr>
+          </a:p>
+        </p:txBody>
+      </p:sp>
+      <p:sp>
+        <p:nvSpPr>
+          <p:cNvPr id="5" name="Retângulo 4">
+            <a:extLst>
+              <a:ext uri="{FF2B5EF4-FFF2-40B4-BE49-F238E27FC236}">
+                <a16:creationId xmlns:a16="http://schemas.microsoft.com/office/drawing/2014/main" id="{A1C14918-6027-46B3-96BF-C5F7FDEC3276}"/>
+              </a:ext>
+            </a:extLst>
+          </p:cNvPr>
+          <p:cNvSpPr/>
+          <p:nvPr/>
+        </p:nvSpPr>
+        <p:spPr>
+          <a:xfrm>
+            <a:off x="8285972" y="209534"/>
+            <a:ext cx="4723318" cy="618769"/>
+          </a:xfrm>
+          <a:prstGeom prst="rect">
+            <a:avLst/>
+          </a:prstGeom>
+          <a:noFill/>
+          <a:ln w="6350">
+            <a:solidFill>
+              <a:schemeClr val="bg1">
+                <a:lumMod val="75000"/>
+              </a:schemeClr>
+            </a:solidFill>
+          </a:ln>
+        </p:spPr>
+        <p:style>
+          <a:lnRef idx="2">
+            <a:schemeClr val="accent1">
+              <a:shade val="50000"/>
+            </a:schemeClr>
+          </a:lnRef>
+          <a:fillRef idx="1">
+            <a:schemeClr val="accent1"/>
+          </a:fillRef>
+          <a:effectRef idx="0">
+            <a:schemeClr val="accent1"/>
+          </a:effectRef>
+          <a:fontRef idx="minor">
+            <a:schemeClr val="lt1"/>
+          </a:fontRef>
+        </p:style>
+        <p:txBody>
+          <a:bodyPr rtlCol="0" anchor="ctr"/>
+          <a:lstStyle/>
+          <a:p>
+            <a:pPr algn="ctr"/>
+            <a:endParaRPr lang="pt-BR">
+              <a:latin typeface="Exo 2 Medium" panose="00000600000000000000" pitchFamily="50" charset="0"/>
+            </a:endParaRPr>
+          </a:p>
+        </p:txBody>
+      </p:sp>
+      <p:sp>
+        <p:nvSpPr>
+          <p:cNvPr id="8" name="TextBox 138">
+            <a:extLst>
+              <a:ext uri="{FF2B5EF4-FFF2-40B4-BE49-F238E27FC236}">
+                <a16:creationId xmlns:a16="http://schemas.microsoft.com/office/drawing/2014/main" id="{5CE7D08C-795B-4BF1-97F6-F9773F4E9F4C}"/>
+              </a:ext>
+            </a:extLst>
+          </p:cNvPr>
+          <p:cNvSpPr txBox="1"/>
+          <p:nvPr/>
+        </p:nvSpPr>
+        <p:spPr>
+          <a:xfrm>
+            <a:off x="9823400" y="51570"/>
+            <a:ext cx="1478088" cy="211688"/>
+          </a:xfrm>
+          <a:prstGeom prst="rect">
+            <a:avLst/>
+          </a:prstGeom>
+          <a:solidFill>
+            <a:schemeClr val="bg1"/>
+          </a:solidFill>
+          <a:ln w="12700">
+            <a:noFill/>
+          </a:ln>
+        </p:spPr>
+        <p:style>
+          <a:lnRef idx="2">
+            <a:schemeClr val="accent4"/>
+          </a:lnRef>
+          <a:fillRef idx="1">
+            <a:schemeClr val="lt1"/>
+          </a:fillRef>
+          <a:effectRef idx="0">
+            <a:schemeClr val="accent4"/>
+          </a:effectRef>
+          <a:fontRef idx="minor">
+            <a:schemeClr val="dk1"/>
+          </a:fontRef>
+        </p:style>
+        <p:txBody>
+          <a:bodyPr wrap="none" lIns="52922" tIns="52922" rIns="52922" bIns="0" rtlCol="0" anchor="b"/>
+          <a:lstStyle>
+            <a:defPPr>
+              <a:defRPr lang="en-US"/>
+            </a:defPPr>
+            <a:lvl1pPr algn="ctr">
+              <a:defRPr sz="1000" b="1">
+                <a:latin typeface="Simplon BP Regular"/>
+                <a:cs typeface="Simplon BP Regular"/>
+              </a:defRPr>
+            </a:lvl1pPr>
+            <a:lvl2pPr>
+              <a:defRPr>
+                <a:solidFill>
+                  <a:schemeClr val="dk1"/>
+                </a:solidFill>
+              </a:defRPr>
+            </a:lvl2pPr>
+            <a:lvl3pPr>
+              <a:defRPr>
+                <a:solidFill>
+                  <a:schemeClr val="dk1"/>
+                </a:solidFill>
+              </a:defRPr>
+            </a:lvl3pPr>
+            <a:lvl4pPr>
+              <a:defRPr>
+                <a:solidFill>
+                  <a:schemeClr val="dk1"/>
+                </a:solidFill>
+              </a:defRPr>
+            </a:lvl4pPr>
+            <a:lvl5pPr>
+              <a:defRPr>
+                <a:solidFill>
+                  <a:schemeClr val="dk1"/>
+                </a:solidFill>
+              </a:defRPr>
+            </a:lvl5pPr>
+            <a:lvl6pPr>
+              <a:defRPr>
+                <a:solidFill>
+                  <a:schemeClr val="dk1"/>
+                </a:solidFill>
+              </a:defRPr>
+            </a:lvl6pPr>
+            <a:lvl7pPr>
+              <a:defRPr>
+                <a:solidFill>
+                  <a:schemeClr val="dk1"/>
+                </a:solidFill>
+              </a:defRPr>
+            </a:lvl7pPr>
+            <a:lvl8pPr>
+              <a:defRPr>
+                <a:solidFill>
+                  <a:schemeClr val="dk1"/>
+                </a:solidFill>
+              </a:defRPr>
+            </a:lvl8pPr>
+            <a:lvl9pPr>
+              <a:defRPr>
+                <a:solidFill>
+                  <a:schemeClr val="dk1"/>
+                </a:solidFill>
+              </a:defRPr>
+            </a:lvl9pPr>
+          </a:lstStyle>
+          <a:p>
+            <a:pPr defTabSz="672130"/>
+            <a:r>
+              <a:rPr lang="en-US" sz="1176" b="0" dirty="0">
+                <a:solidFill>
+                  <a:prstClr val="black"/>
+                </a:solidFill>
+                <a:latin typeface="Exo 2 Medium" panose="00000600000000000000" pitchFamily="50" charset="0"/>
+              </a:rPr>
+              <a:t>    </a:t>
+            </a:r>
+            <a:r>
+              <a:rPr lang="en-US" sz="1176" b="0" dirty="0" err="1">
+                <a:solidFill>
+                  <a:prstClr val="black"/>
+                </a:solidFill>
+                <a:latin typeface="Exo 2 Medium" panose="00000600000000000000" pitchFamily="50" charset="0"/>
+              </a:rPr>
+              <a:t>Farol</a:t>
+            </a:r>
+            <a:r>
+              <a:rPr lang="en-US" sz="1176" b="0" dirty="0">
+                <a:solidFill>
+                  <a:prstClr val="black"/>
+                </a:solidFill>
+                <a:latin typeface="Exo 2 Medium" panose="00000600000000000000" pitchFamily="50" charset="0"/>
+              </a:rPr>
+              <a:t> do </a:t>
+            </a:r>
+            <a:r>
+              <a:rPr lang="en-US" sz="1176" b="0" dirty="0" err="1">
+                <a:solidFill>
+                  <a:prstClr val="black"/>
+                </a:solidFill>
+                <a:latin typeface="Exo 2 Medium" panose="00000600000000000000" pitchFamily="50" charset="0"/>
+              </a:rPr>
+              <a:t>Projeto</a:t>
+            </a:r>
+            <a:r>
+              <a:rPr lang="en-US" sz="1176" b="0" dirty="0">
+                <a:solidFill>
+                  <a:prstClr val="black"/>
+                </a:solidFill>
+                <a:latin typeface="Exo 2 Medium" panose="00000600000000000000" pitchFamily="50" charset="0"/>
+              </a:rPr>
+              <a:t>   </a:t>
+            </a:r>
+          </a:p>
+        </p:txBody>
+      </p:sp>
+      <p:sp>
+        <p:nvSpPr>
+          <p:cNvPr id="10" name="Oval 134">
+            <a:extLst>
+              <a:ext uri="{FF2B5EF4-FFF2-40B4-BE49-F238E27FC236}">
+                <a16:creationId xmlns:a16="http://schemas.microsoft.com/office/drawing/2014/main" id="{D3402D46-6FCA-8FD7-00B6-FA471CEE5862}"/>
+              </a:ext>
+            </a:extLst>
+          </p:cNvPr>
+          <p:cNvSpPr>
+            <a:spLocks noChangeAspect="1"/>
+          </p:cNvSpPr>
+          <p:nvPr/>
+        </p:nvSpPr>
+        <p:spPr>
+          <a:xfrm>
+            <a:off x="10169447" y="1155900"/>
+            <a:ext cx="188491" cy="188745"/>
+          </a:xfrm>
+          <a:prstGeom prst="ellipse">
+            <a:avLst/>
+          </a:prstGeom>
+          <a:solidFill>
+            <a:srgbClr val="1BCF13"/>
+          </a:solidFill>
+          <a:ln w="12700">
+            <a:solidFill>
+              <a:schemeClr val="accent3"/>
+            </a:solidFill>
+          </a:ln>
+        </p:spPr>
+        <p:style>
+          <a:lnRef idx="2">
+            <a:schemeClr val="accent1">
+              <a:shade val="50000"/>
+            </a:schemeClr>
+          </a:lnRef>
+          <a:fillRef idx="1">
+            <a:schemeClr val="accent1"/>
+          </a:fillRef>
+          <a:effectRef idx="0">
+            <a:schemeClr val="accent1"/>
+          </a:effectRef>
+          <a:fontRef idx="minor">
+            <a:schemeClr val="lt1"/>
+          </a:fontRef>
+        </p:style>
+        <p:txBody>
+          <a:bodyPr wrap="none" lIns="52922" tIns="52922" rIns="52922" rtlCol="0" anchor="ctr"/>
+          <a:lstStyle/>
+          <a:p>
+            <a:pPr algn="ctr" defTabSz="672130"/>
+            <a:endParaRPr lang="en-US" sz="1176" dirty="0">
+              <a:solidFill>
+                <a:prstClr val="black"/>
+              </a:solidFill>
+              <a:latin typeface="Exo 2 Medium" panose="00000600000000000000" pitchFamily="50" charset="0"/>
+              <a:cs typeface="Simplon BP Regular"/>
+            </a:endParaRPr>
+          </a:p>
+        </p:txBody>
+      </p:sp>
+      <p:sp>
+        <p:nvSpPr>
+          <p:cNvPr id="11" name="Oval 134">
+            <a:extLst>
+              <a:ext uri="{FF2B5EF4-FFF2-40B4-BE49-F238E27FC236}">
+                <a16:creationId xmlns:a16="http://schemas.microsoft.com/office/drawing/2014/main" id="{B7560C33-4B60-C89A-3731-2294CE8CE15B}"/>
+              </a:ext>
+            </a:extLst>
+          </p:cNvPr>
+          <p:cNvSpPr>
+            <a:spLocks noChangeAspect="1"/>
+          </p:cNvSpPr>
+          <p:nvPr/>
+        </p:nvSpPr>
+        <p:spPr>
+          <a:xfrm>
+            <a:off x="11938848" y="1367589"/>
+            <a:ext cx="211404" cy="211689"/>
+          </a:xfrm>
+          <a:prstGeom prst="ellipse">
+            <a:avLst/>
+          </a:prstGeom>
+          <a:solidFill>
+            <a:srgbClr val="1BCF13"/>
+          </a:solidFill>
+          <a:ln w="12700">
+            <a:solidFill>
+              <a:schemeClr val="accent3"/>
+            </a:solidFill>
+          </a:ln>
+        </p:spPr>
+        <p:style>
+          <a:lnRef idx="2">
+            <a:schemeClr val="accent1">
+              <a:shade val="50000"/>
+            </a:schemeClr>
+          </a:lnRef>
+          <a:fillRef idx="1">
+            <a:schemeClr val="accent1"/>
+          </a:fillRef>
+          <a:effectRef idx="0">
+            <a:schemeClr val="accent1"/>
+          </a:effectRef>
+          <a:fontRef idx="minor">
+            <a:schemeClr val="lt1"/>
+          </a:fontRef>
+        </p:style>
+        <p:txBody>
+          <a:bodyPr wrap="none" lIns="52922" tIns="52922" rIns="52922" rtlCol="0" anchor="ctr"/>
+          <a:lstStyle/>
+          <a:p>
+            <a:pPr algn="ctr" defTabSz="672130"/>
+            <a:endParaRPr lang="en-US" sz="1176" dirty="0">
+              <a:solidFill>
+                <a:prstClr val="black"/>
+              </a:solidFill>
+              <a:latin typeface="Exo 2 Medium" panose="00000600000000000000" pitchFamily="50" charset="0"/>
+              <a:cs typeface="Simplon BP Regular"/>
+            </a:endParaRPr>
+          </a:p>
+        </p:txBody>
+      </p:sp>
+      <p:sp>
+        <p:nvSpPr>
+          <p:cNvPr id="13" name="Oval 120">
+            <a:extLst>
+              <a:ext uri="{FF2B5EF4-FFF2-40B4-BE49-F238E27FC236}">
+                <a16:creationId xmlns:a16="http://schemas.microsoft.com/office/drawing/2014/main" id="{43AC09ED-3C9B-0C85-00A6-3239F78E498E}"/>
+              </a:ext>
+            </a:extLst>
+          </p:cNvPr>
+          <p:cNvSpPr>
+            <a:spLocks noChangeAspect="1"/>
+          </p:cNvSpPr>
+          <p:nvPr/>
+        </p:nvSpPr>
+        <p:spPr>
+          <a:xfrm>
+            <a:off x="3393840" y="4860751"/>
+            <a:ext cx="211404" cy="211689"/>
+          </a:xfrm>
+          <a:prstGeom prst="ellipse">
+            <a:avLst/>
+          </a:prstGeom>
+          <a:solidFill>
+            <a:srgbClr val="FFC000"/>
+          </a:solidFill>
+          <a:ln w="12700">
+            <a:solidFill>
+              <a:schemeClr val="accent3"/>
+            </a:solidFill>
+          </a:ln>
+        </p:spPr>
+        <p:style>
+          <a:lnRef idx="2">
+            <a:schemeClr val="accent1">
+              <a:shade val="50000"/>
+            </a:schemeClr>
+          </a:lnRef>
+          <a:fillRef idx="1">
+            <a:schemeClr val="accent1"/>
+          </a:fillRef>
+          <a:effectRef idx="0">
+            <a:schemeClr val="accent1"/>
+          </a:effectRef>
+          <a:fontRef idx="minor">
+            <a:schemeClr val="lt1"/>
+          </a:fontRef>
+        </p:style>
+        <p:txBody>
+          <a:bodyPr wrap="none" lIns="52922" tIns="52922" rIns="52922" rtlCol="0" anchor="ctr"/>
+          <a:lstStyle/>
+          <a:p>
+            <a:pPr algn="ctr" defTabSz="672130"/>
+            <a:endParaRPr lang="en-US" sz="1176" dirty="0">
+              <a:solidFill>
+                <a:prstClr val="black"/>
+              </a:solidFill>
+              <a:latin typeface="Exo 2 Medium" panose="00000600000000000000" pitchFamily="50" charset="0"/>
+              <a:cs typeface="Simplon BP Regular"/>
+            </a:endParaRPr>
+          </a:p>
+        </p:txBody>
+      </p:sp>
+      <p:sp>
+        <p:nvSpPr>
+          <p:cNvPr id="14" name="Oval 134">
+            <a:extLst>
+              <a:ext uri="{FF2B5EF4-FFF2-40B4-BE49-F238E27FC236}">
+                <a16:creationId xmlns:a16="http://schemas.microsoft.com/office/drawing/2014/main" id="{84EC0B93-2677-4368-A88C-4D732E9CB3CF}"/>
+              </a:ext>
+            </a:extLst>
+          </p:cNvPr>
+          <p:cNvSpPr>
+            <a:spLocks noChangeAspect="1"/>
+          </p:cNvSpPr>
+          <p:nvPr/>
+        </p:nvSpPr>
+        <p:spPr>
+          <a:xfrm>
+            <a:off x="4921275" y="5492217"/>
+            <a:ext cx="211404" cy="211689"/>
+          </a:xfrm>
+          <a:prstGeom prst="ellipse">
+            <a:avLst/>
+          </a:prstGeom>
+          <a:solidFill>
+            <a:srgbClr val="FF0000"/>
+          </a:solidFill>
+          <a:ln w="12700">
+            <a:solidFill>
+              <a:schemeClr val="accent3"/>
+            </a:solidFill>
+          </a:ln>
+        </p:spPr>
+        <p:style>
+          <a:lnRef idx="2">
+            <a:schemeClr val="accent1">
+              <a:shade val="50000"/>
+            </a:schemeClr>
+          </a:lnRef>
+          <a:fillRef idx="1">
+            <a:schemeClr val="accent1"/>
+          </a:fillRef>
+          <a:effectRef idx="0">
+            <a:schemeClr val="accent1"/>
+          </a:effectRef>
+          <a:fontRef idx="minor">
+            <a:schemeClr val="lt1"/>
+          </a:fontRef>
+        </p:style>
+        <p:txBody>
+          <a:bodyPr wrap="none" lIns="52922" tIns="52922" rIns="52922" rtlCol="0" anchor="ctr"/>
+          <a:lstStyle/>
+          <a:p>
+            <a:pPr algn="ctr" defTabSz="672130"/>
+            <a:endParaRPr lang="en-US" sz="1176" dirty="0">
+              <a:solidFill>
+                <a:prstClr val="black"/>
+              </a:solidFill>
+              <a:latin typeface="Exo 2 Medium" panose="00000600000000000000" pitchFamily="50" charset="0"/>
+              <a:cs typeface="Simplon BP Regular"/>
+            </a:endParaRPr>
+          </a:p>
+        </p:txBody>
+      </p:sp>
+      <p:sp>
+        <p:nvSpPr>
+          <p:cNvPr id="15" name="Oval 134">
+            <a:extLst>
+              <a:ext uri="{FF2B5EF4-FFF2-40B4-BE49-F238E27FC236}">
+                <a16:creationId xmlns:a16="http://schemas.microsoft.com/office/drawing/2014/main" id="{FC7E31FD-1643-0588-5577-A663FA285D0F}"/>
+              </a:ext>
+            </a:extLst>
+          </p:cNvPr>
+          <p:cNvSpPr>
+            <a:spLocks noChangeAspect="1"/>
+          </p:cNvSpPr>
+          <p:nvPr/>
+        </p:nvSpPr>
+        <p:spPr>
+          <a:xfrm>
+            <a:off x="4345211" y="6489035"/>
+            <a:ext cx="211404" cy="211689"/>
+          </a:xfrm>
+          <a:prstGeom prst="ellipse">
+            <a:avLst/>
+          </a:prstGeom>
+          <a:solidFill>
+            <a:srgbClr val="FF0000"/>
+          </a:solidFill>
+          <a:ln w="12700">
+            <a:solidFill>
+              <a:schemeClr val="accent3"/>
+            </a:solidFill>
+          </a:ln>
+        </p:spPr>
+        <p:style>
+          <a:lnRef idx="2">
+            <a:schemeClr val="accent1">
+              <a:shade val="50000"/>
+            </a:schemeClr>
+          </a:lnRef>
+          <a:fillRef idx="1">
+            <a:schemeClr val="accent1"/>
+          </a:fillRef>
+          <a:effectRef idx="0">
+            <a:schemeClr val="accent1"/>
+          </a:effectRef>
+          <a:fontRef idx="minor">
+            <a:schemeClr val="lt1"/>
+          </a:fontRef>
+        </p:style>
+        <p:txBody>
+          <a:bodyPr wrap="none" lIns="52922" tIns="52922" rIns="52922" rtlCol="0" anchor="ctr"/>
+          <a:lstStyle/>
+          <a:p>
+            <a:pPr algn="ctr" defTabSz="672130"/>
+            <a:endParaRPr lang="en-US" sz="1176" dirty="0">
+              <a:solidFill>
+                <a:prstClr val="black"/>
+              </a:solidFill>
+              <a:latin typeface="Exo 2 Medium" panose="00000600000000000000" pitchFamily="50" charset="0"/>
+              <a:cs typeface="Simplon BP Regular"/>
+            </a:endParaRPr>
+          </a:p>
+        </p:txBody>
+      </p:sp>
+      <p:sp>
+        <p:nvSpPr>
+          <p:cNvPr id="16" name="Oval 134">
+            <a:extLst>
+              <a:ext uri="{FF2B5EF4-FFF2-40B4-BE49-F238E27FC236}">
+                <a16:creationId xmlns:a16="http://schemas.microsoft.com/office/drawing/2014/main" id="{55FFC848-9C3F-F592-072D-DE328635EC51}"/>
+              </a:ext>
+            </a:extLst>
+          </p:cNvPr>
+          <p:cNvSpPr>
+            <a:spLocks noChangeAspect="1"/>
+          </p:cNvSpPr>
+          <p:nvPr/>
+        </p:nvSpPr>
+        <p:spPr>
+          <a:xfrm>
+            <a:off x="5259509" y="1577919"/>
+            <a:ext cx="211404" cy="211689"/>
+          </a:xfrm>
+          <a:prstGeom prst="ellipse">
+            <a:avLst/>
+          </a:prstGeom>
+          <a:solidFill>
+            <a:srgbClr val="1BCF13"/>
+          </a:solidFill>
+          <a:ln w="12700">
+            <a:solidFill>
+              <a:schemeClr val="accent3"/>
+            </a:solidFill>
+          </a:ln>
+        </p:spPr>
+        <p:style>
+          <a:lnRef idx="2">
+            <a:schemeClr val="accent1">
+              <a:shade val="50000"/>
+            </a:schemeClr>
+          </a:lnRef>
+          <a:fillRef idx="1">
+            <a:schemeClr val="accent1"/>
+          </a:fillRef>
+          <a:effectRef idx="0">
+            <a:schemeClr val="accent1"/>
+          </a:effectRef>
+          <a:fontRef idx="minor">
+            <a:schemeClr val="lt1"/>
+          </a:fontRef>
+        </p:style>
+        <p:txBody>
+          <a:bodyPr wrap="none" lIns="52922" tIns="52922" rIns="52922" rtlCol="0" anchor="ctr"/>
+          <a:lstStyle/>
+          <a:p>
+            <a:pPr algn="ctr" defTabSz="672130"/>
+            <a:endParaRPr lang="en-US" sz="1176" dirty="0">
+              <a:solidFill>
+                <a:prstClr val="black"/>
+              </a:solidFill>
+              <a:latin typeface="Exo 2 Medium" panose="00000600000000000000" pitchFamily="50" charset="0"/>
+              <a:cs typeface="Simplon BP Regular"/>
+            </a:endParaRPr>
+          </a:p>
+        </p:txBody>
+      </p:sp>
+    </p:spTree>
+    <p:extLst>
+      <p:ext uri="{BB962C8B-B14F-4D97-AF65-F5344CB8AC3E}">
+        <p14:creationId xmlns:p14="http://schemas.microsoft.com/office/powerpoint/2010/main" val="3230952983"/>
+      </p:ext>
+    </p:extLst>
+  </p:cSld>
+  <p:clrMapOvr>
+    <a:masterClrMapping/>
+  </p:clrMapOvr>
+</p:sld>
+</file>
+
+<file path=ppt/slides/slide4.xml><?xml version="1.0" encoding="utf-8"?>
+<p:sld xmlns:a="http://schemas.openxmlformats.org/drawingml/2006/main" xmlns:r="http://schemas.openxmlformats.org/officeDocument/2006/relationships" xmlns:p="http://schemas.openxmlformats.org/presentationml/2006/main">
+  <p:cSld>
+    <p:spTree>
+      <p:nvGrpSpPr>
+        <p:cNvPr id="1" name=""/>
+        <p:cNvGrpSpPr/>
+        <p:nvPr/>
+      </p:nvGrpSpPr>
+      <p:grpSpPr>
+        <a:xfrm>
+          <a:off x="0" y="0"/>
+          <a:ext cx="0" cy="0"/>
+          <a:chOff x="0" y="0"/>
+          <a:chExt cx="0" cy="0"/>
+        </a:xfrm>
+      </p:grpSpPr>
+      <p:sp>
+        <p:nvSpPr>
+          <p:cNvPr id="43" name="Rectangle 42"/>
+          <p:cNvSpPr/>
+          <p:nvPr/>
+        </p:nvSpPr>
+        <p:spPr>
+          <a:xfrm>
+            <a:off x="6804883" y="1106495"/>
+            <a:ext cx="6209639" cy="2235805"/>
+          </a:xfrm>
+          <a:prstGeom prst="rect">
+            <a:avLst/>
+          </a:prstGeom>
+          <a:noFill/>
+          <a:ln w="12700">
+            <a:solidFill>
+              <a:schemeClr val="bg1">
+                <a:lumMod val="50000"/>
+              </a:schemeClr>
+            </a:solidFill>
+          </a:ln>
+        </p:spPr>
+        <p:style>
+          <a:lnRef idx="2">
+            <a:schemeClr val="accent4"/>
+          </a:lnRef>
+          <a:fillRef idx="1">
+            <a:schemeClr val="lt1"/>
+          </a:fillRef>
+          <a:effectRef idx="0">
+            <a:schemeClr val="accent4"/>
+          </a:effectRef>
+          <a:fontRef idx="minor">
+            <a:schemeClr val="dk1"/>
+          </a:fontRef>
+        </p:style>
+        <p:txBody>
+          <a:bodyPr tIns="105844" rtlCol="0" anchor="t"/>
+          <a:lstStyle/>
+          <a:p>
+            <a:pPr defTabSz="672130">
+              <a:spcAft>
+                <a:spcPts val="882"/>
+              </a:spcAft>
+            </a:pPr>
+            <a:endParaRPr lang="pt-BR" sz="1470" dirty="0">
+              <a:solidFill>
+                <a:schemeClr val="tx1"/>
+              </a:solidFill>
+              <a:latin typeface="Exo 2 Medium" panose="00000600000000000000" pitchFamily="50" charset="0"/>
+              <a:cs typeface="Simplon BP Regular"/>
+            </a:endParaRPr>
+          </a:p>
+        </p:txBody>
+      </p:sp>
+      <p:sp>
+        <p:nvSpPr>
+          <p:cNvPr id="3" name="Title 2"/>
+          <p:cNvSpPr>
+            <a:spLocks noGrp="1"/>
+          </p:cNvSpPr>
+          <p:nvPr>
+            <p:ph type="title"/>
+          </p:nvPr>
+        </p:nvSpPr>
+        <p:spPr>
+          <a:xfrm>
+            <a:off x="469692" y="185232"/>
+            <a:ext cx="4794878" cy="800352"/>
+          </a:xfrm>
+        </p:spPr>
+        <p:txBody>
+          <a:bodyPr vert="horz" wrap="square" lIns="105844" tIns="0" rIns="105844" bIns="0" numCol="1" anchor="t" anchorCtr="0" compatLnSpc="1">
+            <a:prstTxWarp prst="textNoShape">
+              <a:avLst/>
+            </a:prstTxWarp>
+            <a:noAutofit/>
+          </a:bodyPr>
+          <a:lstStyle/>
+          <a:p>
+            <a:pPr algn="l">
+              <a:spcAft>
+                <a:spcPts val="882"/>
+              </a:spcAft>
+            </a:pPr>
+            <a:r>
+              <a:rPr lang="en-US" sz="2646" dirty="0">
+                <a:solidFill>
+                  <a:prstClr val="black"/>
+                </a:solidFill>
+                <a:latin typeface="Exo 2 Medium" panose="00000600000000000000" pitchFamily="50" charset="0"/>
+                <a:cs typeface="Simplon Oi Headline"/>
+              </a:rPr>
+              <a:t>SEMANA 2 - 13/04/2023</a:t>
+            </a:r>
+          </a:p>
+        </p:txBody>
+      </p:sp>
+      <p:sp>
+        <p:nvSpPr>
+          <p:cNvPr id="78" name="TextBox 118"/>
+          <p:cNvSpPr txBox="1"/>
+          <p:nvPr/>
+        </p:nvSpPr>
+        <p:spPr>
+          <a:xfrm>
+            <a:off x="11930363" y="576471"/>
+            <a:ext cx="899678" cy="179824"/>
+          </a:xfrm>
+          <a:prstGeom prst="rect">
+            <a:avLst/>
+          </a:prstGeom>
+          <a:noFill/>
+          <a:ln w="12700">
+            <a:noFill/>
+          </a:ln>
+        </p:spPr>
+        <p:style>
+          <a:lnRef idx="2">
+            <a:schemeClr val="accent4"/>
+          </a:lnRef>
+          <a:fillRef idx="1">
+            <a:schemeClr val="lt1"/>
+          </a:fillRef>
+          <a:effectRef idx="0">
+            <a:schemeClr val="accent4"/>
+          </a:effectRef>
+          <a:fontRef idx="minor">
+            <a:schemeClr val="dk1"/>
+          </a:fontRef>
+        </p:style>
+        <p:txBody>
+          <a:bodyPr wrap="none" lIns="52922" tIns="52922" rIns="52922" bIns="0" rtlCol="0" anchor="b"/>
+          <a:lstStyle>
+            <a:defPPr>
+              <a:defRPr lang="en-US"/>
+            </a:defPPr>
+            <a:lvl1pPr algn="ctr">
+              <a:defRPr sz="1000" b="1">
+                <a:latin typeface="Simplon BP Regular"/>
+                <a:cs typeface="Simplon BP Regular"/>
+              </a:defRPr>
+            </a:lvl1pPr>
+            <a:lvl2pPr>
+              <a:defRPr>
+                <a:solidFill>
+                  <a:schemeClr val="dk1"/>
+                </a:solidFill>
+              </a:defRPr>
+            </a:lvl2pPr>
+            <a:lvl3pPr>
+              <a:defRPr>
+                <a:solidFill>
+                  <a:schemeClr val="dk1"/>
+                </a:solidFill>
+              </a:defRPr>
+            </a:lvl3pPr>
+            <a:lvl4pPr>
+              <a:defRPr>
+                <a:solidFill>
+                  <a:schemeClr val="dk1"/>
+                </a:solidFill>
+              </a:defRPr>
+            </a:lvl4pPr>
+            <a:lvl5pPr>
+              <a:defRPr>
+                <a:solidFill>
+                  <a:schemeClr val="dk1"/>
+                </a:solidFill>
+              </a:defRPr>
+            </a:lvl5pPr>
+            <a:lvl6pPr>
+              <a:defRPr>
+                <a:solidFill>
+                  <a:schemeClr val="dk1"/>
+                </a:solidFill>
+              </a:defRPr>
+            </a:lvl6pPr>
+            <a:lvl7pPr>
+              <a:defRPr>
+                <a:solidFill>
+                  <a:schemeClr val="dk1"/>
+                </a:solidFill>
+              </a:defRPr>
+            </a:lvl7pPr>
+            <a:lvl8pPr>
+              <a:defRPr>
+                <a:solidFill>
+                  <a:schemeClr val="dk1"/>
+                </a:solidFill>
+              </a:defRPr>
+            </a:lvl8pPr>
+            <a:lvl9pPr>
+              <a:defRPr>
+                <a:solidFill>
+                  <a:schemeClr val="dk1"/>
+                </a:solidFill>
+              </a:defRPr>
+            </a:lvl9pPr>
+          </a:lstStyle>
+          <a:p>
+            <a:pPr defTabSz="672130"/>
+            <a:r>
+              <a:rPr lang="pt-BR" sz="1176" b="0" dirty="0">
+                <a:solidFill>
+                  <a:prstClr val="black"/>
+                </a:solidFill>
+                <a:latin typeface="Exo 2 Medium" panose="00000600000000000000" pitchFamily="50" charset="0"/>
+              </a:rPr>
+              <a:t>Negócios</a:t>
+            </a:r>
+          </a:p>
+        </p:txBody>
+      </p:sp>
+      <p:sp>
+        <p:nvSpPr>
+          <p:cNvPr id="80" name="TextBox 123"/>
+          <p:cNvSpPr txBox="1"/>
+          <p:nvPr/>
+        </p:nvSpPr>
+        <p:spPr>
+          <a:xfrm>
+            <a:off x="10960087" y="576471"/>
+            <a:ext cx="899678" cy="179824"/>
+          </a:xfrm>
+          <a:prstGeom prst="rect">
+            <a:avLst/>
+          </a:prstGeom>
+          <a:noFill/>
+          <a:ln w="12700">
+            <a:noFill/>
+          </a:ln>
+        </p:spPr>
+        <p:style>
+          <a:lnRef idx="2">
+            <a:schemeClr val="accent4"/>
+          </a:lnRef>
+          <a:fillRef idx="1">
+            <a:schemeClr val="lt1"/>
+          </a:fillRef>
+          <a:effectRef idx="0">
+            <a:schemeClr val="accent4"/>
+          </a:effectRef>
+          <a:fontRef idx="minor">
+            <a:schemeClr val="dk1"/>
+          </a:fontRef>
+        </p:style>
+        <p:txBody>
+          <a:bodyPr wrap="none" lIns="52922" tIns="52922" rIns="52922" bIns="0" rtlCol="0" anchor="b"/>
+          <a:lstStyle>
+            <a:defPPr>
+              <a:defRPr lang="en-US"/>
+            </a:defPPr>
+            <a:lvl1pPr algn="ctr">
+              <a:defRPr sz="1000" b="1">
+                <a:latin typeface="Simplon BP Regular"/>
+                <a:cs typeface="Simplon BP Regular"/>
+              </a:defRPr>
+            </a:lvl1pPr>
+            <a:lvl2pPr>
+              <a:defRPr>
+                <a:solidFill>
+                  <a:schemeClr val="dk1"/>
+                </a:solidFill>
+              </a:defRPr>
+            </a:lvl2pPr>
+            <a:lvl3pPr>
+              <a:defRPr>
+                <a:solidFill>
+                  <a:schemeClr val="dk1"/>
+                </a:solidFill>
+              </a:defRPr>
+            </a:lvl3pPr>
+            <a:lvl4pPr>
+              <a:defRPr>
+                <a:solidFill>
+                  <a:schemeClr val="dk1"/>
+                </a:solidFill>
+              </a:defRPr>
+            </a:lvl4pPr>
+            <a:lvl5pPr>
+              <a:defRPr>
+                <a:solidFill>
+                  <a:schemeClr val="dk1"/>
+                </a:solidFill>
+              </a:defRPr>
+            </a:lvl5pPr>
+            <a:lvl6pPr>
+              <a:defRPr>
+                <a:solidFill>
+                  <a:schemeClr val="dk1"/>
+                </a:solidFill>
+              </a:defRPr>
+            </a:lvl6pPr>
+            <a:lvl7pPr>
+              <a:defRPr>
+                <a:solidFill>
+                  <a:schemeClr val="dk1"/>
+                </a:solidFill>
+              </a:defRPr>
+            </a:lvl7pPr>
+            <a:lvl8pPr>
+              <a:defRPr>
+                <a:solidFill>
+                  <a:schemeClr val="dk1"/>
+                </a:solidFill>
+              </a:defRPr>
+            </a:lvl8pPr>
+            <a:lvl9pPr>
+              <a:defRPr>
+                <a:solidFill>
+                  <a:schemeClr val="dk1"/>
+                </a:solidFill>
+              </a:defRPr>
+            </a:lvl9pPr>
+          </a:lstStyle>
+          <a:p>
+            <a:pPr defTabSz="672130"/>
+            <a:r>
+              <a:rPr lang="pt-BR" sz="1176" b="0" dirty="0">
+                <a:solidFill>
+                  <a:prstClr val="black"/>
+                </a:solidFill>
+                <a:latin typeface="Exo 2 Medium" panose="00000600000000000000" pitchFamily="50" charset="0"/>
+              </a:rPr>
+              <a:t>Cloud</a:t>
+            </a:r>
+          </a:p>
+        </p:txBody>
+      </p:sp>
+      <p:sp>
+        <p:nvSpPr>
+          <p:cNvPr id="82" name="TextBox 128"/>
+          <p:cNvSpPr txBox="1"/>
+          <p:nvPr/>
+        </p:nvSpPr>
+        <p:spPr>
+          <a:xfrm>
+            <a:off x="9961835" y="576471"/>
+            <a:ext cx="899678" cy="179824"/>
+          </a:xfrm>
+          <a:prstGeom prst="rect">
+            <a:avLst/>
+          </a:prstGeom>
+          <a:noFill/>
+          <a:ln w="12700">
+            <a:noFill/>
+          </a:ln>
+        </p:spPr>
+        <p:style>
+          <a:lnRef idx="2">
+            <a:schemeClr val="accent4"/>
+          </a:lnRef>
+          <a:fillRef idx="1">
+            <a:schemeClr val="lt1"/>
+          </a:fillRef>
+          <a:effectRef idx="0">
+            <a:schemeClr val="accent4"/>
+          </a:effectRef>
+          <a:fontRef idx="minor">
+            <a:schemeClr val="dk1"/>
+          </a:fontRef>
+        </p:style>
+        <p:txBody>
+          <a:bodyPr wrap="none" lIns="52922" tIns="52922" rIns="52922" bIns="0" rtlCol="0" anchor="b"/>
+          <a:lstStyle>
+            <a:defPPr>
+              <a:defRPr lang="en-US"/>
+            </a:defPPr>
+            <a:lvl1pPr algn="ctr">
+              <a:defRPr sz="1000" b="1">
+                <a:latin typeface="Simplon BP Regular"/>
+                <a:cs typeface="Simplon BP Regular"/>
+              </a:defRPr>
+            </a:lvl1pPr>
+            <a:lvl2pPr>
+              <a:defRPr>
+                <a:solidFill>
+                  <a:schemeClr val="dk1"/>
+                </a:solidFill>
+              </a:defRPr>
+            </a:lvl2pPr>
+            <a:lvl3pPr>
+              <a:defRPr>
+                <a:solidFill>
+                  <a:schemeClr val="dk1"/>
+                </a:solidFill>
+              </a:defRPr>
+            </a:lvl3pPr>
+            <a:lvl4pPr>
+              <a:defRPr>
+                <a:solidFill>
+                  <a:schemeClr val="dk1"/>
+                </a:solidFill>
+              </a:defRPr>
+            </a:lvl4pPr>
+            <a:lvl5pPr>
+              <a:defRPr>
+                <a:solidFill>
+                  <a:schemeClr val="dk1"/>
+                </a:solidFill>
+              </a:defRPr>
+            </a:lvl5pPr>
+            <a:lvl6pPr>
+              <a:defRPr>
+                <a:solidFill>
+                  <a:schemeClr val="dk1"/>
+                </a:solidFill>
+              </a:defRPr>
+            </a:lvl6pPr>
+            <a:lvl7pPr>
+              <a:defRPr>
+                <a:solidFill>
+                  <a:schemeClr val="dk1"/>
+                </a:solidFill>
+              </a:defRPr>
+            </a:lvl7pPr>
+            <a:lvl8pPr>
+              <a:defRPr>
+                <a:solidFill>
+                  <a:schemeClr val="dk1"/>
+                </a:solidFill>
+              </a:defRPr>
+            </a:lvl8pPr>
+            <a:lvl9pPr>
+              <a:defRPr>
+                <a:solidFill>
+                  <a:schemeClr val="dk1"/>
+                </a:solidFill>
+              </a:defRPr>
+            </a:lvl9pPr>
+          </a:lstStyle>
+          <a:p>
+            <a:pPr defTabSz="672130"/>
+            <a:r>
+              <a:rPr lang="pt-BR" sz="1176" b="0" dirty="0">
+                <a:solidFill>
+                  <a:prstClr val="black"/>
+                </a:solidFill>
+                <a:latin typeface="Exo 2 Medium" panose="00000600000000000000" pitchFamily="50" charset="0"/>
+              </a:rPr>
+              <a:t>Back</a:t>
+            </a:r>
+          </a:p>
+        </p:txBody>
+      </p:sp>
+      <p:sp>
+        <p:nvSpPr>
+          <p:cNvPr id="84" name="TextBox 133"/>
+          <p:cNvSpPr txBox="1"/>
+          <p:nvPr/>
+        </p:nvSpPr>
+        <p:spPr>
+          <a:xfrm>
+            <a:off x="9041836" y="576471"/>
+            <a:ext cx="899678" cy="179824"/>
+          </a:xfrm>
+          <a:prstGeom prst="rect">
+            <a:avLst/>
+          </a:prstGeom>
+          <a:noFill/>
+          <a:ln w="12700">
+            <a:noFill/>
+          </a:ln>
+        </p:spPr>
+        <p:style>
+          <a:lnRef idx="2">
+            <a:schemeClr val="accent4"/>
+          </a:lnRef>
+          <a:fillRef idx="1">
+            <a:schemeClr val="lt1"/>
+          </a:fillRef>
+          <a:effectRef idx="0">
+            <a:schemeClr val="accent4"/>
+          </a:effectRef>
+          <a:fontRef idx="minor">
+            <a:schemeClr val="dk1"/>
+          </a:fontRef>
+        </p:style>
+        <p:txBody>
+          <a:bodyPr wrap="none" lIns="52922" tIns="52922" rIns="52922" bIns="0" rtlCol="0" anchor="b"/>
+          <a:lstStyle>
+            <a:defPPr>
+              <a:defRPr lang="en-US"/>
+            </a:defPPr>
+            <a:lvl1pPr algn="ctr">
+              <a:defRPr sz="1000" b="1">
+                <a:latin typeface="Simplon BP Regular"/>
+                <a:cs typeface="Simplon BP Regular"/>
+              </a:defRPr>
+            </a:lvl1pPr>
+            <a:lvl2pPr>
+              <a:defRPr>
+                <a:solidFill>
+                  <a:schemeClr val="dk1"/>
+                </a:solidFill>
+              </a:defRPr>
+            </a:lvl2pPr>
+            <a:lvl3pPr>
+              <a:defRPr>
+                <a:solidFill>
+                  <a:schemeClr val="dk1"/>
+                </a:solidFill>
+              </a:defRPr>
+            </a:lvl3pPr>
+            <a:lvl4pPr>
+              <a:defRPr>
+                <a:solidFill>
+                  <a:schemeClr val="dk1"/>
+                </a:solidFill>
+              </a:defRPr>
+            </a:lvl4pPr>
+            <a:lvl5pPr>
+              <a:defRPr>
+                <a:solidFill>
+                  <a:schemeClr val="dk1"/>
+                </a:solidFill>
+              </a:defRPr>
+            </a:lvl5pPr>
+            <a:lvl6pPr>
+              <a:defRPr>
+                <a:solidFill>
+                  <a:schemeClr val="dk1"/>
+                </a:solidFill>
+              </a:defRPr>
+            </a:lvl6pPr>
+            <a:lvl7pPr>
+              <a:defRPr>
+                <a:solidFill>
+                  <a:schemeClr val="dk1"/>
+                </a:solidFill>
+              </a:defRPr>
+            </a:lvl7pPr>
+            <a:lvl8pPr>
+              <a:defRPr>
+                <a:solidFill>
+                  <a:schemeClr val="dk1"/>
+                </a:solidFill>
+              </a:defRPr>
+            </a:lvl8pPr>
+            <a:lvl9pPr>
+              <a:defRPr>
+                <a:solidFill>
+                  <a:schemeClr val="dk1"/>
+                </a:solidFill>
+              </a:defRPr>
+            </a:lvl9pPr>
+          </a:lstStyle>
+          <a:p>
+            <a:pPr defTabSz="672130"/>
+            <a:r>
+              <a:rPr lang="pt-BR" sz="1176" b="0" dirty="0">
+                <a:solidFill>
+                  <a:prstClr val="black"/>
+                </a:solidFill>
+                <a:latin typeface="Exo 2 Medium" panose="00000600000000000000" pitchFamily="50" charset="0"/>
+              </a:rPr>
+              <a:t>Front</a:t>
+            </a:r>
+          </a:p>
+        </p:txBody>
+      </p:sp>
+      <p:sp>
+        <p:nvSpPr>
+          <p:cNvPr id="88" name="Oval 134"/>
+          <p:cNvSpPr>
+            <a:spLocks noChangeAspect="1"/>
+          </p:cNvSpPr>
+          <p:nvPr/>
+        </p:nvSpPr>
+        <p:spPr>
+          <a:xfrm>
+            <a:off x="8551145" y="328153"/>
+            <a:ext cx="211404" cy="211689"/>
+          </a:xfrm>
+          <a:prstGeom prst="ellipse">
+            <a:avLst/>
+          </a:prstGeom>
+          <a:solidFill>
+            <a:srgbClr val="1BCF13"/>
+          </a:solidFill>
+          <a:ln w="12700">
+            <a:solidFill>
+              <a:schemeClr val="accent3"/>
+            </a:solidFill>
+          </a:ln>
+        </p:spPr>
+        <p:style>
+          <a:lnRef idx="2">
+            <a:schemeClr val="accent1">
+              <a:shade val="50000"/>
+            </a:schemeClr>
+          </a:lnRef>
+          <a:fillRef idx="1">
+            <a:schemeClr val="accent1"/>
+          </a:fillRef>
+          <a:effectRef idx="0">
+            <a:schemeClr val="accent1"/>
+          </a:effectRef>
+          <a:fontRef idx="minor">
+            <a:schemeClr val="lt1"/>
+          </a:fontRef>
+        </p:style>
+        <p:txBody>
+          <a:bodyPr wrap="none" lIns="52922" tIns="52922" rIns="52922" rtlCol="0" anchor="ctr"/>
+          <a:lstStyle/>
+          <a:p>
+            <a:pPr algn="ctr" defTabSz="672130"/>
+            <a:endParaRPr lang="en-US" sz="1176" dirty="0">
+              <a:solidFill>
+                <a:prstClr val="black"/>
+              </a:solidFill>
+              <a:latin typeface="Exo 2 Medium" panose="00000600000000000000" pitchFamily="50" charset="0"/>
+              <a:cs typeface="Simplon BP Regular"/>
+            </a:endParaRPr>
+          </a:p>
+        </p:txBody>
+      </p:sp>
+      <p:sp>
+        <p:nvSpPr>
+          <p:cNvPr id="86" name="TextBox 138"/>
+          <p:cNvSpPr txBox="1"/>
+          <p:nvPr/>
+        </p:nvSpPr>
+        <p:spPr>
+          <a:xfrm>
+            <a:off x="8233643" y="576471"/>
+            <a:ext cx="899678" cy="179824"/>
+          </a:xfrm>
+          <a:prstGeom prst="rect">
+            <a:avLst/>
+          </a:prstGeom>
+          <a:noFill/>
+          <a:ln w="12700">
+            <a:noFill/>
+          </a:ln>
+        </p:spPr>
+        <p:style>
+          <a:lnRef idx="2">
+            <a:schemeClr val="accent4"/>
+          </a:lnRef>
+          <a:fillRef idx="1">
+            <a:schemeClr val="lt1"/>
+          </a:fillRef>
+          <a:effectRef idx="0">
+            <a:schemeClr val="accent4"/>
+          </a:effectRef>
+          <a:fontRef idx="minor">
+            <a:schemeClr val="dk1"/>
+          </a:fontRef>
+        </p:style>
+        <p:txBody>
+          <a:bodyPr wrap="none" lIns="52922" tIns="52922" rIns="52922" bIns="0" rtlCol="0" anchor="b"/>
+          <a:lstStyle>
+            <a:defPPr>
+              <a:defRPr lang="en-US"/>
+            </a:defPPr>
+            <a:lvl1pPr algn="ctr">
+              <a:defRPr sz="1000" b="1">
+                <a:latin typeface="Simplon BP Regular"/>
+                <a:cs typeface="Simplon BP Regular"/>
+              </a:defRPr>
+            </a:lvl1pPr>
+            <a:lvl2pPr>
+              <a:defRPr>
+                <a:solidFill>
+                  <a:schemeClr val="dk1"/>
+                </a:solidFill>
+              </a:defRPr>
+            </a:lvl2pPr>
+            <a:lvl3pPr>
+              <a:defRPr>
+                <a:solidFill>
+                  <a:schemeClr val="dk1"/>
+                </a:solidFill>
+              </a:defRPr>
+            </a:lvl3pPr>
+            <a:lvl4pPr>
+              <a:defRPr>
+                <a:solidFill>
+                  <a:schemeClr val="dk1"/>
+                </a:solidFill>
+              </a:defRPr>
+            </a:lvl4pPr>
+            <a:lvl5pPr>
+              <a:defRPr>
+                <a:solidFill>
+                  <a:schemeClr val="dk1"/>
+                </a:solidFill>
+              </a:defRPr>
+            </a:lvl5pPr>
+            <a:lvl6pPr>
+              <a:defRPr>
+                <a:solidFill>
+                  <a:schemeClr val="dk1"/>
+                </a:solidFill>
+              </a:defRPr>
+            </a:lvl6pPr>
+            <a:lvl7pPr>
+              <a:defRPr>
+                <a:solidFill>
+                  <a:schemeClr val="dk1"/>
+                </a:solidFill>
+              </a:defRPr>
+            </a:lvl7pPr>
+            <a:lvl8pPr>
+              <a:defRPr>
+                <a:solidFill>
+                  <a:schemeClr val="dk1"/>
+                </a:solidFill>
+              </a:defRPr>
+            </a:lvl8pPr>
+            <a:lvl9pPr>
+              <a:defRPr>
+                <a:solidFill>
+                  <a:schemeClr val="dk1"/>
+                </a:solidFill>
+              </a:defRPr>
+            </a:lvl9pPr>
+          </a:lstStyle>
+          <a:p>
+            <a:pPr defTabSz="672130"/>
+            <a:r>
+              <a:rPr lang="en-US" sz="1176" b="0" dirty="0" err="1">
+                <a:solidFill>
+                  <a:prstClr val="black"/>
+                </a:solidFill>
+                <a:latin typeface="Exo 2 Medium" panose="00000600000000000000" pitchFamily="50" charset="0"/>
+              </a:rPr>
+              <a:t>Equipe</a:t>
+            </a:r>
+            <a:endParaRPr lang="en-US" sz="1176" b="0" dirty="0">
+              <a:solidFill>
+                <a:prstClr val="black"/>
+              </a:solidFill>
+              <a:latin typeface="Exo 2 Medium" panose="00000600000000000000" pitchFamily="50" charset="0"/>
+            </a:endParaRPr>
+          </a:p>
+        </p:txBody>
+      </p:sp>
+      <p:sp>
+        <p:nvSpPr>
+          <p:cNvPr id="64" name="Retângulo 63"/>
+          <p:cNvSpPr/>
+          <p:nvPr/>
+        </p:nvSpPr>
+        <p:spPr>
+          <a:xfrm>
+            <a:off x="512766" y="868345"/>
+            <a:ext cx="6186608" cy="238150"/>
+          </a:xfrm>
+          <a:prstGeom prst="rect">
+            <a:avLst/>
+          </a:prstGeom>
+          <a:solidFill>
+            <a:schemeClr val="bg1">
+              <a:lumMod val="85000"/>
+            </a:schemeClr>
+          </a:solidFill>
+        </p:spPr>
+        <p:txBody>
+          <a:bodyPr vert="horz" lIns="134422" tIns="67211" rIns="134422" bIns="67211" rtlCol="0" anchor="ctr"/>
+          <a:lstStyle/>
+          <a:p>
+            <a:pPr defTabSz="672130"/>
+            <a:r>
+              <a:rPr lang="en-US" sz="1544" dirty="0" err="1">
+                <a:latin typeface="Exo 2 Medium" panose="00000600000000000000" pitchFamily="50" charset="0"/>
+                <a:ea typeface="Simplon Oi Headline" charset="0"/>
+                <a:cs typeface="Simplon Oi Headline" charset="0"/>
+              </a:rPr>
+              <a:t>Progressos</a:t>
+            </a:r>
+            <a:r>
+              <a:rPr lang="en-US" sz="1544" dirty="0">
+                <a:latin typeface="Exo 2 Medium" panose="00000600000000000000" pitchFamily="50" charset="0"/>
+                <a:ea typeface="Simplon Oi Headline" charset="0"/>
+                <a:cs typeface="Simplon Oi Headline" charset="0"/>
+              </a:rPr>
+              <a:t> (</a:t>
+            </a:r>
+            <a:r>
+              <a:rPr lang="en-US" sz="1544" dirty="0" err="1">
+                <a:latin typeface="Exo 2 Medium" panose="00000600000000000000" pitchFamily="50" charset="0"/>
+                <a:ea typeface="Simplon Oi Headline" charset="0"/>
+                <a:cs typeface="Simplon Oi Headline" charset="0"/>
+              </a:rPr>
+              <a:t>Atividades</a:t>
+            </a:r>
+            <a:r>
+              <a:rPr lang="en-US" sz="1544" dirty="0">
+                <a:latin typeface="Exo 2 Medium" panose="00000600000000000000" pitchFamily="50" charset="0"/>
+                <a:ea typeface="Simplon Oi Headline" charset="0"/>
+                <a:cs typeface="Simplon Oi Headline" charset="0"/>
+              </a:rPr>
+              <a:t> </a:t>
+            </a:r>
+            <a:r>
+              <a:rPr lang="en-US" sz="1544" dirty="0" err="1">
+                <a:latin typeface="Exo 2 Medium" panose="00000600000000000000" pitchFamily="50" charset="0"/>
+                <a:ea typeface="Simplon Oi Headline" charset="0"/>
+                <a:cs typeface="Simplon Oi Headline" charset="0"/>
+              </a:rPr>
+              <a:t>Finalizadas</a:t>
+            </a:r>
+            <a:r>
+              <a:rPr lang="en-US" sz="1544" dirty="0">
+                <a:latin typeface="Exo 2 Medium" panose="00000600000000000000" pitchFamily="50" charset="0"/>
+                <a:ea typeface="Simplon Oi Headline" charset="0"/>
+                <a:cs typeface="Simplon Oi Headline" charset="0"/>
+              </a:rPr>
+              <a:t>) </a:t>
+            </a:r>
+            <a:r>
+              <a:rPr lang="pt-BR" sz="1544" dirty="0">
+                <a:latin typeface="Exo 2 Medium" panose="00000600000000000000" pitchFamily="50" charset="0"/>
+                <a:ea typeface="Simplon Oi Headline" charset="0"/>
+                <a:cs typeface="Simplon Oi Headline" charset="0"/>
+              </a:rPr>
+              <a:t>c/  seu responsável</a:t>
+            </a:r>
+            <a:endParaRPr lang="en-US" sz="1544" dirty="0">
+              <a:latin typeface="Exo 2 Medium" panose="00000600000000000000" pitchFamily="50" charset="0"/>
+              <a:ea typeface="Simplon Oi Headline" charset="0"/>
+              <a:cs typeface="Simplon Oi Headline" charset="0"/>
+            </a:endParaRPr>
+          </a:p>
+        </p:txBody>
+      </p:sp>
+      <p:sp>
+        <p:nvSpPr>
+          <p:cNvPr id="65" name="Retângulo 64"/>
+          <p:cNvSpPr/>
+          <p:nvPr/>
+        </p:nvSpPr>
+        <p:spPr>
+          <a:xfrm>
+            <a:off x="6814576" y="868345"/>
+            <a:ext cx="6194715" cy="238150"/>
+          </a:xfrm>
+          <a:prstGeom prst="rect">
+            <a:avLst/>
+          </a:prstGeom>
+          <a:solidFill>
+            <a:schemeClr val="bg1">
+              <a:lumMod val="85000"/>
+            </a:schemeClr>
+          </a:solidFill>
+        </p:spPr>
+        <p:txBody>
+          <a:bodyPr vert="horz" lIns="134422" tIns="67211" rIns="134422" bIns="67211" rtlCol="0" anchor="ctr"/>
+          <a:lstStyle/>
+          <a:p>
+            <a:pPr defTabSz="672130"/>
+            <a:r>
+              <a:rPr lang="pt-BR" sz="1544" dirty="0">
+                <a:latin typeface="Exo 2 Medium" panose="00000600000000000000" pitchFamily="50" charset="0"/>
+                <a:ea typeface="Simplon Oi Headline" charset="0"/>
+                <a:cs typeface="Simplon Oi Headline" charset="0"/>
+              </a:rPr>
+              <a:t>Principais Riscos</a:t>
+            </a:r>
+          </a:p>
+        </p:txBody>
+      </p:sp>
+      <p:sp>
+        <p:nvSpPr>
+          <p:cNvPr id="66" name="Retângulo 65"/>
+          <p:cNvSpPr/>
+          <p:nvPr/>
+        </p:nvSpPr>
+        <p:spPr>
+          <a:xfrm>
+            <a:off x="507536" y="3418875"/>
+            <a:ext cx="12505521" cy="238150"/>
+          </a:xfrm>
+          <a:prstGeom prst="rect">
+            <a:avLst/>
+          </a:prstGeom>
+          <a:solidFill>
+            <a:schemeClr val="bg1">
+              <a:lumMod val="85000"/>
+            </a:schemeClr>
+          </a:solidFill>
+        </p:spPr>
+        <p:txBody>
+          <a:bodyPr vert="horz" lIns="134422" tIns="67211" rIns="134422" bIns="67211" rtlCol="0" anchor="ctr"/>
+          <a:lstStyle/>
+          <a:p>
+            <a:pPr defTabSz="672130"/>
+            <a:r>
+              <a:rPr lang="pt-BR" sz="1544" dirty="0">
+                <a:latin typeface="Exo 2 Medium" panose="00000600000000000000" pitchFamily="50" charset="0"/>
+                <a:ea typeface="Simplon Oi Headline" charset="0"/>
+                <a:cs typeface="Simplon Oi Headline" charset="0"/>
+              </a:rPr>
+              <a:t>Próximos Passos (Atividades em andamento ou por iniciar) c/  seu responsável</a:t>
+            </a:r>
+          </a:p>
+        </p:txBody>
+      </p:sp>
+      <p:sp>
+        <p:nvSpPr>
+          <p:cNvPr id="63" name="Rectangle 37"/>
+          <p:cNvSpPr/>
+          <p:nvPr/>
+        </p:nvSpPr>
+        <p:spPr>
+          <a:xfrm>
+            <a:off x="507535" y="1100798"/>
+            <a:ext cx="6207777" cy="2235805"/>
+          </a:xfrm>
+          <a:prstGeom prst="rect">
+            <a:avLst/>
+          </a:prstGeom>
+          <a:noFill/>
+          <a:ln w="12700">
+            <a:solidFill>
+              <a:schemeClr val="bg1">
+                <a:lumMod val="50000"/>
+              </a:schemeClr>
+            </a:solidFill>
+          </a:ln>
+        </p:spPr>
+        <p:style>
+          <a:lnRef idx="2">
+            <a:schemeClr val="accent4"/>
+          </a:lnRef>
+          <a:fillRef idx="1">
+            <a:schemeClr val="lt1"/>
+          </a:fillRef>
+          <a:effectRef idx="0">
+            <a:schemeClr val="accent4"/>
+          </a:effectRef>
+          <a:fontRef idx="minor">
+            <a:schemeClr val="dk1"/>
+          </a:fontRef>
+        </p:style>
+        <p:txBody>
+          <a:bodyPr tIns="105844" rtlCol="0" anchor="t"/>
+          <a:lstStyle/>
+          <a:p>
+            <a:pPr marL="252049" indent="-252049" fontAlgn="base">
+              <a:spcBef>
+                <a:spcPct val="0"/>
+              </a:spcBef>
+              <a:buFont typeface="Wingdings" panose="05000000000000000000" pitchFamily="2" charset="2"/>
+              <a:buChar char="ü"/>
+              <a:defRPr/>
+            </a:pPr>
+            <a:r>
+              <a:rPr lang="pt-BR" sz="1323" b="1" dirty="0" err="1">
+                <a:solidFill>
+                  <a:schemeClr val="tx1"/>
+                </a:solidFill>
+                <a:latin typeface="Exo 2 Medium" panose="00000600000000000000" pitchFamily="50" charset="0"/>
+                <a:cs typeface="Simplon BP Regular"/>
+              </a:rPr>
+              <a:t>Endpoint</a:t>
+            </a:r>
+            <a:r>
+              <a:rPr lang="pt-BR" sz="1323" b="1" dirty="0">
+                <a:solidFill>
+                  <a:schemeClr val="tx1"/>
+                </a:solidFill>
+                <a:latin typeface="Exo 2 Medium" panose="00000600000000000000" pitchFamily="50" charset="0"/>
+                <a:cs typeface="Simplon BP Regular"/>
+              </a:rPr>
+              <a:t> do arquivo CSV #Raul</a:t>
+            </a:r>
+          </a:p>
+          <a:p>
+            <a:pPr marL="252049" indent="-252049" fontAlgn="base">
+              <a:spcBef>
+                <a:spcPct val="0"/>
+              </a:spcBef>
+              <a:buFont typeface="Wingdings" panose="05000000000000000000" pitchFamily="2" charset="2"/>
+              <a:buChar char="ü"/>
+              <a:defRPr/>
+            </a:pPr>
+            <a:r>
+              <a:rPr lang="pt-BR" sz="1323" b="1" dirty="0">
+                <a:solidFill>
+                  <a:schemeClr val="tx1"/>
+                </a:solidFill>
+                <a:latin typeface="Exo 2 Medium" panose="00000600000000000000" pitchFamily="50" charset="0"/>
+                <a:cs typeface="Simplon BP Regular"/>
+              </a:rPr>
+              <a:t>Tela de Receita #Diogo</a:t>
+            </a:r>
+          </a:p>
+          <a:p>
+            <a:pPr marL="252049" indent="-252049" fontAlgn="base">
+              <a:spcBef>
+                <a:spcPct val="0"/>
+              </a:spcBef>
+              <a:buFont typeface="Wingdings" panose="05000000000000000000" pitchFamily="2" charset="2"/>
+              <a:buChar char="ü"/>
+              <a:defRPr/>
+            </a:pPr>
+            <a:r>
+              <a:rPr lang="pt-BR" sz="1323" b="1" dirty="0">
+                <a:solidFill>
+                  <a:schemeClr val="tx1"/>
+                </a:solidFill>
+                <a:latin typeface="Exo 2 Medium" panose="00000600000000000000" pitchFamily="50" charset="0"/>
+                <a:cs typeface="Simplon BP Regular"/>
+              </a:rPr>
+              <a:t>Tela de Dashboard #Diogo</a:t>
+            </a:r>
+          </a:p>
+          <a:p>
+            <a:pPr marL="252049" indent="-252049" fontAlgn="base">
+              <a:spcBef>
+                <a:spcPct val="0"/>
+              </a:spcBef>
+              <a:buFont typeface="Wingdings" panose="05000000000000000000" pitchFamily="2" charset="2"/>
+              <a:buChar char="ü"/>
+              <a:defRPr/>
+            </a:pPr>
+            <a:r>
+              <a:rPr lang="pt-BR" sz="1323" b="1" dirty="0">
+                <a:solidFill>
+                  <a:schemeClr val="tx1"/>
+                </a:solidFill>
+                <a:latin typeface="Exo 2 Medium" panose="00000600000000000000" pitchFamily="50" charset="0"/>
+                <a:cs typeface="Simplon BP Regular"/>
+              </a:rPr>
+              <a:t>Migração do site para </a:t>
+            </a:r>
+            <a:r>
+              <a:rPr lang="pt-BR" sz="1323" b="1" dirty="0" err="1">
+                <a:solidFill>
+                  <a:schemeClr val="tx1"/>
+                </a:solidFill>
+                <a:latin typeface="Exo 2 Medium" panose="00000600000000000000" pitchFamily="50" charset="0"/>
+                <a:cs typeface="Simplon BP Regular"/>
+              </a:rPr>
+              <a:t>React</a:t>
+            </a:r>
+            <a:r>
+              <a:rPr lang="pt-BR" sz="1323" b="1" dirty="0">
+                <a:solidFill>
+                  <a:schemeClr val="tx1"/>
+                </a:solidFill>
+                <a:latin typeface="Exo 2 Medium" panose="00000600000000000000" pitchFamily="50" charset="0"/>
+                <a:cs typeface="Simplon BP Regular"/>
+              </a:rPr>
+              <a:t> – Página Dashboard #Gustavo</a:t>
+            </a:r>
+          </a:p>
+          <a:p>
+            <a:pPr marL="252049" indent="-252049" fontAlgn="base">
+              <a:spcBef>
+                <a:spcPct val="0"/>
+              </a:spcBef>
+              <a:buFont typeface="Wingdings" panose="05000000000000000000" pitchFamily="2" charset="2"/>
+              <a:buChar char="ü"/>
+              <a:defRPr/>
+            </a:pPr>
+            <a:endParaRPr lang="pt-BR" sz="1323" b="1" dirty="0">
+              <a:solidFill>
+                <a:schemeClr val="tx1"/>
+              </a:solidFill>
+              <a:latin typeface="Exo 2 Medium" panose="00000600000000000000" pitchFamily="50" charset="0"/>
+              <a:cs typeface="Simplon BP Regular"/>
+            </a:endParaRPr>
+          </a:p>
+          <a:p>
+            <a:pPr marL="252049" indent="-252049" fontAlgn="base">
+              <a:spcBef>
+                <a:spcPct val="0"/>
+              </a:spcBef>
+              <a:buFont typeface="Wingdings" panose="05000000000000000000" pitchFamily="2" charset="2"/>
+              <a:buChar char="ü"/>
+              <a:defRPr/>
+            </a:pPr>
+            <a:endParaRPr lang="pt-BR" sz="1323" b="1" dirty="0">
+              <a:solidFill>
+                <a:schemeClr val="tx1"/>
+              </a:solidFill>
+              <a:latin typeface="Exo 2 Medium" panose="00000600000000000000" pitchFamily="50" charset="0"/>
+              <a:cs typeface="Simplon BP Regular"/>
+            </a:endParaRPr>
+          </a:p>
+          <a:p>
+            <a:pPr marL="252049" indent="-252049" fontAlgn="base">
+              <a:spcBef>
+                <a:spcPct val="0"/>
+              </a:spcBef>
+              <a:buFont typeface="Wingdings" panose="05000000000000000000" pitchFamily="2" charset="2"/>
+              <a:buChar char="ü"/>
+              <a:defRPr/>
+            </a:pPr>
+            <a:endParaRPr lang="pt-BR" sz="1323" b="1" dirty="0">
+              <a:solidFill>
+                <a:schemeClr val="tx1"/>
+              </a:solidFill>
+              <a:latin typeface="Exo 2 Medium" panose="00000600000000000000" pitchFamily="50" charset="0"/>
+              <a:cs typeface="Simplon BP Regular"/>
+            </a:endParaRPr>
+          </a:p>
+          <a:p>
+            <a:pPr marL="252049" indent="-252049" fontAlgn="base">
+              <a:spcBef>
+                <a:spcPct val="0"/>
+              </a:spcBef>
+              <a:buFont typeface="Wingdings" panose="05000000000000000000" pitchFamily="2" charset="2"/>
+              <a:buChar char="ü"/>
+              <a:defRPr/>
+            </a:pPr>
+            <a:endParaRPr lang="pt-BR" sz="1323" b="1" dirty="0">
+              <a:solidFill>
+                <a:schemeClr val="tx1"/>
+              </a:solidFill>
+              <a:latin typeface="Exo 2 Medium" panose="00000600000000000000" pitchFamily="50" charset="0"/>
+              <a:cs typeface="Simplon BP Regular"/>
+            </a:endParaRPr>
+          </a:p>
+          <a:p>
+            <a:pPr marL="252049" indent="-252049" fontAlgn="base">
+              <a:spcBef>
+                <a:spcPct val="0"/>
+              </a:spcBef>
+              <a:buFont typeface="Wingdings" panose="05000000000000000000" pitchFamily="2" charset="2"/>
+              <a:buChar char="ü"/>
+              <a:defRPr/>
+            </a:pPr>
+            <a:endParaRPr lang="pt-BR" sz="1323" b="1" dirty="0">
+              <a:solidFill>
+                <a:schemeClr val="tx1"/>
+              </a:solidFill>
+              <a:latin typeface="Exo 2 Medium" panose="00000600000000000000" pitchFamily="50" charset="0"/>
+              <a:cs typeface="Simplon BP Regular"/>
+            </a:endParaRPr>
+          </a:p>
+          <a:p>
+            <a:pPr marL="252049" indent="-252049" fontAlgn="base">
+              <a:spcBef>
+                <a:spcPct val="0"/>
+              </a:spcBef>
+              <a:buFont typeface="Wingdings" panose="05000000000000000000" pitchFamily="2" charset="2"/>
+              <a:buChar char="ü"/>
+              <a:defRPr/>
+            </a:pPr>
+            <a:endParaRPr lang="pt-BR" sz="1323" b="1" dirty="0">
+              <a:solidFill>
+                <a:schemeClr val="tx1"/>
+              </a:solidFill>
+              <a:latin typeface="Exo 2 Medium" panose="00000600000000000000" pitchFamily="50" charset="0"/>
+              <a:cs typeface="Simplon BP Regular"/>
+            </a:endParaRPr>
+          </a:p>
+          <a:p>
+            <a:pPr marL="252049" indent="-252049" fontAlgn="base">
+              <a:spcBef>
+                <a:spcPct val="0"/>
+              </a:spcBef>
+              <a:buFont typeface="Wingdings" panose="05000000000000000000" pitchFamily="2" charset="2"/>
+              <a:buChar char="ü"/>
+              <a:defRPr/>
+            </a:pPr>
+            <a:endParaRPr lang="pt-BR" sz="1323" b="1" dirty="0">
+              <a:solidFill>
+                <a:schemeClr val="tx1"/>
+              </a:solidFill>
+              <a:latin typeface="Exo 2 Medium" panose="00000600000000000000" pitchFamily="50" charset="0"/>
+              <a:cs typeface="Simplon BP Regular"/>
+            </a:endParaRPr>
+          </a:p>
+          <a:p>
+            <a:pPr marL="252049" indent="-252049" fontAlgn="base">
+              <a:spcBef>
+                <a:spcPct val="0"/>
+              </a:spcBef>
+              <a:buFont typeface="Wingdings" panose="05000000000000000000" pitchFamily="2" charset="2"/>
+              <a:buChar char="ü"/>
+              <a:defRPr/>
+            </a:pPr>
+            <a:endParaRPr lang="pt-BR" sz="1323" b="1" dirty="0">
+              <a:solidFill>
+                <a:schemeClr val="tx1"/>
+              </a:solidFill>
+              <a:latin typeface="Exo 2 Medium" panose="00000600000000000000" pitchFamily="50" charset="0"/>
+              <a:cs typeface="Simplon BP Regular"/>
+            </a:endParaRPr>
+          </a:p>
+          <a:p>
+            <a:pPr marL="252049" indent="-252049" fontAlgn="base">
+              <a:spcBef>
+                <a:spcPct val="0"/>
+              </a:spcBef>
+              <a:buFont typeface="Wingdings" panose="05000000000000000000" pitchFamily="2" charset="2"/>
+              <a:buChar char="ü"/>
+              <a:defRPr/>
+            </a:pPr>
+            <a:endParaRPr lang="pt-BR" sz="1323" b="1" dirty="0">
+              <a:solidFill>
+                <a:schemeClr val="tx1"/>
+              </a:solidFill>
+              <a:latin typeface="Exo 2 Medium" panose="00000600000000000000" pitchFamily="50" charset="0"/>
+              <a:cs typeface="Simplon BP Regular"/>
+            </a:endParaRPr>
+          </a:p>
+          <a:p>
+            <a:pPr marL="252049" indent="-252049" fontAlgn="base">
+              <a:spcBef>
+                <a:spcPct val="0"/>
+              </a:spcBef>
+              <a:buFont typeface="Wingdings" panose="05000000000000000000" pitchFamily="2" charset="2"/>
+              <a:buChar char="ü"/>
+              <a:defRPr/>
+            </a:pPr>
+            <a:endParaRPr lang="pt-BR" sz="1323" b="1" dirty="0">
+              <a:solidFill>
+                <a:schemeClr val="tx1"/>
+              </a:solidFill>
+              <a:latin typeface="Exo 2 Medium" panose="00000600000000000000" pitchFamily="50" charset="0"/>
+              <a:cs typeface="Simplon BP Regular"/>
+            </a:endParaRPr>
+          </a:p>
+          <a:p>
+            <a:pPr marL="252049" indent="-252049" fontAlgn="base">
+              <a:spcBef>
+                <a:spcPct val="0"/>
+              </a:spcBef>
+              <a:buFont typeface="Wingdings" panose="05000000000000000000" pitchFamily="2" charset="2"/>
+              <a:buChar char="ü"/>
+              <a:defRPr/>
+            </a:pPr>
+            <a:endParaRPr lang="pt-BR" sz="1323" b="1" dirty="0">
+              <a:solidFill>
+                <a:schemeClr val="tx1"/>
+              </a:solidFill>
+              <a:latin typeface="Exo 2 Medium" panose="00000600000000000000" pitchFamily="50" charset="0"/>
+              <a:cs typeface="Simplon BP Regular"/>
+            </a:endParaRPr>
+          </a:p>
+        </p:txBody>
+      </p:sp>
+      <p:sp>
+        <p:nvSpPr>
+          <p:cNvPr id="4" name="Retângulo 3"/>
+          <p:cNvSpPr/>
+          <p:nvPr/>
+        </p:nvSpPr>
+        <p:spPr>
+          <a:xfrm>
+            <a:off x="6844996" y="1121895"/>
+            <a:ext cx="6164295" cy="499496"/>
+          </a:xfrm>
+          <a:prstGeom prst="rect">
+            <a:avLst/>
+          </a:prstGeom>
+        </p:spPr>
+        <p:txBody>
+          <a:bodyPr wrap="square">
+            <a:spAutoFit/>
+          </a:bodyPr>
+          <a:lstStyle/>
+          <a:p>
+            <a:pPr marL="252049" indent="-252049" fontAlgn="base">
+              <a:spcBef>
+                <a:spcPct val="0"/>
+              </a:spcBef>
+              <a:buFont typeface="Wingdings" panose="05000000000000000000" pitchFamily="2" charset="2"/>
+              <a:buChar char="§"/>
+              <a:defRPr/>
+            </a:pPr>
+            <a:r>
+              <a:rPr lang="pt-BR" sz="1323" b="1" dirty="0">
+                <a:latin typeface="Exo 2 Medium" panose="00000600000000000000" pitchFamily="50" charset="0"/>
+                <a:cs typeface="Simplon BP Regular"/>
+              </a:rPr>
+              <a:t>Pouco conhecimento em React.JS</a:t>
+            </a:r>
+          </a:p>
+          <a:p>
+            <a:pPr fontAlgn="base">
+              <a:spcBef>
+                <a:spcPct val="0"/>
+              </a:spcBef>
+              <a:defRPr/>
+            </a:pPr>
+            <a:r>
+              <a:rPr lang="pt-BR" sz="1323" b="1" dirty="0">
+                <a:latin typeface="Exo 2 Medium" panose="00000600000000000000" pitchFamily="50" charset="0"/>
+                <a:cs typeface="Simplon BP Regular"/>
+              </a:rPr>
+              <a:t> </a:t>
+            </a:r>
+          </a:p>
+        </p:txBody>
+      </p:sp>
+      <p:sp>
+        <p:nvSpPr>
+          <p:cNvPr id="2" name="Rectangle 43">
+            <a:extLst>
+              <a:ext uri="{FF2B5EF4-FFF2-40B4-BE49-F238E27FC236}">
+                <a16:creationId xmlns:a16="http://schemas.microsoft.com/office/drawing/2014/main" id="{B15BA19F-C787-4E6A-ADAB-C0DFF09C66A8}"/>
+              </a:ext>
+            </a:extLst>
+          </p:cNvPr>
+          <p:cNvSpPr>
+            <a:spLocks/>
+          </p:cNvSpPr>
+          <p:nvPr/>
+        </p:nvSpPr>
+        <p:spPr>
+          <a:xfrm>
+            <a:off x="512766" y="3728204"/>
+            <a:ext cx="12496524" cy="3581485"/>
+          </a:xfrm>
+          <a:prstGeom prst="rect">
+            <a:avLst/>
+          </a:prstGeom>
+          <a:noFill/>
+          <a:ln w="12700">
+            <a:solidFill>
+              <a:schemeClr val="bg1">
+                <a:lumMod val="50000"/>
+              </a:schemeClr>
+            </a:solidFill>
+          </a:ln>
+        </p:spPr>
+        <p:style>
+          <a:lnRef idx="2">
+            <a:schemeClr val="accent4"/>
+          </a:lnRef>
+          <a:fillRef idx="1">
+            <a:schemeClr val="lt1"/>
+          </a:fillRef>
+          <a:effectRef idx="0">
+            <a:schemeClr val="accent4"/>
+          </a:effectRef>
+          <a:fontRef idx="minor">
+            <a:schemeClr val="dk1"/>
+          </a:fontRef>
+        </p:style>
+        <p:txBody>
+          <a:bodyPr wrap="square" tIns="105844" numCol="3" rtlCol="0" anchor="ctr"/>
+          <a:lstStyle/>
+          <a:p>
+            <a:pPr marL="0" lvl="1" defTabSz="672130"/>
+            <a:r>
+              <a:rPr lang="pt-BR" sz="1323" b="1" dirty="0">
+                <a:solidFill>
+                  <a:schemeClr val="tx1"/>
+                </a:solidFill>
+                <a:latin typeface="Exo 2 Medium" panose="00000600000000000000" pitchFamily="50" charset="0"/>
+                <a:cs typeface="Simplon BP Regular"/>
+              </a:rPr>
+              <a:t>Frente </a:t>
+            </a:r>
+            <a:r>
+              <a:rPr lang="pt-BR" sz="1323" b="1" dirty="0" err="1">
+                <a:solidFill>
+                  <a:schemeClr val="tx1"/>
+                </a:solidFill>
+                <a:latin typeface="Exo 2 Medium" panose="00000600000000000000" pitchFamily="50" charset="0"/>
+                <a:cs typeface="Simplon BP Regular"/>
+              </a:rPr>
+              <a:t>Backend</a:t>
+            </a:r>
+            <a:endParaRPr lang="pt-BR" sz="1323" b="1" dirty="0">
+              <a:solidFill>
+                <a:schemeClr val="tx1"/>
+              </a:solidFill>
+              <a:latin typeface="Exo 2 Medium" panose="00000600000000000000" pitchFamily="50" charset="0"/>
+              <a:cs typeface="Simplon BP Regular"/>
+            </a:endParaRPr>
+          </a:p>
+          <a:p>
+            <a:pPr marL="252049" lvl="1" indent="-252049">
+              <a:buFont typeface="Wingdings" panose="05000000000000000000" pitchFamily="2" charset="2"/>
+              <a:buChar char="§"/>
+            </a:pPr>
+            <a:endParaRPr lang="pt-BR" sz="1323" b="1" dirty="0">
+              <a:solidFill>
+                <a:schemeClr val="tx1"/>
+              </a:solidFill>
+              <a:latin typeface="Exo 2 Medium" panose="00000600000000000000" pitchFamily="50" charset="0"/>
+              <a:cs typeface="Simplon BP Regular"/>
+            </a:endParaRPr>
+          </a:p>
+          <a:p>
+            <a:pPr marL="0" lvl="1" defTabSz="672130"/>
+            <a:r>
+              <a:rPr lang="pt-BR" sz="1323" b="1" dirty="0">
+                <a:solidFill>
+                  <a:schemeClr val="tx1"/>
+                </a:solidFill>
+                <a:latin typeface="Exo 2 Medium" panose="00000600000000000000" pitchFamily="50" charset="0"/>
+                <a:cs typeface="Simplon BP Regular"/>
+              </a:rPr>
+              <a:t>Frente Front </a:t>
+            </a:r>
+            <a:r>
+              <a:rPr lang="pt-BR" sz="1323" b="1" dirty="0" err="1">
+                <a:solidFill>
+                  <a:schemeClr val="tx1"/>
+                </a:solidFill>
+                <a:latin typeface="Exo 2 Medium" panose="00000600000000000000" pitchFamily="50" charset="0"/>
+                <a:cs typeface="Simplon BP Regular"/>
+              </a:rPr>
+              <a:t>end</a:t>
+            </a:r>
+            <a:endParaRPr lang="pt-BR" sz="1323" b="1" dirty="0">
+              <a:solidFill>
+                <a:schemeClr val="tx1"/>
+              </a:solidFill>
+              <a:latin typeface="Exo 2 Medium" panose="00000600000000000000" pitchFamily="50" charset="0"/>
+              <a:cs typeface="Simplon BP Regular"/>
+            </a:endParaRPr>
+          </a:p>
+          <a:p>
+            <a:pPr marL="252049" lvl="1" indent="-252049">
+              <a:buFont typeface="Wingdings" panose="05000000000000000000" pitchFamily="2" charset="2"/>
+              <a:buChar char="§"/>
+            </a:pPr>
+            <a:r>
+              <a:rPr lang="pt-BR" sz="1323" dirty="0">
+                <a:solidFill>
+                  <a:schemeClr val="tx1"/>
+                </a:solidFill>
+                <a:latin typeface="Exo 2 Medium" panose="00000600000000000000" pitchFamily="50" charset="0"/>
+                <a:cs typeface="Simplon BP Regular"/>
+              </a:rPr>
+              <a:t>Tela de despesa #Diogo</a:t>
+            </a:r>
+          </a:p>
+          <a:p>
+            <a:pPr marL="252049" lvl="1" indent="-252049">
+              <a:buFont typeface="Wingdings" panose="05000000000000000000" pitchFamily="2" charset="2"/>
+              <a:buChar char="§"/>
+            </a:pPr>
+            <a:r>
+              <a:rPr lang="pt-BR" sz="1323" dirty="0">
+                <a:solidFill>
+                  <a:schemeClr val="tx1"/>
+                </a:solidFill>
+                <a:latin typeface="Exo 2 Medium" panose="00000600000000000000" pitchFamily="50" charset="0"/>
+                <a:cs typeface="Simplon BP Regular"/>
+              </a:rPr>
+              <a:t>Migração de Tela de Despesa #Gustavo</a:t>
+            </a:r>
+          </a:p>
+          <a:p>
+            <a:pPr marL="252049" lvl="1" indent="-252049">
+              <a:buFont typeface="Wingdings" panose="05000000000000000000" pitchFamily="2" charset="2"/>
+              <a:buChar char="§"/>
+            </a:pPr>
+            <a:r>
+              <a:rPr lang="pt-BR" sz="1323" dirty="0">
+                <a:solidFill>
+                  <a:schemeClr val="tx1"/>
+                </a:solidFill>
+                <a:latin typeface="Exo 2 Medium" panose="00000600000000000000" pitchFamily="50" charset="0"/>
+                <a:cs typeface="Simplon BP Regular"/>
+              </a:rPr>
+              <a:t>Migração de Tela de Receita #Gustavo</a:t>
+            </a:r>
+          </a:p>
+          <a:p>
+            <a:pPr marL="252049" lvl="1" indent="-252049">
+              <a:buFont typeface="Wingdings" panose="05000000000000000000" pitchFamily="2" charset="2"/>
+              <a:buChar char="§"/>
+            </a:pPr>
+            <a:endParaRPr lang="pt-BR" sz="1323" b="1" dirty="0">
+              <a:solidFill>
+                <a:schemeClr val="tx1"/>
+              </a:solidFill>
+              <a:latin typeface="Exo 2 Medium" panose="00000600000000000000" pitchFamily="50" charset="0"/>
+              <a:cs typeface="Simplon BP Regular"/>
+            </a:endParaRPr>
+          </a:p>
+          <a:p>
+            <a:pPr marL="0" lvl="1"/>
+            <a:r>
+              <a:rPr lang="pt-BR" sz="1400" b="1" dirty="0">
+                <a:solidFill>
+                  <a:schemeClr val="tx1"/>
+                </a:solidFill>
+                <a:latin typeface="Exo 2 Medium" panose="00000600000000000000" pitchFamily="50" charset="0"/>
+                <a:cs typeface="Simplon BP Regular"/>
+              </a:rPr>
+              <a:t>Frente Negócios</a:t>
+            </a:r>
+          </a:p>
+          <a:p>
+            <a:pPr marL="252049" lvl="1" indent="-252049">
+              <a:buFont typeface="Wingdings" panose="05000000000000000000" pitchFamily="2" charset="2"/>
+              <a:buChar char="§"/>
+            </a:pPr>
+            <a:r>
+              <a:rPr lang="pt-BR" sz="1323" dirty="0">
+                <a:solidFill>
+                  <a:schemeClr val="tx1"/>
+                </a:solidFill>
+                <a:latin typeface="Exo 2 Medium" panose="00000600000000000000" pitchFamily="50" charset="0"/>
+              </a:rPr>
+              <a:t>Atualizar sprint backlog e </a:t>
+            </a:r>
+            <a:r>
+              <a:rPr lang="pt-BR" sz="1323" dirty="0" err="1">
+                <a:solidFill>
+                  <a:schemeClr val="tx1"/>
+                </a:solidFill>
+                <a:latin typeface="Exo 2 Medium" panose="00000600000000000000" pitchFamily="50" charset="0"/>
+              </a:rPr>
+              <a:t>product</a:t>
+            </a:r>
+            <a:r>
+              <a:rPr lang="pt-BR" sz="1323" dirty="0">
+                <a:solidFill>
+                  <a:schemeClr val="tx1"/>
+                </a:solidFill>
+                <a:latin typeface="Exo 2 Medium" panose="00000600000000000000" pitchFamily="50" charset="0"/>
+              </a:rPr>
+              <a:t> backlog #Rafael</a:t>
+            </a:r>
+          </a:p>
+          <a:p>
+            <a:pPr marL="252049" lvl="1" indent="-252049">
+              <a:buFont typeface="Wingdings" panose="05000000000000000000" pitchFamily="2" charset="2"/>
+              <a:buChar char="§"/>
+            </a:pPr>
+            <a:r>
+              <a:rPr lang="pt-BR" sz="1323" dirty="0">
+                <a:solidFill>
+                  <a:schemeClr val="tx1"/>
+                </a:solidFill>
+                <a:latin typeface="Exo 2 Medium" panose="00000600000000000000" pitchFamily="50" charset="0"/>
+              </a:rPr>
+              <a:t>Atualizar a documentação do projeto #Rafael</a:t>
+            </a:r>
+          </a:p>
+          <a:p>
+            <a:pPr marL="252049" lvl="1" indent="-252049">
+              <a:buFont typeface="Wingdings" panose="05000000000000000000" pitchFamily="2" charset="2"/>
+              <a:buChar char="§"/>
+            </a:pPr>
+            <a:r>
+              <a:rPr lang="pt-BR" sz="1323" dirty="0">
+                <a:solidFill>
+                  <a:schemeClr val="tx1"/>
+                </a:solidFill>
+                <a:latin typeface="Exo 2 Medium" panose="00000600000000000000" pitchFamily="50" charset="0"/>
+                <a:cs typeface="Simplon BP Regular"/>
+              </a:rPr>
+              <a:t>Documento de Layout #Raul</a:t>
+            </a:r>
+          </a:p>
+          <a:p>
+            <a:pPr marL="252049" lvl="1" indent="-252049">
+              <a:buFont typeface="Wingdings" panose="05000000000000000000" pitchFamily="2" charset="2"/>
+              <a:buChar char="§"/>
+            </a:pPr>
+            <a:r>
+              <a:rPr lang="pt-BR" sz="1323" dirty="0">
+                <a:solidFill>
+                  <a:schemeClr val="tx1"/>
+                </a:solidFill>
+                <a:latin typeface="Exo 2 Medium" panose="00000600000000000000" pitchFamily="50" charset="0"/>
+                <a:cs typeface="Simplon BP Regular"/>
+              </a:rPr>
+              <a:t>Apresentação do Projeto #Todos</a:t>
+            </a:r>
+          </a:p>
+          <a:p>
+            <a:pPr marL="252049" lvl="1" indent="-252049">
+              <a:buFont typeface="Wingdings" panose="05000000000000000000" pitchFamily="2" charset="2"/>
+              <a:buChar char="§"/>
+            </a:pPr>
+            <a:endParaRPr lang="pt-BR" sz="1323" dirty="0">
+              <a:solidFill>
+                <a:schemeClr val="tx1"/>
+              </a:solidFill>
+              <a:latin typeface="Exo 2 Medium" panose="00000600000000000000" pitchFamily="50" charset="0"/>
+            </a:endParaRPr>
+          </a:p>
+          <a:p>
+            <a:pPr marL="252049" lvl="1" indent="-252049">
+              <a:buFont typeface="Wingdings" panose="05000000000000000000" pitchFamily="2" charset="2"/>
+              <a:buChar char="§"/>
+            </a:pPr>
+            <a:endParaRPr lang="pt-BR" sz="1323" dirty="0">
+              <a:solidFill>
+                <a:schemeClr val="tx1"/>
+              </a:solidFill>
+              <a:latin typeface="Exo 2 Medium" panose="00000600000000000000" pitchFamily="50" charset="0"/>
+            </a:endParaRPr>
+          </a:p>
+          <a:p>
+            <a:pPr marL="252049" lvl="1" indent="-252049">
+              <a:buFont typeface="Wingdings" panose="05000000000000000000" pitchFamily="2" charset="2"/>
+              <a:buChar char="§"/>
+            </a:pPr>
+            <a:endParaRPr lang="pt-BR" sz="1600" dirty="0">
+              <a:solidFill>
+                <a:schemeClr val="tx1"/>
+              </a:solidFill>
+              <a:latin typeface="Exo 2 Medium" panose="00000600000000000000" pitchFamily="50" charset="0"/>
+              <a:cs typeface="Simplon BP Regular"/>
+            </a:endParaRPr>
+          </a:p>
+        </p:txBody>
+      </p:sp>
+      <p:sp>
+        <p:nvSpPr>
+          <p:cNvPr id="5" name="Retângulo 4">
+            <a:extLst>
+              <a:ext uri="{FF2B5EF4-FFF2-40B4-BE49-F238E27FC236}">
+                <a16:creationId xmlns:a16="http://schemas.microsoft.com/office/drawing/2014/main" id="{A1C14918-6027-46B3-96BF-C5F7FDEC3276}"/>
+              </a:ext>
+            </a:extLst>
+          </p:cNvPr>
+          <p:cNvSpPr/>
+          <p:nvPr/>
+        </p:nvSpPr>
+        <p:spPr>
+          <a:xfrm>
+            <a:off x="8285972" y="209534"/>
+            <a:ext cx="4723318" cy="618769"/>
+          </a:xfrm>
+          <a:prstGeom prst="rect">
+            <a:avLst/>
+          </a:prstGeom>
+          <a:noFill/>
+          <a:ln w="6350">
+            <a:solidFill>
+              <a:schemeClr val="bg1">
+                <a:lumMod val="75000"/>
+              </a:schemeClr>
+            </a:solidFill>
+          </a:ln>
+        </p:spPr>
+        <p:style>
+          <a:lnRef idx="2">
+            <a:schemeClr val="accent1">
+              <a:shade val="50000"/>
+            </a:schemeClr>
+          </a:lnRef>
+          <a:fillRef idx="1">
+            <a:schemeClr val="accent1"/>
+          </a:fillRef>
+          <a:effectRef idx="0">
+            <a:schemeClr val="accent1"/>
+          </a:effectRef>
+          <a:fontRef idx="minor">
+            <a:schemeClr val="lt1"/>
+          </a:fontRef>
+        </p:style>
+        <p:txBody>
+          <a:bodyPr rtlCol="0" anchor="ctr"/>
+          <a:lstStyle/>
+          <a:p>
+            <a:pPr algn="ctr"/>
+            <a:endParaRPr lang="pt-BR">
+              <a:latin typeface="Exo 2 Medium" panose="00000600000000000000" pitchFamily="50" charset="0"/>
+            </a:endParaRPr>
+          </a:p>
+        </p:txBody>
+      </p:sp>
+      <p:sp>
+        <p:nvSpPr>
+          <p:cNvPr id="8" name="TextBox 138">
+            <a:extLst>
+              <a:ext uri="{FF2B5EF4-FFF2-40B4-BE49-F238E27FC236}">
+                <a16:creationId xmlns:a16="http://schemas.microsoft.com/office/drawing/2014/main" id="{5CE7D08C-795B-4BF1-97F6-F9773F4E9F4C}"/>
+              </a:ext>
+            </a:extLst>
+          </p:cNvPr>
+          <p:cNvSpPr txBox="1"/>
+          <p:nvPr/>
+        </p:nvSpPr>
+        <p:spPr>
+          <a:xfrm>
+            <a:off x="9823400" y="51570"/>
+            <a:ext cx="1478088" cy="211688"/>
+          </a:xfrm>
+          <a:prstGeom prst="rect">
+            <a:avLst/>
+          </a:prstGeom>
+          <a:solidFill>
+            <a:schemeClr val="bg1"/>
+          </a:solidFill>
+          <a:ln w="12700">
+            <a:noFill/>
+          </a:ln>
+        </p:spPr>
+        <p:style>
+          <a:lnRef idx="2">
+            <a:schemeClr val="accent4"/>
+          </a:lnRef>
+          <a:fillRef idx="1">
+            <a:schemeClr val="lt1"/>
+          </a:fillRef>
+          <a:effectRef idx="0">
+            <a:schemeClr val="accent4"/>
+          </a:effectRef>
+          <a:fontRef idx="minor">
+            <a:schemeClr val="dk1"/>
+          </a:fontRef>
+        </p:style>
+        <p:txBody>
+          <a:bodyPr wrap="none" lIns="52922" tIns="52922" rIns="52922" bIns="0" rtlCol="0" anchor="b"/>
+          <a:lstStyle>
+            <a:defPPr>
+              <a:defRPr lang="en-US"/>
+            </a:defPPr>
+            <a:lvl1pPr algn="ctr">
+              <a:defRPr sz="1000" b="1">
+                <a:latin typeface="Simplon BP Regular"/>
+                <a:cs typeface="Simplon BP Regular"/>
+              </a:defRPr>
+            </a:lvl1pPr>
+            <a:lvl2pPr>
+              <a:defRPr>
+                <a:solidFill>
+                  <a:schemeClr val="dk1"/>
+                </a:solidFill>
+              </a:defRPr>
+            </a:lvl2pPr>
+            <a:lvl3pPr>
+              <a:defRPr>
+                <a:solidFill>
+                  <a:schemeClr val="dk1"/>
+                </a:solidFill>
+              </a:defRPr>
+            </a:lvl3pPr>
+            <a:lvl4pPr>
+              <a:defRPr>
+                <a:solidFill>
+                  <a:schemeClr val="dk1"/>
+                </a:solidFill>
+              </a:defRPr>
+            </a:lvl4pPr>
+            <a:lvl5pPr>
+              <a:defRPr>
+                <a:solidFill>
+                  <a:schemeClr val="dk1"/>
+                </a:solidFill>
+              </a:defRPr>
+            </a:lvl5pPr>
+            <a:lvl6pPr>
+              <a:defRPr>
+                <a:solidFill>
+                  <a:schemeClr val="dk1"/>
+                </a:solidFill>
+              </a:defRPr>
+            </a:lvl6pPr>
+            <a:lvl7pPr>
+              <a:defRPr>
+                <a:solidFill>
+                  <a:schemeClr val="dk1"/>
+                </a:solidFill>
+              </a:defRPr>
+            </a:lvl7pPr>
+            <a:lvl8pPr>
+              <a:defRPr>
+                <a:solidFill>
+                  <a:schemeClr val="dk1"/>
+                </a:solidFill>
+              </a:defRPr>
+            </a:lvl8pPr>
+            <a:lvl9pPr>
+              <a:defRPr>
+                <a:solidFill>
+                  <a:schemeClr val="dk1"/>
+                </a:solidFill>
+              </a:defRPr>
+            </a:lvl9pPr>
+          </a:lstStyle>
+          <a:p>
+            <a:pPr defTabSz="672130"/>
+            <a:r>
+              <a:rPr lang="en-US" sz="1176" b="0" dirty="0">
+                <a:solidFill>
+                  <a:prstClr val="black"/>
+                </a:solidFill>
+                <a:latin typeface="Exo 2 Medium" panose="00000600000000000000" pitchFamily="50" charset="0"/>
+              </a:rPr>
+              <a:t>    </a:t>
+            </a:r>
+            <a:r>
+              <a:rPr lang="en-US" sz="1176" b="0" dirty="0" err="1">
+                <a:solidFill>
+                  <a:prstClr val="black"/>
+                </a:solidFill>
+                <a:latin typeface="Exo 2 Medium" panose="00000600000000000000" pitchFamily="50" charset="0"/>
+              </a:rPr>
+              <a:t>Farol</a:t>
+            </a:r>
+            <a:r>
+              <a:rPr lang="en-US" sz="1176" b="0" dirty="0">
+                <a:solidFill>
+                  <a:prstClr val="black"/>
+                </a:solidFill>
+                <a:latin typeface="Exo 2 Medium" panose="00000600000000000000" pitchFamily="50" charset="0"/>
+              </a:rPr>
+              <a:t> do </a:t>
+            </a:r>
+            <a:r>
+              <a:rPr lang="en-US" sz="1176" b="0" dirty="0" err="1">
+                <a:solidFill>
+                  <a:prstClr val="black"/>
+                </a:solidFill>
+                <a:latin typeface="Exo 2 Medium" panose="00000600000000000000" pitchFamily="50" charset="0"/>
+              </a:rPr>
+              <a:t>Projeto</a:t>
+            </a:r>
+            <a:r>
+              <a:rPr lang="en-US" sz="1176" b="0" dirty="0">
+                <a:solidFill>
+                  <a:prstClr val="black"/>
+                </a:solidFill>
+                <a:latin typeface="Exo 2 Medium" panose="00000600000000000000" pitchFamily="50" charset="0"/>
+              </a:rPr>
+              <a:t>   </a:t>
+            </a:r>
+          </a:p>
+        </p:txBody>
+      </p:sp>
+      <p:sp>
+        <p:nvSpPr>
+          <p:cNvPr id="10" name="Oval 134">
+            <a:extLst>
+              <a:ext uri="{FF2B5EF4-FFF2-40B4-BE49-F238E27FC236}">
+                <a16:creationId xmlns:a16="http://schemas.microsoft.com/office/drawing/2014/main" id="{D3402D46-6FCA-8FD7-00B6-FA471CEE5862}"/>
+              </a:ext>
+            </a:extLst>
+          </p:cNvPr>
+          <p:cNvSpPr>
+            <a:spLocks noChangeAspect="1"/>
+          </p:cNvSpPr>
+          <p:nvPr/>
+        </p:nvSpPr>
+        <p:spPr>
+          <a:xfrm>
+            <a:off x="10169447" y="1155900"/>
+            <a:ext cx="188491" cy="188745"/>
+          </a:xfrm>
+          <a:prstGeom prst="ellipse">
+            <a:avLst/>
+          </a:prstGeom>
+          <a:solidFill>
+            <a:srgbClr val="1BCF13"/>
+          </a:solidFill>
+          <a:ln w="12700">
+            <a:solidFill>
+              <a:schemeClr val="accent3"/>
+            </a:solidFill>
+          </a:ln>
+        </p:spPr>
+        <p:style>
+          <a:lnRef idx="2">
+            <a:schemeClr val="accent1">
+              <a:shade val="50000"/>
+            </a:schemeClr>
+          </a:lnRef>
+          <a:fillRef idx="1">
+            <a:schemeClr val="accent1"/>
+          </a:fillRef>
+          <a:effectRef idx="0">
+            <a:schemeClr val="accent1"/>
+          </a:effectRef>
+          <a:fontRef idx="minor">
+            <a:schemeClr val="lt1"/>
+          </a:fontRef>
+        </p:style>
+        <p:txBody>
+          <a:bodyPr wrap="none" lIns="52922" tIns="52922" rIns="52922" rtlCol="0" anchor="ctr"/>
+          <a:lstStyle/>
+          <a:p>
+            <a:pPr algn="ctr" defTabSz="672130"/>
+            <a:endParaRPr lang="en-US" sz="1176" dirty="0">
+              <a:solidFill>
+                <a:prstClr val="black"/>
+              </a:solidFill>
+              <a:latin typeface="Exo 2 Medium" panose="00000600000000000000" pitchFamily="50" charset="0"/>
+              <a:cs typeface="Simplon BP Regular"/>
+            </a:endParaRPr>
+          </a:p>
+        </p:txBody>
+      </p:sp>
+      <p:sp>
+        <p:nvSpPr>
+          <p:cNvPr id="13" name="Oval 120">
+            <a:extLst>
+              <a:ext uri="{FF2B5EF4-FFF2-40B4-BE49-F238E27FC236}">
+                <a16:creationId xmlns:a16="http://schemas.microsoft.com/office/drawing/2014/main" id="{43AC09ED-3C9B-0C85-00A6-3239F78E498E}"/>
+              </a:ext>
+            </a:extLst>
+          </p:cNvPr>
+          <p:cNvSpPr>
+            <a:spLocks noChangeAspect="1"/>
+          </p:cNvSpPr>
+          <p:nvPr/>
+        </p:nvSpPr>
+        <p:spPr>
+          <a:xfrm>
+            <a:off x="4921275" y="4860751"/>
+            <a:ext cx="211404" cy="211689"/>
+          </a:xfrm>
+          <a:prstGeom prst="ellipse">
+            <a:avLst/>
+          </a:prstGeom>
+          <a:solidFill>
+            <a:srgbClr val="FFC000"/>
+          </a:solidFill>
+          <a:ln w="12700">
+            <a:solidFill>
+              <a:schemeClr val="accent3"/>
+            </a:solidFill>
+          </a:ln>
+        </p:spPr>
+        <p:style>
+          <a:lnRef idx="2">
+            <a:schemeClr val="accent1">
+              <a:shade val="50000"/>
+            </a:schemeClr>
+          </a:lnRef>
+          <a:fillRef idx="1">
+            <a:schemeClr val="accent1"/>
+          </a:fillRef>
+          <a:effectRef idx="0">
+            <a:schemeClr val="accent1"/>
+          </a:effectRef>
+          <a:fontRef idx="minor">
+            <a:schemeClr val="lt1"/>
+          </a:fontRef>
+        </p:style>
+        <p:txBody>
+          <a:bodyPr wrap="none" lIns="52922" tIns="52922" rIns="52922" rtlCol="0" anchor="ctr"/>
+          <a:lstStyle/>
+          <a:p>
+            <a:pPr algn="ctr" defTabSz="672130"/>
+            <a:endParaRPr lang="en-US" sz="1176" dirty="0">
+              <a:solidFill>
+                <a:prstClr val="black"/>
+              </a:solidFill>
+              <a:latin typeface="Exo 2 Medium" panose="00000600000000000000" pitchFamily="50" charset="0"/>
+              <a:cs typeface="Simplon BP Regular"/>
+            </a:endParaRPr>
+          </a:p>
+        </p:txBody>
+      </p:sp>
+      <p:sp>
+        <p:nvSpPr>
+          <p:cNvPr id="16" name="Oval 134">
+            <a:extLst>
+              <a:ext uri="{FF2B5EF4-FFF2-40B4-BE49-F238E27FC236}">
+                <a16:creationId xmlns:a16="http://schemas.microsoft.com/office/drawing/2014/main" id="{55FFC848-9C3F-F592-072D-DE328635EC51}"/>
+              </a:ext>
+            </a:extLst>
+          </p:cNvPr>
+          <p:cNvSpPr>
+            <a:spLocks noChangeAspect="1"/>
+          </p:cNvSpPr>
+          <p:nvPr/>
+        </p:nvSpPr>
+        <p:spPr>
+          <a:xfrm>
+            <a:off x="5297460" y="1484540"/>
+            <a:ext cx="211404" cy="211689"/>
+          </a:xfrm>
+          <a:prstGeom prst="ellipse">
+            <a:avLst/>
+          </a:prstGeom>
+          <a:solidFill>
+            <a:srgbClr val="1BCF13"/>
+          </a:solidFill>
+          <a:ln w="12700">
+            <a:solidFill>
+              <a:schemeClr val="accent3"/>
+            </a:solidFill>
+          </a:ln>
+        </p:spPr>
+        <p:style>
+          <a:lnRef idx="2">
+            <a:schemeClr val="accent1">
+              <a:shade val="50000"/>
+            </a:schemeClr>
+          </a:lnRef>
+          <a:fillRef idx="1">
+            <a:schemeClr val="accent1"/>
+          </a:fillRef>
+          <a:effectRef idx="0">
+            <a:schemeClr val="accent1"/>
+          </a:effectRef>
+          <a:fontRef idx="minor">
+            <a:schemeClr val="lt1"/>
+          </a:fontRef>
+        </p:style>
+        <p:txBody>
+          <a:bodyPr wrap="none" lIns="52922" tIns="52922" rIns="52922" rtlCol="0" anchor="ctr"/>
+          <a:lstStyle/>
+          <a:p>
+            <a:pPr algn="ctr" defTabSz="672130"/>
+            <a:endParaRPr lang="en-US" sz="1176" dirty="0">
+              <a:solidFill>
+                <a:prstClr val="black"/>
+              </a:solidFill>
+              <a:latin typeface="Exo 2 Medium" panose="00000600000000000000" pitchFamily="50" charset="0"/>
+              <a:cs typeface="Simplon BP Regular"/>
+            </a:endParaRPr>
+          </a:p>
+        </p:txBody>
+      </p:sp>
+      <p:sp>
+        <p:nvSpPr>
+          <p:cNvPr id="7" name="Oval 120">
+            <a:extLst>
+              <a:ext uri="{FF2B5EF4-FFF2-40B4-BE49-F238E27FC236}">
+                <a16:creationId xmlns:a16="http://schemas.microsoft.com/office/drawing/2014/main" id="{6762F8F5-CA23-FD8C-D00E-45B6DC9BFECE}"/>
+              </a:ext>
+            </a:extLst>
+          </p:cNvPr>
+          <p:cNvSpPr>
+            <a:spLocks noChangeAspect="1"/>
+          </p:cNvSpPr>
+          <p:nvPr/>
+        </p:nvSpPr>
+        <p:spPr>
+          <a:xfrm>
+            <a:off x="9385973" y="307229"/>
+            <a:ext cx="211404" cy="211689"/>
+          </a:xfrm>
+          <a:prstGeom prst="ellipse">
+            <a:avLst/>
+          </a:prstGeom>
+          <a:solidFill>
+            <a:srgbClr val="FFC000"/>
+          </a:solidFill>
+          <a:ln w="12700">
+            <a:solidFill>
+              <a:schemeClr val="accent3"/>
+            </a:solidFill>
+          </a:ln>
+        </p:spPr>
+        <p:style>
+          <a:lnRef idx="2">
+            <a:schemeClr val="accent1">
+              <a:shade val="50000"/>
+            </a:schemeClr>
+          </a:lnRef>
+          <a:fillRef idx="1">
+            <a:schemeClr val="accent1"/>
+          </a:fillRef>
+          <a:effectRef idx="0">
+            <a:schemeClr val="accent1"/>
+          </a:effectRef>
+          <a:fontRef idx="minor">
+            <a:schemeClr val="lt1"/>
+          </a:fontRef>
+        </p:style>
+        <p:txBody>
+          <a:bodyPr wrap="none" lIns="52922" tIns="52922" rIns="52922" rtlCol="0" anchor="ctr"/>
+          <a:lstStyle/>
+          <a:p>
+            <a:pPr algn="ctr" defTabSz="672130"/>
+            <a:endParaRPr lang="en-US" sz="1176" dirty="0">
+              <a:solidFill>
+                <a:prstClr val="black"/>
+              </a:solidFill>
+              <a:latin typeface="Exo 2 Medium" panose="00000600000000000000" pitchFamily="50" charset="0"/>
+              <a:cs typeface="Simplon BP Regular"/>
+            </a:endParaRPr>
+          </a:p>
+        </p:txBody>
+      </p:sp>
+      <p:sp>
+        <p:nvSpPr>
+          <p:cNvPr id="12" name="Oval 134">
+            <a:extLst>
+              <a:ext uri="{FF2B5EF4-FFF2-40B4-BE49-F238E27FC236}">
+                <a16:creationId xmlns:a16="http://schemas.microsoft.com/office/drawing/2014/main" id="{F3616215-C679-8ACC-2C3E-1E6F576E597A}"/>
+              </a:ext>
+            </a:extLst>
+          </p:cNvPr>
+          <p:cNvSpPr>
+            <a:spLocks noChangeAspect="1"/>
+          </p:cNvSpPr>
+          <p:nvPr/>
+        </p:nvSpPr>
+        <p:spPr>
+          <a:xfrm>
+            <a:off x="11315680" y="314921"/>
+            <a:ext cx="188491" cy="188745"/>
+          </a:xfrm>
+          <a:prstGeom prst="ellipse">
+            <a:avLst/>
+          </a:prstGeom>
+          <a:solidFill>
+            <a:srgbClr val="1BCF13"/>
+          </a:solidFill>
+          <a:ln w="12700">
+            <a:solidFill>
+              <a:schemeClr val="accent3"/>
+            </a:solidFill>
+          </a:ln>
+        </p:spPr>
+        <p:style>
+          <a:lnRef idx="2">
+            <a:schemeClr val="accent1">
+              <a:shade val="50000"/>
+            </a:schemeClr>
+          </a:lnRef>
+          <a:fillRef idx="1">
+            <a:schemeClr val="accent1"/>
+          </a:fillRef>
+          <a:effectRef idx="0">
+            <a:schemeClr val="accent1"/>
+          </a:effectRef>
+          <a:fontRef idx="minor">
+            <a:schemeClr val="lt1"/>
+          </a:fontRef>
+        </p:style>
+        <p:txBody>
+          <a:bodyPr wrap="none" lIns="52922" tIns="52922" rIns="52922" rtlCol="0" anchor="ctr"/>
+          <a:lstStyle/>
+          <a:p>
+            <a:pPr algn="ctr" defTabSz="672130"/>
+            <a:endParaRPr lang="en-US" sz="1176" dirty="0">
+              <a:solidFill>
+                <a:prstClr val="black"/>
+              </a:solidFill>
+              <a:latin typeface="Exo 2 Medium" panose="00000600000000000000" pitchFamily="50" charset="0"/>
+              <a:cs typeface="Simplon BP Regular"/>
+            </a:endParaRPr>
+          </a:p>
+        </p:txBody>
+      </p:sp>
+      <p:sp>
+        <p:nvSpPr>
+          <p:cNvPr id="17" name="Oval 134">
+            <a:extLst>
+              <a:ext uri="{FF2B5EF4-FFF2-40B4-BE49-F238E27FC236}">
+                <a16:creationId xmlns:a16="http://schemas.microsoft.com/office/drawing/2014/main" id="{699F6ABE-4CA3-59FD-9F54-9CDBCFA30E35}"/>
+              </a:ext>
+            </a:extLst>
+          </p:cNvPr>
+          <p:cNvSpPr>
+            <a:spLocks noChangeAspect="1"/>
+          </p:cNvSpPr>
+          <p:nvPr/>
+        </p:nvSpPr>
+        <p:spPr>
+          <a:xfrm>
+            <a:off x="12225353" y="321054"/>
+            <a:ext cx="188491" cy="188745"/>
+          </a:xfrm>
+          <a:prstGeom prst="ellipse">
+            <a:avLst/>
+          </a:prstGeom>
+          <a:solidFill>
+            <a:srgbClr val="1BCF13"/>
+          </a:solidFill>
+          <a:ln w="12700">
+            <a:solidFill>
+              <a:schemeClr val="accent3"/>
+            </a:solidFill>
+          </a:ln>
+        </p:spPr>
+        <p:style>
+          <a:lnRef idx="2">
+            <a:schemeClr val="accent1">
+              <a:shade val="50000"/>
+            </a:schemeClr>
+          </a:lnRef>
+          <a:fillRef idx="1">
+            <a:schemeClr val="accent1"/>
+          </a:fillRef>
+          <a:effectRef idx="0">
+            <a:schemeClr val="accent1"/>
+          </a:effectRef>
+          <a:fontRef idx="minor">
+            <a:schemeClr val="lt1"/>
+          </a:fontRef>
+        </p:style>
+        <p:txBody>
+          <a:bodyPr wrap="none" lIns="52922" tIns="52922" rIns="52922" rtlCol="0" anchor="ctr"/>
+          <a:lstStyle/>
+          <a:p>
+            <a:pPr algn="ctr" defTabSz="672130"/>
+            <a:endParaRPr lang="en-US" sz="1176" dirty="0">
+              <a:solidFill>
+                <a:prstClr val="black"/>
+              </a:solidFill>
+              <a:latin typeface="Exo 2 Medium" panose="00000600000000000000" pitchFamily="50" charset="0"/>
+              <a:cs typeface="Simplon BP Regular"/>
+            </a:endParaRPr>
+          </a:p>
+        </p:txBody>
+      </p:sp>
+      <p:sp>
+        <p:nvSpPr>
+          <p:cNvPr id="18" name="Oval 134">
+            <a:extLst>
+              <a:ext uri="{FF2B5EF4-FFF2-40B4-BE49-F238E27FC236}">
+                <a16:creationId xmlns:a16="http://schemas.microsoft.com/office/drawing/2014/main" id="{B263849C-03DC-C50A-E89F-4966AC27C956}"/>
+              </a:ext>
+            </a:extLst>
+          </p:cNvPr>
+          <p:cNvSpPr>
+            <a:spLocks noChangeAspect="1"/>
+          </p:cNvSpPr>
+          <p:nvPr/>
+        </p:nvSpPr>
+        <p:spPr>
+          <a:xfrm>
+            <a:off x="10357938" y="367705"/>
+            <a:ext cx="188491" cy="188745"/>
+          </a:xfrm>
+          <a:prstGeom prst="ellipse">
+            <a:avLst/>
+          </a:prstGeom>
+          <a:solidFill>
+            <a:srgbClr val="1BCF13"/>
+          </a:solidFill>
+          <a:ln w="12700">
+            <a:solidFill>
+              <a:schemeClr val="accent3"/>
+            </a:solidFill>
+          </a:ln>
+        </p:spPr>
+        <p:style>
+          <a:lnRef idx="2">
+            <a:schemeClr val="accent1">
+              <a:shade val="50000"/>
+            </a:schemeClr>
+          </a:lnRef>
+          <a:fillRef idx="1">
+            <a:schemeClr val="accent1"/>
+          </a:fillRef>
+          <a:effectRef idx="0">
+            <a:schemeClr val="accent1"/>
+          </a:effectRef>
+          <a:fontRef idx="minor">
+            <a:schemeClr val="lt1"/>
+          </a:fontRef>
+        </p:style>
+        <p:txBody>
+          <a:bodyPr wrap="none" lIns="52922" tIns="52922" rIns="52922" rtlCol="0" anchor="ctr"/>
+          <a:lstStyle/>
+          <a:p>
+            <a:pPr algn="ctr" defTabSz="672130"/>
+            <a:endParaRPr lang="en-US" sz="1176" dirty="0">
+              <a:solidFill>
+                <a:prstClr val="black"/>
+              </a:solidFill>
+              <a:latin typeface="Exo 2 Medium" panose="00000600000000000000" pitchFamily="50" charset="0"/>
+              <a:cs typeface="Simplon BP Regular"/>
+            </a:endParaRPr>
+          </a:p>
+        </p:txBody>
+      </p:sp>
+      <p:sp>
+        <p:nvSpPr>
+          <p:cNvPr id="19" name="Oval 134">
+            <a:extLst>
+              <a:ext uri="{FF2B5EF4-FFF2-40B4-BE49-F238E27FC236}">
+                <a16:creationId xmlns:a16="http://schemas.microsoft.com/office/drawing/2014/main" id="{B0FFF6FE-CE8F-A1EB-B9F2-5469956FB30B}"/>
+              </a:ext>
+            </a:extLst>
+          </p:cNvPr>
+          <p:cNvSpPr>
+            <a:spLocks noChangeAspect="1"/>
+          </p:cNvSpPr>
+          <p:nvPr/>
+        </p:nvSpPr>
+        <p:spPr>
+          <a:xfrm>
+            <a:off x="3277148" y="4082788"/>
+            <a:ext cx="211404" cy="211689"/>
+          </a:xfrm>
+          <a:prstGeom prst="ellipse">
+            <a:avLst/>
+          </a:prstGeom>
+          <a:solidFill>
+            <a:srgbClr val="1BCF13"/>
+          </a:solidFill>
+          <a:ln w="12700">
+            <a:solidFill>
+              <a:schemeClr val="accent3"/>
+            </a:solidFill>
+          </a:ln>
+        </p:spPr>
+        <p:style>
+          <a:lnRef idx="2">
+            <a:schemeClr val="accent1">
+              <a:shade val="50000"/>
+            </a:schemeClr>
+          </a:lnRef>
+          <a:fillRef idx="1">
+            <a:schemeClr val="accent1"/>
+          </a:fillRef>
+          <a:effectRef idx="0">
+            <a:schemeClr val="accent1"/>
+          </a:effectRef>
+          <a:fontRef idx="minor">
+            <a:schemeClr val="lt1"/>
+          </a:fontRef>
+        </p:style>
+        <p:txBody>
+          <a:bodyPr wrap="none" lIns="52922" tIns="52922" rIns="52922" rtlCol="0" anchor="ctr"/>
+          <a:lstStyle/>
+          <a:p>
+            <a:pPr algn="ctr" defTabSz="672130"/>
+            <a:endParaRPr lang="en-US" sz="1176" dirty="0">
+              <a:solidFill>
+                <a:prstClr val="black"/>
+              </a:solidFill>
+              <a:latin typeface="Exo 2 Medium" panose="00000600000000000000" pitchFamily="50" charset="0"/>
+              <a:cs typeface="Simplon BP Regular"/>
+            </a:endParaRPr>
+          </a:p>
+        </p:txBody>
+      </p:sp>
+      <p:sp>
+        <p:nvSpPr>
+          <p:cNvPr id="20" name="Oval 134">
+            <a:extLst>
+              <a:ext uri="{FF2B5EF4-FFF2-40B4-BE49-F238E27FC236}">
+                <a16:creationId xmlns:a16="http://schemas.microsoft.com/office/drawing/2014/main" id="{77759218-FA94-2057-8466-7F65D85C86A2}"/>
+              </a:ext>
+            </a:extLst>
+          </p:cNvPr>
+          <p:cNvSpPr>
+            <a:spLocks noChangeAspect="1"/>
+          </p:cNvSpPr>
+          <p:nvPr/>
+        </p:nvSpPr>
+        <p:spPr>
+          <a:xfrm>
+            <a:off x="4489227" y="6354620"/>
+            <a:ext cx="211404" cy="211689"/>
+          </a:xfrm>
+          <a:prstGeom prst="ellipse">
+            <a:avLst/>
+          </a:prstGeom>
+          <a:solidFill>
+            <a:srgbClr val="1BCF13"/>
+          </a:solidFill>
+          <a:ln w="12700">
+            <a:solidFill>
+              <a:schemeClr val="accent3"/>
+            </a:solidFill>
+          </a:ln>
+        </p:spPr>
+        <p:style>
+          <a:lnRef idx="2">
+            <a:schemeClr val="accent1">
+              <a:shade val="50000"/>
+            </a:schemeClr>
+          </a:lnRef>
+          <a:fillRef idx="1">
+            <a:schemeClr val="accent1"/>
+          </a:fillRef>
+          <a:effectRef idx="0">
+            <a:schemeClr val="accent1"/>
+          </a:effectRef>
+          <a:fontRef idx="minor">
+            <a:schemeClr val="lt1"/>
+          </a:fontRef>
+        </p:style>
+        <p:txBody>
+          <a:bodyPr wrap="none" lIns="52922" tIns="52922" rIns="52922" rtlCol="0" anchor="ctr"/>
+          <a:lstStyle/>
+          <a:p>
+            <a:pPr algn="ctr" defTabSz="672130"/>
+            <a:endParaRPr lang="en-US" sz="1176" dirty="0">
+              <a:solidFill>
+                <a:prstClr val="black"/>
+              </a:solidFill>
+              <a:latin typeface="Exo 2 Medium" panose="00000600000000000000" pitchFamily="50" charset="0"/>
+              <a:cs typeface="Simplon BP Regular"/>
+            </a:endParaRPr>
+          </a:p>
+        </p:txBody>
+      </p:sp>
+    </p:spTree>
+    <p:extLst>
+      <p:ext uri="{BB962C8B-B14F-4D97-AF65-F5344CB8AC3E}">
+        <p14:creationId xmlns:p14="http://schemas.microsoft.com/office/powerpoint/2010/main" val="4193133841"/>
       </p:ext>
     </p:extLst>
   </p:cSld>
